--- a/Java_Mentoring_Revised.pptx
+++ b/Java_Mentoring_Revised.pptx
@@ -319,7 +319,7 @@
           <a:p>
             <a:fld id="{65DD71D7-55AC-46BD-81B3-09AB2F9EFBD8}" type="datetimeFigureOut">
               <a:rPr lang="en-US" smtClean="0"/>
-              <a:t>5/2/2023</a:t>
+              <a:t>5/4/2023</a:t>
             </a:fld>
             <a:endParaRPr lang="en-US"/>
           </a:p>
@@ -484,7 +484,7 @@
           <a:p>
             <a:fld id="{1F89424F-BB59-4F4E-9822-4CA3E770FFD2}" type="datetimeFigureOut">
               <a:rPr lang="en-US" smtClean="0"/>
-              <a:t>5/2/2023</a:t>
+              <a:t>5/4/2023</a:t>
             </a:fld>
             <a:endParaRPr lang="en-US"/>
           </a:p>
@@ -898,7 +898,7 @@
           <a:p>
             <a:fld id="{78BFB28C-BD7D-423C-9158-5BE24283DC10}" type="datetimeFigureOut">
               <a:rPr lang="en-US" smtClean="0"/>
-              <a:t>5/2/2023</a:t>
+              <a:t>5/4/2023</a:t>
             </a:fld>
             <a:endParaRPr lang="en-US"/>
           </a:p>
@@ -1165,7 +1165,7 @@
             <a:fld id="{C9872EE9-AF66-483C-961F-59B9F002993E}" type="datetime1">
               <a:rPr lang="en-US" smtClean="0"/>
               <a:pPr/>
-              <a:t>5/2/2023</a:t>
+              <a:t>5/4/2023</a:t>
             </a:fld>
             <a:endParaRPr lang="en-US" dirty="0"/>
           </a:p>
@@ -1390,7 +1390,7 @@
             <a:fld id="{C7BEAFD5-7FA3-40FB-875B-457FB46B25A4}" type="datetime1">
               <a:rPr lang="en-US" smtClean="0"/>
               <a:pPr/>
-              <a:t>5/2/2023</a:t>
+              <a:t>5/4/2023</a:t>
             </a:fld>
             <a:endParaRPr lang="en-US" dirty="0"/>
           </a:p>
@@ -1605,7 +1605,7 @@
             <a:fld id="{89AD63E2-E931-4653-BB33-A910E07D11B2}" type="datetime1">
               <a:rPr lang="en-US" smtClean="0"/>
               <a:pPr/>
-              <a:t>5/2/2023</a:t>
+              <a:t>5/4/2023</a:t>
             </a:fld>
             <a:endParaRPr lang="en-US" dirty="0"/>
           </a:p>
@@ -1901,7 +1901,7 @@
           <a:p>
             <a:fld id="{78BFB28C-BD7D-423C-9158-5BE24283DC10}" type="datetimeFigureOut">
               <a:rPr lang="en-US" smtClean="0"/>
-              <a:t>5/2/2023</a:t>
+              <a:t>5/4/2023</a:t>
             </a:fld>
             <a:endParaRPr lang="en-US"/>
           </a:p>
@@ -2270,7 +2270,7 @@
             <a:fld id="{C9EA1F43-559A-4B47-A959-EFB6142CA3A9}" type="datetime1">
               <a:rPr lang="en-US" smtClean="0"/>
               <a:pPr/>
-              <a:t>5/2/2023</a:t>
+              <a:t>5/4/2023</a:t>
             </a:fld>
             <a:endParaRPr lang="en-US" dirty="0"/>
           </a:p>
@@ -2699,7 +2699,7 @@
             <a:fld id="{F1261AED-24AE-4AC7-940D-F7106D2788A3}" type="datetime1">
               <a:rPr lang="en-US" smtClean="0"/>
               <a:pPr/>
-              <a:t>5/2/2023</a:t>
+              <a:t>5/4/2023</a:t>
             </a:fld>
             <a:endParaRPr lang="en-US" dirty="0"/>
           </a:p>
@@ -2857,7 +2857,7 @@
             <a:fld id="{EC425771-5E10-4A19-AB0E-909293152332}" type="datetime1">
               <a:rPr lang="en-US" smtClean="0"/>
               <a:pPr/>
-              <a:t>5/2/2023</a:t>
+              <a:t>5/4/2023</a:t>
             </a:fld>
             <a:endParaRPr lang="en-US" dirty="0"/>
           </a:p>
@@ -2987,7 +2987,7 @@
             <a:fld id="{03606FD5-B03F-45D5-A178-114C548C0032}" type="datetime1">
               <a:rPr lang="en-US" smtClean="0"/>
               <a:pPr/>
-              <a:t>5/2/2023</a:t>
+              <a:t>5/4/2023</a:t>
             </a:fld>
             <a:endParaRPr lang="en-US" dirty="0"/>
           </a:p>
@@ -3315,7 +3315,7 @@
             <a:fld id="{E8B012C0-B102-441D-AA86-2C80DFA84E68}" type="datetime1">
               <a:rPr lang="en-US" smtClean="0"/>
               <a:pPr/>
-              <a:t>5/2/2023</a:t>
+              <a:t>5/4/2023</a:t>
             </a:fld>
             <a:endParaRPr lang="en-US" dirty="0"/>
           </a:p>
@@ -3711,7 +3711,7 @@
             <a:fld id="{601E0B12-F9DE-47EF-A076-CF602073F1B2}" type="datetime1">
               <a:rPr lang="en-US" smtClean="0"/>
               <a:pPr/>
-              <a:t>5/2/2023</a:t>
+              <a:t>5/4/2023</a:t>
             </a:fld>
             <a:endParaRPr lang="en-US" dirty="0"/>
           </a:p>
@@ -4025,7 +4025,7 @@
             <a:fld id="{C8B93266-8FB4-430B-8AE3-3A53F50E1A0B}" type="datetime1">
               <a:rPr lang="en-US" smtClean="0"/>
               <a:pPr/>
-              <a:t>5/2/2023</a:t>
+              <a:t>5/4/2023</a:t>
             </a:fld>
             <a:endParaRPr lang="en-US" dirty="0"/>
           </a:p>
@@ -8918,7 +8918,7 @@
                 <a:effectLst/>
                 <a:latin typeface="Verdana" panose="020B0604030504040204" pitchFamily="34" charset="0"/>
               </a:rPr>
-              <a:t> is a block of code which only runs when it is called.</a:t>
+              <a:t> is a reusable block of code which can be executed as many times as you want.</a:t>
             </a:r>
           </a:p>
           <a:p>

--- a/Java_Mentoring_Revised.pptx
+++ b/Java_Mentoring_Revised.pptx
@@ -5,10 +5,10 @@
     <p:sldMasterId id="2147483660" r:id="rId1"/>
   </p:sldMasterIdLst>
   <p:notesMasterIdLst>
-    <p:notesMasterId r:id="rId51"/>
+    <p:notesMasterId r:id="rId52"/>
   </p:notesMasterIdLst>
   <p:handoutMasterIdLst>
-    <p:handoutMasterId r:id="rId52"/>
+    <p:handoutMasterId r:id="rId53"/>
   </p:handoutMasterIdLst>
   <p:sldIdLst>
     <p:sldId id="341" r:id="rId2"/>
@@ -34,32 +34,33 @@
     <p:sldId id="358" r:id="rId22"/>
     <p:sldId id="286" r:id="rId23"/>
     <p:sldId id="297" r:id="rId24"/>
-    <p:sldId id="337" r:id="rId25"/>
+    <p:sldId id="361" r:id="rId25"/>
     <p:sldId id="292" r:id="rId26"/>
     <p:sldId id="334" r:id="rId27"/>
     <p:sldId id="342" r:id="rId28"/>
-    <p:sldId id="333" r:id="rId29"/>
-    <p:sldId id="343" r:id="rId30"/>
-    <p:sldId id="344" r:id="rId31"/>
-    <p:sldId id="347" r:id="rId32"/>
-    <p:sldId id="336" r:id="rId33"/>
-    <p:sldId id="340" r:id="rId34"/>
-    <p:sldId id="303" r:id="rId35"/>
-    <p:sldId id="304" r:id="rId36"/>
-    <p:sldId id="332" r:id="rId37"/>
-    <p:sldId id="331" r:id="rId38"/>
-    <p:sldId id="352" r:id="rId39"/>
-    <p:sldId id="353" r:id="rId40"/>
-    <p:sldId id="354" r:id="rId41"/>
-    <p:sldId id="355" r:id="rId42"/>
-    <p:sldId id="356" r:id="rId43"/>
-    <p:sldId id="357" r:id="rId44"/>
-    <p:sldId id="281" r:id="rId45"/>
-    <p:sldId id="348" r:id="rId46"/>
-    <p:sldId id="349" r:id="rId47"/>
-    <p:sldId id="350" r:id="rId48"/>
-    <p:sldId id="351" r:id="rId49"/>
-    <p:sldId id="311" r:id="rId50"/>
+    <p:sldId id="337" r:id="rId29"/>
+    <p:sldId id="332" r:id="rId30"/>
+    <p:sldId id="331" r:id="rId31"/>
+    <p:sldId id="333" r:id="rId32"/>
+    <p:sldId id="343" r:id="rId33"/>
+    <p:sldId id="344" r:id="rId34"/>
+    <p:sldId id="347" r:id="rId35"/>
+    <p:sldId id="336" r:id="rId36"/>
+    <p:sldId id="340" r:id="rId37"/>
+    <p:sldId id="303" r:id="rId38"/>
+    <p:sldId id="304" r:id="rId39"/>
+    <p:sldId id="352" r:id="rId40"/>
+    <p:sldId id="353" r:id="rId41"/>
+    <p:sldId id="354" r:id="rId42"/>
+    <p:sldId id="355" r:id="rId43"/>
+    <p:sldId id="356" r:id="rId44"/>
+    <p:sldId id="357" r:id="rId45"/>
+    <p:sldId id="281" r:id="rId46"/>
+    <p:sldId id="348" r:id="rId47"/>
+    <p:sldId id="349" r:id="rId48"/>
+    <p:sldId id="350" r:id="rId49"/>
+    <p:sldId id="351" r:id="rId50"/>
+    <p:sldId id="311" r:id="rId51"/>
   </p:sldIdLst>
   <p:sldSz cx="12192000" cy="6858000"/>
   <p:notesSz cx="6858000" cy="9144000"/>
@@ -186,10 +187,13 @@
             <p14:sldId id="358"/>
             <p14:sldId id="286"/>
             <p14:sldId id="297"/>
-            <p14:sldId id="337"/>
+            <p14:sldId id="361"/>
             <p14:sldId id="292"/>
             <p14:sldId id="334"/>
             <p14:sldId id="342"/>
+            <p14:sldId id="337"/>
+            <p14:sldId id="332"/>
+            <p14:sldId id="331"/>
             <p14:sldId id="333"/>
             <p14:sldId id="343"/>
             <p14:sldId id="344"/>
@@ -198,8 +202,6 @@
             <p14:sldId id="340"/>
             <p14:sldId id="303"/>
             <p14:sldId id="304"/>
-            <p14:sldId id="332"/>
-            <p14:sldId id="331"/>
             <p14:sldId id="352"/>
             <p14:sldId id="353"/>
             <p14:sldId id="354"/>
@@ -319,7 +321,7 @@
           <a:p>
             <a:fld id="{65DD71D7-55AC-46BD-81B3-09AB2F9EFBD8}" type="datetimeFigureOut">
               <a:rPr lang="en-US" smtClean="0"/>
-              <a:t>5/4/2023</a:t>
+              <a:t>5/6/2023</a:t>
             </a:fld>
             <a:endParaRPr lang="en-US"/>
           </a:p>
@@ -484,7 +486,7 @@
           <a:p>
             <a:fld id="{1F89424F-BB59-4F4E-9822-4CA3E770FFD2}" type="datetimeFigureOut">
               <a:rPr lang="en-US" smtClean="0"/>
-              <a:t>5/4/2023</a:t>
+              <a:t>5/6/2023</a:t>
             </a:fld>
             <a:endParaRPr lang="en-US"/>
           </a:p>
@@ -898,7 +900,7 @@
           <a:p>
             <a:fld id="{78BFB28C-BD7D-423C-9158-5BE24283DC10}" type="datetimeFigureOut">
               <a:rPr lang="en-US" smtClean="0"/>
-              <a:t>5/4/2023</a:t>
+              <a:t>5/6/2023</a:t>
             </a:fld>
             <a:endParaRPr lang="en-US"/>
           </a:p>
@@ -1165,7 +1167,7 @@
             <a:fld id="{C9872EE9-AF66-483C-961F-59B9F002993E}" type="datetime1">
               <a:rPr lang="en-US" smtClean="0"/>
               <a:pPr/>
-              <a:t>5/4/2023</a:t>
+              <a:t>5/6/2023</a:t>
             </a:fld>
             <a:endParaRPr lang="en-US" dirty="0"/>
           </a:p>
@@ -1390,7 +1392,7 @@
             <a:fld id="{C7BEAFD5-7FA3-40FB-875B-457FB46B25A4}" type="datetime1">
               <a:rPr lang="en-US" smtClean="0"/>
               <a:pPr/>
-              <a:t>5/4/2023</a:t>
+              <a:t>5/6/2023</a:t>
             </a:fld>
             <a:endParaRPr lang="en-US" dirty="0"/>
           </a:p>
@@ -1605,7 +1607,7 @@
             <a:fld id="{89AD63E2-E931-4653-BB33-A910E07D11B2}" type="datetime1">
               <a:rPr lang="en-US" smtClean="0"/>
               <a:pPr/>
-              <a:t>5/4/2023</a:t>
+              <a:t>5/6/2023</a:t>
             </a:fld>
             <a:endParaRPr lang="en-US" dirty="0"/>
           </a:p>
@@ -1901,7 +1903,7 @@
           <a:p>
             <a:fld id="{78BFB28C-BD7D-423C-9158-5BE24283DC10}" type="datetimeFigureOut">
               <a:rPr lang="en-US" smtClean="0"/>
-              <a:t>5/4/2023</a:t>
+              <a:t>5/6/2023</a:t>
             </a:fld>
             <a:endParaRPr lang="en-US"/>
           </a:p>
@@ -2270,7 +2272,7 @@
             <a:fld id="{C9EA1F43-559A-4B47-A959-EFB6142CA3A9}" type="datetime1">
               <a:rPr lang="en-US" smtClean="0"/>
               <a:pPr/>
-              <a:t>5/4/2023</a:t>
+              <a:t>5/6/2023</a:t>
             </a:fld>
             <a:endParaRPr lang="en-US" dirty="0"/>
           </a:p>
@@ -2699,7 +2701,7 @@
             <a:fld id="{F1261AED-24AE-4AC7-940D-F7106D2788A3}" type="datetime1">
               <a:rPr lang="en-US" smtClean="0"/>
               <a:pPr/>
-              <a:t>5/4/2023</a:t>
+              <a:t>5/6/2023</a:t>
             </a:fld>
             <a:endParaRPr lang="en-US" dirty="0"/>
           </a:p>
@@ -2857,7 +2859,7 @@
             <a:fld id="{EC425771-5E10-4A19-AB0E-909293152332}" type="datetime1">
               <a:rPr lang="en-US" smtClean="0"/>
               <a:pPr/>
-              <a:t>5/4/2023</a:t>
+              <a:t>5/6/2023</a:t>
             </a:fld>
             <a:endParaRPr lang="en-US" dirty="0"/>
           </a:p>
@@ -2987,7 +2989,7 @@
             <a:fld id="{03606FD5-B03F-45D5-A178-114C548C0032}" type="datetime1">
               <a:rPr lang="en-US" smtClean="0"/>
               <a:pPr/>
-              <a:t>5/4/2023</a:t>
+              <a:t>5/6/2023</a:t>
             </a:fld>
             <a:endParaRPr lang="en-US" dirty="0"/>
           </a:p>
@@ -3315,7 +3317,7 @@
             <a:fld id="{E8B012C0-B102-441D-AA86-2C80DFA84E68}" type="datetime1">
               <a:rPr lang="en-US" smtClean="0"/>
               <a:pPr/>
-              <a:t>5/4/2023</a:t>
+              <a:t>5/6/2023</a:t>
             </a:fld>
             <a:endParaRPr lang="en-US" dirty="0"/>
           </a:p>
@@ -3711,7 +3713,7 @@
             <a:fld id="{601E0B12-F9DE-47EF-A076-CF602073F1B2}" type="datetime1">
               <a:rPr lang="en-US" smtClean="0"/>
               <a:pPr/>
-              <a:t>5/4/2023</a:t>
+              <a:t>5/6/2023</a:t>
             </a:fld>
             <a:endParaRPr lang="en-US" dirty="0"/>
           </a:p>
@@ -4025,7 +4027,7 @@
             <a:fld id="{C8B93266-8FB4-430B-8AE3-3A53F50E1A0B}" type="datetime1">
               <a:rPr lang="en-US" smtClean="0"/>
               <a:pPr/>
-              <a:t>5/4/2023</a:t>
+              <a:t>5/6/2023</a:t>
             </a:fld>
             <a:endParaRPr lang="en-US" dirty="0"/>
           </a:p>
@@ -9781,21 +9783,7 @@
                 <a:effectLst/>
                 <a:latin typeface="+mn-lt"/>
               </a:rPr>
-              <a:t>Non-Primitive</a:t>
-            </a:r>
-            <a:r>
-              <a:rPr lang="en-US" sz="2000" dirty="0">
-                <a:effectLst/>
-                <a:latin typeface="+mn-lt"/>
-              </a:rPr>
-              <a:t> </a:t>
-            </a:r>
-            <a:r>
-              <a:rPr lang="en-US" sz="4000" dirty="0">
-                <a:effectLst/>
-                <a:latin typeface="+mn-lt"/>
-              </a:rPr>
-              <a:t>data types</a:t>
+              <a:t>Static Keyword</a:t>
             </a:r>
           </a:p>
         </p:txBody>
@@ -9828,175 +9816,121 @@
           </a:bodyPr>
           <a:lstStyle/>
           <a:p>
-            <a:pPr marL="45720" indent="0">
-              <a:buNone/>
-            </a:pPr>
-            <a:r>
-              <a:rPr lang="en-US" sz="2000" dirty="0">
-                <a:solidFill>
-                  <a:schemeClr val="accent5"/>
-                </a:solidFill>
-              </a:rPr>
-              <a:t>Non primitive data types are predefined Java classes, which have many types of methods.</a:t>
-            </a:r>
-          </a:p>
-          <a:p>
-            <a:pPr>
-              <a:buFont typeface="Wingdings" panose="05000000000000000000" pitchFamily="2" charset="2"/>
-              <a:buChar char="Ø"/>
-            </a:pPr>
-            <a:r>
-              <a:rPr lang="en-US" sz="2000" b="1" dirty="0">
-                <a:solidFill>
-                  <a:schemeClr val="accent5"/>
-                </a:solidFill>
-              </a:rPr>
-              <a:t>array list</a:t>
-            </a:r>
-            <a:r>
-              <a:rPr lang="en-US" sz="2000" dirty="0">
-                <a:solidFill>
-                  <a:schemeClr val="accent5"/>
-                </a:solidFill>
-              </a:rPr>
-              <a:t>: </a:t>
-            </a:r>
-            <a:r>
-              <a:rPr lang="en-US" sz="2000" b="0" i="0" dirty="0">
-                <a:solidFill>
-                  <a:schemeClr val="accent5"/>
-                </a:solidFill>
-                <a:effectLst/>
-              </a:rPr>
-              <a:t>An Array List class is a </a:t>
-            </a:r>
-            <a:r>
-              <a:rPr lang="en-US" sz="2000" b="1" i="0" dirty="0">
-                <a:solidFill>
-                  <a:schemeClr val="accent5"/>
-                </a:solidFill>
-                <a:effectLst/>
-              </a:rPr>
-              <a:t>resizable array</a:t>
-            </a:r>
-            <a:r>
-              <a:rPr lang="en-US" sz="2000" b="0" i="0" dirty="0">
-                <a:solidFill>
-                  <a:schemeClr val="accent5"/>
-                </a:solidFill>
-                <a:effectLst/>
-              </a:rPr>
-              <a:t>, which is present in the Java. util package. While built-in arrays have a fixed size, Array Lists can change their size dynamically. Elements can be added and removed from an Array List whenever there is a need, helping the user with memory management.</a:t>
-            </a:r>
-            <a:endParaRPr lang="en-US" sz="2000" dirty="0">
-              <a:solidFill>
-                <a:schemeClr val="accent5"/>
-              </a:solidFill>
-            </a:endParaRPr>
-          </a:p>
-          <a:p>
-            <a:pPr>
-              <a:buFont typeface="Wingdings" panose="05000000000000000000" pitchFamily="2" charset="2"/>
-              <a:buChar char="Ø"/>
-            </a:pPr>
-            <a:r>
-              <a:rPr lang="en-US" sz="2000" b="1" dirty="0">
-                <a:solidFill>
-                  <a:schemeClr val="accent5"/>
-                </a:solidFill>
-              </a:rPr>
-              <a:t>HashMap</a:t>
-            </a:r>
-            <a:r>
-              <a:rPr lang="en-US" sz="2000" dirty="0">
-                <a:solidFill>
-                  <a:schemeClr val="accent5"/>
-                </a:solidFill>
-              </a:rPr>
-              <a:t>: </a:t>
-            </a:r>
-            <a:r>
-              <a:rPr lang="en-US" sz="2000" b="0" i="0" dirty="0">
-                <a:solidFill>
-                  <a:schemeClr val="accent5"/>
-                </a:solidFill>
-                <a:effectLst/>
-              </a:rPr>
-              <a:t>Java HashMap is </a:t>
-            </a:r>
-            <a:r>
-              <a:rPr lang="en-US" sz="2000" b="1" i="0" dirty="0">
-                <a:solidFill>
-                  <a:schemeClr val="accent5"/>
-                </a:solidFill>
-                <a:effectLst/>
-              </a:rPr>
-              <a:t>a hash table-based implementation of Java's Map interface</a:t>
-            </a:r>
-            <a:r>
-              <a:rPr lang="en-US" sz="2000" b="0" i="0" dirty="0">
-                <a:solidFill>
-                  <a:schemeClr val="accent5"/>
-                </a:solidFill>
-                <a:effectLst/>
-              </a:rPr>
-              <a:t>. A Map, as you might know, is a collection of key-value pairs. It maps keys to values. Java HashMap allows null values and the null key. HashMap is an unordered collection</a:t>
-            </a:r>
-            <a:endParaRPr lang="en-US" sz="2000" dirty="0">
-              <a:solidFill>
-                <a:schemeClr val="accent5"/>
-              </a:solidFill>
-            </a:endParaRPr>
-          </a:p>
-          <a:p>
-            <a:pPr>
-              <a:buFont typeface="Wingdings" panose="05000000000000000000" pitchFamily="2" charset="2"/>
-              <a:buChar char="Ø"/>
-            </a:pPr>
-            <a:r>
-              <a:rPr lang="en-US" sz="2000" b="1" dirty="0">
-                <a:solidFill>
-                  <a:schemeClr val="accent5"/>
-                </a:solidFill>
-              </a:rPr>
-              <a:t>List</a:t>
-            </a:r>
-            <a:r>
-              <a:rPr lang="en-US" sz="2000" dirty="0">
-                <a:solidFill>
-                  <a:schemeClr val="accent5"/>
-                </a:solidFill>
-              </a:rPr>
-              <a:t>:</a:t>
-            </a:r>
-            <a:r>
-              <a:rPr lang="en-US" sz="2000" b="0" i="0" dirty="0">
-                <a:solidFill>
-                  <a:schemeClr val="accent5"/>
-                </a:solidFill>
-                <a:effectLst/>
-              </a:rPr>
-              <a:t> List is </a:t>
-            </a:r>
-            <a:r>
-              <a:rPr lang="en-US" sz="2000" b="1" i="0" dirty="0">
-                <a:solidFill>
-                  <a:schemeClr val="accent5"/>
-                </a:solidFill>
-                <a:effectLst/>
-              </a:rPr>
-              <a:t>a child interface of Collection</a:t>
-            </a:r>
-            <a:r>
-              <a:rPr lang="en-US" sz="2000" b="0" i="0" dirty="0">
-                <a:solidFill>
-                  <a:schemeClr val="accent5"/>
-                </a:solidFill>
-                <a:effectLst/>
-              </a:rPr>
-              <a:t>. It is an ordered collection of objects in which duplicate values can be stored. Since List preserves the insertion order, it allows positional access and insertion of elements</a:t>
-            </a:r>
-            <a:endParaRPr lang="en-US" sz="1900" dirty="0"/>
+            <a:pPr marL="0" indent="0" algn="l">
+              <a:buNone/>
+            </a:pPr>
+            <a:r>
+              <a:rPr lang="en-US" sz="1800" dirty="0">
+                <a:solidFill>
+                  <a:schemeClr val="accent5"/>
+                </a:solidFill>
+                <a:latin typeface="Söhne"/>
+              </a:rPr>
+              <a:t>T</a:t>
+            </a:r>
+            <a:r>
+              <a:rPr lang="en-US" sz="1800" b="0" i="0" dirty="0">
+                <a:solidFill>
+                  <a:schemeClr val="accent5"/>
+                </a:solidFill>
+                <a:effectLst/>
+                <a:latin typeface="Söhne"/>
+              </a:rPr>
+              <a:t>he static keyword is used to create class-level variables and methods that can be accessed without creating an instance of the class.</a:t>
+            </a:r>
+          </a:p>
+          <a:p>
+            <a:pPr marL="0" indent="0" algn="l">
+              <a:buNone/>
+            </a:pPr>
+            <a:r>
+              <a:rPr lang="en-US" sz="1800" b="0" i="0" dirty="0">
+                <a:solidFill>
+                  <a:schemeClr val="accent5"/>
+                </a:solidFill>
+                <a:effectLst/>
+                <a:latin typeface="Söhne"/>
+              </a:rPr>
+              <a:t>When a variable or method is declared as static, it belongs to the class rather than to any instance of the class. This means that all objects of that class share the same static variable or method, and changes made to it affect all objects of that class.</a:t>
+            </a:r>
+          </a:p>
+          <a:p>
+            <a:pPr marL="0" indent="0" algn="l">
+              <a:buNone/>
+            </a:pPr>
+            <a:r>
+              <a:rPr lang="en-US" sz="1800" b="0" i="0" dirty="0">
+                <a:solidFill>
+                  <a:schemeClr val="accent5"/>
+                </a:solidFill>
+                <a:effectLst/>
+                <a:latin typeface="Söhne"/>
+              </a:rPr>
+              <a:t>Some common uses of static in Java include:</a:t>
+            </a:r>
+          </a:p>
+          <a:p>
+            <a:pPr algn="l">
+              <a:buFont typeface="Arial" panose="020B0604020202020204" pitchFamily="34" charset="0"/>
+              <a:buChar char="•"/>
+            </a:pPr>
+            <a:r>
+              <a:rPr lang="en-US" sz="1800" b="0" i="0" dirty="0">
+                <a:solidFill>
+                  <a:schemeClr val="accent5"/>
+                </a:solidFill>
+                <a:effectLst/>
+                <a:latin typeface="Söhne"/>
+              </a:rPr>
+              <a:t>Creating constants that are shared by all instances of a class</a:t>
+            </a:r>
+          </a:p>
+          <a:p>
+            <a:pPr algn="l">
+              <a:buFont typeface="Arial" panose="020B0604020202020204" pitchFamily="34" charset="0"/>
+              <a:buChar char="•"/>
+            </a:pPr>
+            <a:r>
+              <a:rPr lang="en-US" sz="1800" b="0" i="0" dirty="0">
+                <a:solidFill>
+                  <a:schemeClr val="accent5"/>
+                </a:solidFill>
+                <a:effectLst/>
+                <a:latin typeface="Söhne"/>
+              </a:rPr>
+              <a:t>Creating utility methods that do not depend on instance variables</a:t>
+            </a:r>
+          </a:p>
+          <a:p>
+            <a:pPr algn="l">
+              <a:buFont typeface="Arial" panose="020B0604020202020204" pitchFamily="34" charset="0"/>
+              <a:buChar char="•"/>
+            </a:pPr>
+            <a:r>
+              <a:rPr lang="en-US" sz="1800" b="0" i="0" dirty="0">
+                <a:solidFill>
+                  <a:schemeClr val="accent5"/>
+                </a:solidFill>
+                <a:effectLst/>
+                <a:latin typeface="Söhne"/>
+              </a:rPr>
+              <a:t>Counting the number of objects created by a class using a static variable</a:t>
+            </a:r>
+          </a:p>
+          <a:p>
+            <a:pPr marL="0" indent="0" algn="l">
+              <a:buNone/>
+            </a:pPr>
+            <a:r>
+              <a:rPr lang="en-US" sz="1800" b="0" i="0" dirty="0">
+                <a:solidFill>
+                  <a:schemeClr val="accent5"/>
+                </a:solidFill>
+                <a:effectLst/>
+                <a:latin typeface="Söhne"/>
+              </a:rPr>
+              <a:t>It is important to note that static variables and methods cannot access non-static variables or methods in the same class. They can only access other static variables or methods, or static variables and methods in other classes.</a:t>
+            </a:r>
           </a:p>
           <a:p>
             <a:pPr>
@@ -10010,7 +9944,7 @@
     </p:spTree>
     <p:extLst>
       <p:ext uri="{BB962C8B-B14F-4D97-AF65-F5344CB8AC3E}">
-        <p14:creationId xmlns:p14="http://schemas.microsoft.com/office/powerpoint/2010/main" val="1202725657"/>
+        <p14:creationId xmlns:p14="http://schemas.microsoft.com/office/powerpoint/2010/main" val="2204765097"/>
       </p:ext>
     </p:extLst>
   </p:cSld>
@@ -10493,7 +10427,43 @@
                 </a:solidFill>
                 <a:effectLst/>
               </a:rPr>
-              <a:t>					Employee emp= new Employee();</a:t>
+              <a:t>					</a:t>
+            </a:r>
+            <a:r>
+              <a:rPr lang="en-US" sz="2200" b="0" i="0" dirty="0" err="1">
+                <a:solidFill>
+                  <a:schemeClr val="accent5"/>
+                </a:solidFill>
+                <a:effectLst/>
+              </a:rPr>
+              <a:t>ShoppingCart</a:t>
+            </a:r>
+            <a:r>
+              <a:rPr lang="en-US" sz="2200" b="0" i="0" dirty="0">
+                <a:solidFill>
+                  <a:schemeClr val="accent5"/>
+                </a:solidFill>
+                <a:effectLst/>
+              </a:rPr>
+              <a:t> cart= new </a:t>
+            </a:r>
+            <a:r>
+              <a:rPr lang="en-US" sz="2200" b="0" i="0" dirty="0" err="1">
+                <a:solidFill>
+                  <a:schemeClr val="accent5"/>
+                </a:solidFill>
+                <a:effectLst/>
+              </a:rPr>
+              <a:t>ShoppingCart</a:t>
+            </a:r>
+            <a:r>
+              <a:rPr lang="en-US" sz="2200" b="0" i="0" dirty="0">
+                <a:solidFill>
+                  <a:schemeClr val="accent5"/>
+                </a:solidFill>
+                <a:effectLst/>
+              </a:rPr>
+              <a:t>();</a:t>
             </a:r>
           </a:p>
           <a:p>
@@ -10780,7 +10750,7 @@
           <p:cNvPr id="2" name="Title 1">
             <a:extLst>
               <a:ext uri="{FF2B5EF4-FFF2-40B4-BE49-F238E27FC236}">
-                <a16:creationId xmlns:a16="http://schemas.microsoft.com/office/drawing/2014/main" id="{564213B3-4B78-4150-91AC-0B7E699A9819}"/>
+                <a16:creationId xmlns:a16="http://schemas.microsoft.com/office/drawing/2014/main" id="{CC80DD52-A2A8-4D6B-A72F-BE40121BA172}"/>
               </a:ext>
             </a:extLst>
           </p:cNvPr>
@@ -10793,38 +10763,27 @@
         </p:nvSpPr>
         <p:spPr>
           <a:xfrm>
-            <a:off x="436727" y="496817"/>
-            <a:ext cx="11455021" cy="982639"/>
+            <a:off x="1295400" y="296029"/>
+            <a:ext cx="9601200" cy="757451"/>
           </a:xfrm>
         </p:spPr>
         <p:txBody>
-          <a:bodyPr>
+          <a:bodyPr anchor="b">
             <a:normAutofit/>
           </a:bodyPr>
           <a:lstStyle/>
           <a:p>
             <a:pPr algn="ctr"/>
             <a:r>
-              <a:rPr lang="en-US" sz="4400" i="0" dirty="0">
-                <a:effectLst/>
+              <a:rPr lang="en-US" sz="4000" dirty="0">
                 <a:latin typeface="+mn-lt"/>
               </a:rPr>
-              <a:t>What is </a:t>
-            </a:r>
-            <a:r>
-              <a:rPr lang="en-US" i="0" dirty="0">
-                <a:latin typeface="+mn-lt"/>
-              </a:rPr>
-              <a:t>I</a:t>
-            </a:r>
-            <a:r>
-              <a:rPr lang="en-US" sz="4400" dirty="0">
-                <a:effectLst/>
-                <a:latin typeface="+mn-lt"/>
-              </a:rPr>
-              <a:t>nheritance</a:t>
-            </a:r>
-            <a:endParaRPr lang="en-US" dirty="0"/>
+              <a:t>Access Modifiers</a:t>
+            </a:r>
+            <a:endParaRPr lang="en-US" sz="4000" dirty="0">
+              <a:effectLst/>
+              <a:latin typeface="+mn-lt"/>
+            </a:endParaRPr>
           </a:p>
         </p:txBody>
       </p:sp>
@@ -10833,7 +10792,7 @@
           <p:cNvPr id="3" name="Content Placeholder 2">
             <a:extLst>
               <a:ext uri="{FF2B5EF4-FFF2-40B4-BE49-F238E27FC236}">
-                <a16:creationId xmlns:a16="http://schemas.microsoft.com/office/drawing/2014/main" id="{04D4EF24-91FB-46EE-B7B2-02B0888C63A7}"/>
+                <a16:creationId xmlns:a16="http://schemas.microsoft.com/office/drawing/2014/main" id="{0540DDB5-C138-4E36-8E55-4E4DB0700EEA}"/>
               </a:ext>
             </a:extLst>
           </p:cNvPr>
@@ -10841,124 +10800,167 @@
             <a:spLocks noGrp="1"/>
           </p:cNvSpPr>
           <p:nvPr>
-            <p:ph idx="1"/>
+            <p:ph sz="half" idx="1"/>
           </p:nvPr>
         </p:nvSpPr>
         <p:spPr>
           <a:xfrm>
-            <a:off x="300252" y="1801789"/>
-            <a:ext cx="11723427" cy="3980640"/>
+            <a:off x="644327" y="1317354"/>
+            <a:ext cx="10903346" cy="3642774"/>
           </a:xfrm>
         </p:spPr>
         <p:txBody>
           <a:bodyPr>
-            <a:noAutofit/>
+            <a:normAutofit lnSpcReduction="10000"/>
           </a:bodyPr>
           <a:lstStyle/>
           <a:p>
-            <a:pPr marL="45720" indent="0">
-              <a:buNone/>
-            </a:pPr>
-            <a:r>
-              <a:rPr lang="en-US" sz="2400" b="1" u="sng" dirty="0">
-                <a:solidFill>
-                  <a:schemeClr val="accent5"/>
-                </a:solidFill>
-              </a:rPr>
-              <a:t>INHERITANCE:</a:t>
-            </a:r>
-            <a:r>
-              <a:rPr lang="en-US" sz="2400" dirty="0">
-                <a:solidFill>
-                  <a:schemeClr val="accent5"/>
-                </a:solidFill>
-              </a:rPr>
-              <a:t> </a:t>
-            </a:r>
-            <a:r>
-              <a:rPr lang="en-US" sz="2400" b="0" i="0" dirty="0">
-                <a:solidFill>
-                  <a:schemeClr val="accent5"/>
-                </a:solidFill>
-                <a:effectLst/>
-              </a:rPr>
-              <a:t>Inheritance is one of the Basic Concepts of OOPs in which one object acquires the properties and behaviors of the parent object. It’s creating a parent-child relationship between two classes. It offers robust and natural mechanism for organizing and structure of any software. we use the key word extends to </a:t>
-            </a:r>
-            <a:r>
-              <a:rPr lang="en-US" sz="2400" dirty="0">
-                <a:solidFill>
-                  <a:schemeClr val="accent5"/>
-                </a:solidFill>
-              </a:rPr>
-              <a:t>establish parent –child relationship</a:t>
-            </a:r>
-          </a:p>
-          <a:p>
-            <a:pPr marL="45720" indent="0">
-              <a:buNone/>
-            </a:pPr>
-            <a:r>
-              <a:rPr lang="en-US" sz="2400" b="0" i="0" dirty="0">
-                <a:solidFill>
-                  <a:schemeClr val="accent5"/>
-                </a:solidFill>
-                <a:effectLst/>
-              </a:rPr>
-              <a:t>With inheritance, we can reuse the fields and methods of the existing class. Hence, inheritance facilitates Reusability and is an important concept of OOPs.</a:t>
-            </a:r>
-          </a:p>
-          <a:p>
-            <a:pPr marL="45720" indent="0">
-              <a:buNone/>
-            </a:pPr>
-            <a:r>
-              <a:rPr lang="en-US" sz="2400" b="0" i="0" dirty="0">
-                <a:solidFill>
-                  <a:schemeClr val="accent5"/>
-                </a:solidFill>
-                <a:effectLst/>
-              </a:rPr>
-              <a:t>The idea behind inheritance in Java is that </a:t>
-            </a:r>
-            <a:r>
-              <a:rPr lang="en-US" sz="2400" b="1" i="0" dirty="0">
-                <a:solidFill>
-                  <a:schemeClr val="accent5"/>
-                </a:solidFill>
-                <a:effectLst/>
-              </a:rPr>
-              <a:t>you can create new classes that are built upon existing classes</a:t>
-            </a:r>
-            <a:r>
-              <a:rPr lang="en-US" sz="2400" b="0" i="0" dirty="0">
-                <a:solidFill>
-                  <a:schemeClr val="accent5"/>
-                </a:solidFill>
-                <a:effectLst/>
-              </a:rPr>
-              <a:t>. When you inherit from an existing class, you can reuse methods and fields of the parent class. Moreover, you can add new methods and fields in your current class also.	</a:t>
-            </a:r>
-            <a:r>
-              <a:rPr lang="en-US" sz="2200" b="0" i="0" dirty="0">
-                <a:solidFill>
-                  <a:srgbClr val="222222"/>
-                </a:solidFill>
-                <a:effectLst/>
-              </a:rPr>
-              <a:t>						</a:t>
-            </a:r>
-            <a:endParaRPr lang="en-US" sz="2200" b="1" u="sng" dirty="0">
-              <a:solidFill>
-                <a:srgbClr val="FF0000"/>
-              </a:solidFill>
-            </a:endParaRPr>
+            <a:pPr marL="0" indent="0" algn="l">
+              <a:buNone/>
+            </a:pPr>
+            <a:r>
+              <a:rPr lang="en-US" sz="1800" b="0" i="0" dirty="0">
+                <a:solidFill>
+                  <a:schemeClr val="accent5"/>
+                </a:solidFill>
+                <a:effectLst/>
+                <a:latin typeface="Söhne"/>
+              </a:rPr>
+              <a:t>In Java, access modifiers are keywords used to control the visibility and accessibility of classes, methods, and variables in a program. These are key to implementing OOP. There are four access modifiers in Java:</a:t>
+            </a:r>
+          </a:p>
+          <a:p>
+            <a:pPr algn="l">
+              <a:buFont typeface="+mj-lt"/>
+              <a:buAutoNum type="arabicPeriod"/>
+            </a:pPr>
+            <a:r>
+              <a:rPr lang="en-US" sz="1800" b="1" i="0" u="sng" dirty="0">
+                <a:solidFill>
+                  <a:schemeClr val="accent5"/>
+                </a:solidFill>
+                <a:effectLst/>
+                <a:latin typeface="Söhne"/>
+              </a:rPr>
+              <a:t>Public</a:t>
+            </a:r>
+            <a:r>
+              <a:rPr lang="en-US" sz="1800" b="0" i="0" dirty="0">
+                <a:solidFill>
+                  <a:schemeClr val="accent5"/>
+                </a:solidFill>
+                <a:effectLst/>
+                <a:latin typeface="Söhne"/>
+              </a:rPr>
+              <a:t>: Public members are accessible from anywhere in the program, including other classes and packages and also when they are imported in other application.</a:t>
+            </a:r>
+          </a:p>
+          <a:p>
+            <a:pPr algn="l">
+              <a:buFont typeface="+mj-lt"/>
+              <a:buAutoNum type="arabicPeriod"/>
+            </a:pPr>
+            <a:r>
+              <a:rPr lang="en-US" sz="1800" b="1" i="0" u="sng" dirty="0">
+                <a:solidFill>
+                  <a:schemeClr val="accent5"/>
+                </a:solidFill>
+                <a:effectLst/>
+                <a:latin typeface="Söhne"/>
+              </a:rPr>
+              <a:t>Private</a:t>
+            </a:r>
+            <a:r>
+              <a:rPr lang="en-US" sz="1800" b="0" i="0" dirty="0">
+                <a:solidFill>
+                  <a:schemeClr val="accent5"/>
+                </a:solidFill>
+                <a:effectLst/>
+                <a:latin typeface="Söhne"/>
+              </a:rPr>
+              <a:t>: Private members are only accessible within the same class. They cannot be accessed from outside the class, not even by subclasses.</a:t>
+            </a:r>
+          </a:p>
+          <a:p>
+            <a:pPr algn="l">
+              <a:buFont typeface="+mj-lt"/>
+              <a:buAutoNum type="arabicPeriod"/>
+            </a:pPr>
+            <a:r>
+              <a:rPr lang="en-US" sz="1800" b="1" i="0" u="sng" dirty="0">
+                <a:solidFill>
+                  <a:schemeClr val="accent5"/>
+                </a:solidFill>
+                <a:effectLst/>
+                <a:latin typeface="Söhne"/>
+              </a:rPr>
+              <a:t>Protected</a:t>
+            </a:r>
+            <a:r>
+              <a:rPr lang="en-US" sz="1800" b="0" i="0" dirty="0">
+                <a:solidFill>
+                  <a:schemeClr val="accent5"/>
+                </a:solidFill>
+                <a:effectLst/>
+                <a:latin typeface="Söhne"/>
+              </a:rPr>
+              <a:t>: Protected members are accessible within the same class, subclasses, and other classes in the same package.</a:t>
+            </a:r>
+          </a:p>
+          <a:p>
+            <a:pPr algn="l">
+              <a:buFont typeface="+mj-lt"/>
+              <a:buAutoNum type="arabicPeriod"/>
+            </a:pPr>
+            <a:r>
+              <a:rPr lang="en-US" sz="1800" b="1" i="0" u="sng" dirty="0">
+                <a:solidFill>
+                  <a:schemeClr val="accent5"/>
+                </a:solidFill>
+                <a:effectLst/>
+                <a:latin typeface="Söhne"/>
+              </a:rPr>
+              <a:t>Default (no keyword): </a:t>
+            </a:r>
+            <a:r>
+              <a:rPr lang="en-US" sz="1800" b="0" i="0" dirty="0">
+                <a:solidFill>
+                  <a:schemeClr val="accent5"/>
+                </a:solidFill>
+                <a:effectLst/>
+                <a:latin typeface="Söhne"/>
+              </a:rPr>
+              <a:t>Members with no access modifier (default) are accessible only within the same package.</a:t>
+            </a:r>
+          </a:p>
+          <a:p>
+            <a:pPr marL="0" indent="0" algn="l">
+              <a:buNone/>
+            </a:pPr>
+            <a:r>
+              <a:rPr lang="en-US" sz="1800" b="0" i="0" dirty="0">
+                <a:solidFill>
+                  <a:schemeClr val="accent5"/>
+                </a:solidFill>
+                <a:effectLst/>
+                <a:latin typeface="Söhne"/>
+              </a:rPr>
+              <a:t>Access modifiers are important for encapsulation and security in object-oriented programming. They help to ensure that only the intended classes or methods can access and modify certain data, while hiding it from other classes or users.</a:t>
+            </a:r>
+          </a:p>
+          <a:p>
+            <a:pPr>
+              <a:buFont typeface="Wingdings" panose="05000000000000000000" pitchFamily="2" charset="2"/>
+              <a:buChar char="v"/>
+            </a:pPr>
+            <a:endParaRPr lang="en-US" sz="2400" dirty="0"/>
           </a:p>
         </p:txBody>
       </p:sp>
     </p:spTree>
     <p:extLst>
       <p:ext uri="{BB962C8B-B14F-4D97-AF65-F5344CB8AC3E}">
-        <p14:creationId xmlns:p14="http://schemas.microsoft.com/office/powerpoint/2010/main" val="2813476414"/>
+        <p14:creationId xmlns:p14="http://schemas.microsoft.com/office/powerpoint/2010/main" val="1202725657"/>
       </p:ext>
     </p:extLst>
   </p:cSld>
@@ -11002,7 +11004,7 @@
           <p:cNvPr id="2" name="Title 1">
             <a:extLst>
               <a:ext uri="{FF2B5EF4-FFF2-40B4-BE49-F238E27FC236}">
-                <a16:creationId xmlns:a16="http://schemas.microsoft.com/office/drawing/2014/main" id="{564213B3-4B78-4150-91AC-0B7E699A9819}"/>
+                <a16:creationId xmlns:a16="http://schemas.microsoft.com/office/drawing/2014/main" id="{DEFD26E9-066B-49F7-8826-569FCB8992A0}"/>
               </a:ext>
             </a:extLst>
           </p:cNvPr>
@@ -11015,8 +11017,8 @@
         </p:nvSpPr>
         <p:spPr>
           <a:xfrm>
-            <a:off x="368489" y="450769"/>
-            <a:ext cx="11455021" cy="982639"/>
+            <a:off x="1295400" y="514857"/>
+            <a:ext cx="9601200" cy="914400"/>
           </a:xfrm>
         </p:spPr>
         <p:txBody>
@@ -11027,30 +11029,28 @@
           <a:p>
             <a:pPr algn="ctr"/>
             <a:r>
-              <a:rPr lang="en-US" sz="4400" dirty="0">
-                <a:latin typeface="+mn-lt"/>
-                <a:ea typeface="+mn-ea"/>
-                <a:cs typeface="+mn-cs"/>
-              </a:rPr>
-              <a:t>Types of Java supported </a:t>
-            </a:r>
-            <a:r>
               <a:rPr lang="en-US" dirty="0">
                 <a:latin typeface="+mn-lt"/>
-                <a:ea typeface="+mn-ea"/>
-                <a:cs typeface="+mn-cs"/>
-              </a:rPr>
-              <a:t>I</a:t>
+              </a:rPr>
+              <a:t>E</a:t>
             </a:r>
             <a:r>
               <a:rPr lang="en-US" sz="4400" dirty="0">
+                <a:effectLst/>
                 <a:latin typeface="+mn-lt"/>
-                <a:ea typeface="+mn-ea"/>
-                <a:cs typeface="+mn-cs"/>
-              </a:rPr>
-              <a:t>nheritance</a:t>
-            </a:r>
-            <a:endParaRPr lang="en-US" dirty="0"/>
+              </a:rPr>
+              <a:t>ncapsulation</a:t>
+            </a:r>
+            <a:r>
+              <a:rPr lang="en-US" sz="4400" b="1" i="0" u="sng" dirty="0">
+                <a:effectLst/>
+                <a:latin typeface="+mn-lt"/>
+              </a:rPr>
+              <a:t>   </a:t>
+            </a:r>
+            <a:endParaRPr lang="en-US" sz="4400" dirty="0">
+              <a:latin typeface="+mn-lt"/>
+            </a:endParaRPr>
           </a:p>
         </p:txBody>
       </p:sp>
@@ -11059,7 +11059,7 @@
           <p:cNvPr id="3" name="Content Placeholder 2">
             <a:extLst>
               <a:ext uri="{FF2B5EF4-FFF2-40B4-BE49-F238E27FC236}">
-                <a16:creationId xmlns:a16="http://schemas.microsoft.com/office/drawing/2014/main" id="{04D4EF24-91FB-46EE-B7B2-02B0888C63A7}"/>
+                <a16:creationId xmlns:a16="http://schemas.microsoft.com/office/drawing/2014/main" id="{2027EF17-F20B-42D9-8770-057B42FAEDD2}"/>
               </a:ext>
             </a:extLst>
           </p:cNvPr>
@@ -11072,29 +11072,77 @@
         </p:nvSpPr>
         <p:spPr>
           <a:xfrm>
-            <a:off x="157882" y="1771117"/>
-            <a:ext cx="12100560" cy="2886550"/>
+            <a:off x="220639" y="1546579"/>
+            <a:ext cx="11750722" cy="3764841"/>
           </a:xfrm>
         </p:spPr>
         <p:txBody>
           <a:bodyPr>
-            <a:noAutofit/>
+            <a:normAutofit/>
           </a:bodyPr>
           <a:lstStyle/>
           <a:p>
             <a:pPr marL="45720" indent="0">
-              <a:lnSpc>
-                <a:spcPct val="70000"/>
-              </a:lnSpc>
-              <a:buNone/>
-            </a:pPr>
-            <a:r>
-              <a:rPr lang="en-US" sz="2400" b="1" dirty="0">
-                <a:solidFill>
-                  <a:schemeClr val="accent5"/>
-                </a:solidFill>
-              </a:rPr>
-              <a:t>Single Inheritance</a:t>
+              <a:buNone/>
+            </a:pPr>
+            <a:endParaRPr lang="en-US" b="1" i="0" dirty="0">
+              <a:solidFill>
+                <a:srgbClr val="222222"/>
+              </a:solidFill>
+              <a:effectLst/>
+              <a:latin typeface="Source Sans Pro" panose="020B0503030403020204" pitchFamily="34" charset="0"/>
+            </a:endParaRPr>
+          </a:p>
+          <a:p>
+            <a:pPr marL="45720" indent="0">
+              <a:buNone/>
+            </a:pPr>
+            <a:r>
+              <a:rPr lang="en-US" sz="2400" b="1" i="0" u="sng" dirty="0">
+                <a:solidFill>
+                  <a:schemeClr val="accent5"/>
+                </a:solidFill>
+                <a:effectLst/>
+              </a:rPr>
+              <a:t>Encapsulation:</a:t>
+            </a:r>
+            <a:r>
+              <a:rPr lang="en-US" sz="2400" i="0" dirty="0">
+                <a:solidFill>
+                  <a:schemeClr val="accent5"/>
+                </a:solidFill>
+                <a:effectLst/>
+              </a:rPr>
+              <a:t> </a:t>
+            </a:r>
+            <a:r>
+              <a:rPr lang="en-US" sz="2400" b="0" i="0" dirty="0">
+                <a:solidFill>
+                  <a:schemeClr val="accent5"/>
+                </a:solidFill>
+                <a:effectLst/>
+              </a:rPr>
+              <a:t>Encapsulation is one of the best Java OOPs concepts of wrapping the data and code. In this OOPs concept, the variables of a class are always hidden from other classes.</a:t>
+            </a:r>
+            <a:endParaRPr lang="en-US" sz="2400" i="0" dirty="0">
+              <a:solidFill>
+                <a:schemeClr val="accent5"/>
+              </a:solidFill>
+              <a:effectLst/>
+            </a:endParaRPr>
+          </a:p>
+          <a:p>
+            <a:pPr marL="45720" indent="0">
+              <a:buNone/>
+            </a:pPr>
+            <a:r>
+              <a:rPr lang="en-US" sz="2400" i="0" dirty="0">
+                <a:solidFill>
+                  <a:schemeClr val="accent5"/>
+                </a:solidFill>
+                <a:effectLst/>
+              </a:rPr>
+              <a:t>For every variables we need to create setters and getters. If we have 10 </a:t>
             </a:r>
             <a:r>
               <a:rPr lang="en-US" sz="2400" dirty="0">
@@ -11102,56 +11150,89 @@
                   <a:schemeClr val="accent5"/>
                 </a:solidFill>
               </a:rPr>
-              <a:t>:  When a Derived Class to inherit properties and behavior from a    single Base Class, it is called as single inheritance.</a:t>
+              <a:t>v</a:t>
+            </a:r>
+            <a:r>
+              <a:rPr lang="en-US" sz="2400" i="0" dirty="0">
+                <a:solidFill>
+                  <a:schemeClr val="accent5"/>
+                </a:solidFill>
+                <a:effectLst/>
+              </a:rPr>
+              <a:t>ariables then, we need to create setter and getter for each variables. IntelliJ has a feature to create getter and setter.</a:t>
+            </a:r>
+          </a:p>
+          <a:p>
+            <a:pPr marL="45720" indent="0">
+              <a:buNone/>
+            </a:pPr>
+            <a:r>
+              <a:rPr lang="en-US" sz="2400" b="1" i="0" dirty="0">
+                <a:solidFill>
+                  <a:schemeClr val="accent5"/>
+                </a:solidFill>
+                <a:effectLst/>
+                <a:sym typeface="Wingdings" panose="05000000000000000000" pitchFamily="2" charset="2"/>
+              </a:rPr>
+              <a:t>Note : </a:t>
+            </a:r>
+            <a:r>
+              <a:rPr lang="en-US" sz="2400" b="1" i="0" u="sng" dirty="0">
+                <a:solidFill>
+                  <a:schemeClr val="accent5"/>
+                </a:solidFill>
+                <a:effectLst/>
+                <a:sym typeface="Wingdings" panose="05000000000000000000" pitchFamily="2" charset="2"/>
+              </a:rPr>
+              <a:t>This</a:t>
+            </a:r>
+            <a:r>
+              <a:rPr lang="en-US" sz="2400" b="1" i="0" dirty="0">
+                <a:solidFill>
+                  <a:schemeClr val="accent5"/>
+                </a:solidFill>
+                <a:effectLst/>
+                <a:sym typeface="Wingdings" panose="05000000000000000000" pitchFamily="2" charset="2"/>
+              </a:rPr>
+              <a:t> </a:t>
+            </a:r>
+            <a:r>
+              <a:rPr lang="en-US" sz="2400" i="0" dirty="0">
+                <a:solidFill>
+                  <a:schemeClr val="accent5"/>
+                </a:solidFill>
+                <a:effectLst/>
+                <a:sym typeface="Wingdings" panose="05000000000000000000" pitchFamily="2" charset="2"/>
+              </a:rPr>
+              <a:t>key</a:t>
+            </a:r>
+            <a:r>
+              <a:rPr lang="en-US" sz="2400" b="1" i="0" dirty="0">
+                <a:solidFill>
+                  <a:schemeClr val="accent5"/>
+                </a:solidFill>
+                <a:effectLst/>
+                <a:sym typeface="Wingdings" panose="05000000000000000000" pitchFamily="2" charset="2"/>
+              </a:rPr>
+              <a:t> </a:t>
+            </a:r>
+            <a:r>
+              <a:rPr lang="en-US" sz="2400" i="0" dirty="0">
+                <a:solidFill>
+                  <a:schemeClr val="accent5"/>
+                </a:solidFill>
+                <a:effectLst/>
+                <a:sym typeface="Wingdings" panose="05000000000000000000" pitchFamily="2" charset="2"/>
+              </a:rPr>
+              <a:t>word in setter method is used to separate between the class variable and local parameters variable</a:t>
             </a:r>
           </a:p>
         </p:txBody>
       </p:sp>
-      <p:pic>
-        <p:nvPicPr>
-          <p:cNvPr id="10" name="Picture 9" descr="Single Inheritance in C# VB.Net">
-            <a:extLst>
-              <a:ext uri="{FF2B5EF4-FFF2-40B4-BE49-F238E27FC236}">
-                <a16:creationId xmlns:a16="http://schemas.microsoft.com/office/drawing/2014/main" id="{EB4ECDD6-F063-4B09-BD34-1F50E5C7A60F}"/>
-              </a:ext>
-            </a:extLst>
-          </p:cNvPr>
-          <p:cNvPicPr>
-            <a:picLocks noChangeAspect="1"/>
-          </p:cNvPicPr>
-          <p:nvPr/>
-        </p:nvPicPr>
-        <p:blipFill>
-          <a:blip r:embed="rId2">
-            <a:extLst>
-              <a:ext uri="{28A0092B-C50C-407E-A947-70E740481C1C}">
-                <a14:useLocalDpi xmlns:a14="http://schemas.microsoft.com/office/drawing/2010/main" val="0"/>
-              </a:ext>
-            </a:extLst>
-          </a:blip>
-          <a:srcRect/>
-          <a:stretch>
-            <a:fillRect/>
-          </a:stretch>
-        </p:blipFill>
-        <p:spPr bwMode="auto">
-          <a:xfrm>
-            <a:off x="5191124" y="2584450"/>
-            <a:ext cx="2695575" cy="2515870"/>
-          </a:xfrm>
-          <a:prstGeom prst="rect">
-            <a:avLst/>
-          </a:prstGeom>
-          <a:noFill/>
-          <a:ln>
-            <a:noFill/>
-          </a:ln>
-        </p:spPr>
-      </p:pic>
     </p:spTree>
     <p:extLst>
       <p:ext uri="{BB962C8B-B14F-4D97-AF65-F5344CB8AC3E}">
-        <p14:creationId xmlns:p14="http://schemas.microsoft.com/office/powerpoint/2010/main" val="2070860078"/>
+        <p14:creationId xmlns:p14="http://schemas.microsoft.com/office/powerpoint/2010/main" val="2068484650"/>
       </p:ext>
     </p:extLst>
   </p:cSld>
@@ -11382,6 +11463,696 @@
           <p:cNvPr id="2" name="Title 1">
             <a:extLst>
               <a:ext uri="{FF2B5EF4-FFF2-40B4-BE49-F238E27FC236}">
+                <a16:creationId xmlns:a16="http://schemas.microsoft.com/office/drawing/2014/main" id="{DEFD26E9-066B-49F7-8826-569FCB8992A0}"/>
+              </a:ext>
+            </a:extLst>
+          </p:cNvPr>
+          <p:cNvSpPr>
+            <a:spLocks noGrp="1"/>
+          </p:cNvSpPr>
+          <p:nvPr>
+            <p:ph type="title"/>
+          </p:nvPr>
+        </p:nvSpPr>
+        <p:spPr>
+          <a:xfrm>
+            <a:off x="1295400" y="249610"/>
+            <a:ext cx="9601200" cy="914400"/>
+          </a:xfrm>
+        </p:spPr>
+        <p:txBody>
+          <a:bodyPr>
+            <a:normAutofit/>
+          </a:bodyPr>
+          <a:lstStyle/>
+          <a:p>
+            <a:pPr algn="ctr"/>
+            <a:r>
+              <a:rPr lang="en-US" sz="4400" dirty="0">
+                <a:effectLst/>
+                <a:latin typeface="+mn-lt"/>
+              </a:rPr>
+              <a:t>Encapsulation</a:t>
+            </a:r>
+            <a:endParaRPr lang="en-US" sz="4400" dirty="0">
+              <a:latin typeface="+mn-lt"/>
+            </a:endParaRPr>
+          </a:p>
+        </p:txBody>
+      </p:sp>
+      <p:sp>
+        <p:nvSpPr>
+          <p:cNvPr id="3" name="Content Placeholder 2">
+            <a:extLst>
+              <a:ext uri="{FF2B5EF4-FFF2-40B4-BE49-F238E27FC236}">
+                <a16:creationId xmlns:a16="http://schemas.microsoft.com/office/drawing/2014/main" id="{2027EF17-F20B-42D9-8770-057B42FAEDD2}"/>
+              </a:ext>
+            </a:extLst>
+          </p:cNvPr>
+          <p:cNvSpPr>
+            <a:spLocks noGrp="1"/>
+          </p:cNvSpPr>
+          <p:nvPr>
+            <p:ph idx="1"/>
+          </p:nvPr>
+        </p:nvSpPr>
+        <p:spPr>
+          <a:xfrm>
+            <a:off x="220639" y="1365955"/>
+            <a:ext cx="11750722" cy="4580935"/>
+          </a:xfrm>
+        </p:spPr>
+        <p:txBody>
+          <a:bodyPr>
+            <a:normAutofit/>
+          </a:bodyPr>
+          <a:lstStyle/>
+          <a:p>
+            <a:pPr marL="45720" indent="0">
+              <a:buNone/>
+            </a:pPr>
+            <a:r>
+              <a:rPr lang="en-US" sz="2400" i="0" dirty="0">
+                <a:solidFill>
+                  <a:schemeClr val="accent5"/>
+                </a:solidFill>
+                <a:effectLst/>
+              </a:rPr>
+              <a:t>Encapsulation is rapping of data and methods into a single unit.</a:t>
+            </a:r>
+          </a:p>
+          <a:p>
+            <a:pPr marL="45720" indent="0">
+              <a:buNone/>
+            </a:pPr>
+            <a:r>
+              <a:rPr lang="en-US" sz="2400" dirty="0">
+                <a:solidFill>
+                  <a:schemeClr val="accent5"/>
+                </a:solidFill>
+              </a:rPr>
+              <a:t>T</a:t>
+            </a:r>
+            <a:r>
+              <a:rPr lang="en-US" sz="2400" i="0" dirty="0">
+                <a:solidFill>
+                  <a:schemeClr val="accent5"/>
+                </a:solidFill>
+                <a:effectLst/>
+              </a:rPr>
+              <a:t>he purpose of encapsulation is security we can only access the variables using the method within the class.</a:t>
+            </a:r>
+          </a:p>
+          <a:p>
+            <a:pPr marL="45720" indent="0">
+              <a:buNone/>
+            </a:pPr>
+            <a:r>
+              <a:rPr lang="en-US" sz="2400" dirty="0">
+                <a:solidFill>
+                  <a:schemeClr val="accent5"/>
+                </a:solidFill>
+              </a:rPr>
+              <a:t>Since we use methods to access the variables there are two concepts to know.</a:t>
+            </a:r>
+          </a:p>
+          <a:p>
+            <a:pPr marL="45720" indent="0">
+              <a:buNone/>
+            </a:pPr>
+            <a:r>
+              <a:rPr lang="en-US" sz="2400" i="0" dirty="0">
+                <a:solidFill>
+                  <a:schemeClr val="accent5"/>
+                </a:solidFill>
+                <a:effectLst/>
+              </a:rPr>
+              <a:t>	1</a:t>
+            </a:r>
+            <a:r>
+              <a:rPr lang="en-US" sz="2400" b="1" i="0" dirty="0">
+                <a:solidFill>
+                  <a:schemeClr val="accent5"/>
+                </a:solidFill>
+                <a:effectLst/>
+              </a:rPr>
+              <a:t>. setters</a:t>
+            </a:r>
+            <a:r>
+              <a:rPr lang="en-US" sz="2400" i="0" dirty="0">
+                <a:solidFill>
+                  <a:schemeClr val="accent5"/>
+                </a:solidFill>
+                <a:effectLst/>
+              </a:rPr>
+              <a:t>:-methods used to assign data to the variables.</a:t>
+            </a:r>
+          </a:p>
+          <a:p>
+            <a:pPr marL="45720" indent="0">
+              <a:buNone/>
+            </a:pPr>
+            <a:r>
+              <a:rPr lang="en-US" sz="2400" dirty="0">
+                <a:solidFill>
+                  <a:schemeClr val="accent5"/>
+                </a:solidFill>
+              </a:rPr>
+              <a:t>	2. </a:t>
+            </a:r>
+            <a:r>
+              <a:rPr lang="en-US" sz="2400" b="1" dirty="0">
+                <a:solidFill>
+                  <a:schemeClr val="accent5"/>
+                </a:solidFill>
+              </a:rPr>
+              <a:t>getters</a:t>
+            </a:r>
+            <a:r>
+              <a:rPr lang="en-US" sz="2400" dirty="0">
+                <a:solidFill>
+                  <a:schemeClr val="accent5"/>
+                </a:solidFill>
+              </a:rPr>
+              <a:t>:- methods used to return the data.</a:t>
+            </a:r>
+            <a:endParaRPr lang="en-US" sz="2400" i="0" dirty="0">
+              <a:solidFill>
+                <a:schemeClr val="accent5"/>
+              </a:solidFill>
+              <a:effectLst/>
+            </a:endParaRPr>
+          </a:p>
+          <a:p>
+            <a:pPr marL="45720" indent="0">
+              <a:buNone/>
+            </a:pPr>
+            <a:r>
+              <a:rPr lang="en-US" sz="2400" dirty="0">
+                <a:solidFill>
+                  <a:schemeClr val="accent5"/>
+                </a:solidFill>
+              </a:rPr>
+              <a:t>During encapsulation, the variables and methods are in a single class and the variables should be private.</a:t>
+            </a:r>
+            <a:endParaRPr lang="en-US" sz="2400" i="0" dirty="0">
+              <a:solidFill>
+                <a:schemeClr val="accent5"/>
+              </a:solidFill>
+              <a:effectLst/>
+            </a:endParaRPr>
+          </a:p>
+          <a:p>
+            <a:pPr marL="45720" indent="0">
+              <a:buNone/>
+            </a:pPr>
+            <a:r>
+              <a:rPr lang="en-US" sz="2400" b="1" dirty="0">
+                <a:solidFill>
+                  <a:schemeClr val="accent5"/>
+                </a:solidFill>
+              </a:rPr>
+              <a:t>	syntax: private int x; </a:t>
+            </a:r>
+          </a:p>
+          <a:p>
+            <a:pPr marL="45720" indent="0">
+              <a:buNone/>
+            </a:pPr>
+            <a:r>
+              <a:rPr lang="en-US" sz="2400" b="1" i="1" dirty="0">
+                <a:solidFill>
+                  <a:schemeClr val="accent5"/>
+                </a:solidFill>
+                <a:effectLst/>
+              </a:rPr>
+              <a:t>Note we can not access private variables from other classes.</a:t>
+            </a:r>
+          </a:p>
+        </p:txBody>
+      </p:sp>
+    </p:spTree>
+    <p:extLst>
+      <p:ext uri="{BB962C8B-B14F-4D97-AF65-F5344CB8AC3E}">
+        <p14:creationId xmlns:p14="http://schemas.microsoft.com/office/powerpoint/2010/main" val="392269634"/>
+      </p:ext>
+    </p:extLst>
+  </p:cSld>
+  <p:clrMapOvr>
+    <a:masterClrMapping/>
+  </p:clrMapOvr>
+  <mc:AlternateContent xmlns:mc="http://schemas.openxmlformats.org/markup-compatibility/2006" xmlns:p14="http://schemas.microsoft.com/office/powerpoint/2010/main">
+    <mc:Choice Requires="p14">
+      <p:transition spd="med" p14:dur="700">
+        <p:fade/>
+      </p:transition>
+    </mc:Choice>
+    <mc:Fallback xmlns="">
+      <p:transition spd="med">
+        <p:fade/>
+      </p:transition>
+    </mc:Fallback>
+  </mc:AlternateContent>
+</p:sld>
+</file>
+
+<file path=ppt/slides/slide31.xml><?xml version="1.0" encoding="utf-8"?>
+<p:sld xmlns:a="http://schemas.openxmlformats.org/drawingml/2006/main" xmlns:r="http://schemas.openxmlformats.org/officeDocument/2006/relationships" xmlns:p="http://schemas.openxmlformats.org/presentationml/2006/main">
+  <p:cSld>
+    <p:spTree>
+      <p:nvGrpSpPr>
+        <p:cNvPr id="1" name=""/>
+        <p:cNvGrpSpPr/>
+        <p:nvPr/>
+      </p:nvGrpSpPr>
+      <p:grpSpPr>
+        <a:xfrm>
+          <a:off x="0" y="0"/>
+          <a:ext cx="0" cy="0"/>
+          <a:chOff x="0" y="0"/>
+          <a:chExt cx="0" cy="0"/>
+        </a:xfrm>
+      </p:grpSpPr>
+      <p:sp>
+        <p:nvSpPr>
+          <p:cNvPr id="2" name="Title 1">
+            <a:extLst>
+              <a:ext uri="{FF2B5EF4-FFF2-40B4-BE49-F238E27FC236}">
+                <a16:creationId xmlns:a16="http://schemas.microsoft.com/office/drawing/2014/main" id="{564213B3-4B78-4150-91AC-0B7E699A9819}"/>
+              </a:ext>
+            </a:extLst>
+          </p:cNvPr>
+          <p:cNvSpPr>
+            <a:spLocks noGrp="1"/>
+          </p:cNvSpPr>
+          <p:nvPr>
+            <p:ph type="title"/>
+          </p:nvPr>
+        </p:nvSpPr>
+        <p:spPr>
+          <a:xfrm>
+            <a:off x="436727" y="496817"/>
+            <a:ext cx="11455021" cy="982639"/>
+          </a:xfrm>
+        </p:spPr>
+        <p:txBody>
+          <a:bodyPr>
+            <a:normAutofit/>
+          </a:bodyPr>
+          <a:lstStyle/>
+          <a:p>
+            <a:pPr algn="ctr"/>
+            <a:r>
+              <a:rPr lang="en-US" sz="4400" i="0" dirty="0">
+                <a:effectLst/>
+                <a:latin typeface="+mn-lt"/>
+              </a:rPr>
+              <a:t>What is </a:t>
+            </a:r>
+            <a:r>
+              <a:rPr lang="en-US" i="0" dirty="0">
+                <a:latin typeface="+mn-lt"/>
+              </a:rPr>
+              <a:t>I</a:t>
+            </a:r>
+            <a:r>
+              <a:rPr lang="en-US" sz="4400" dirty="0">
+                <a:effectLst/>
+                <a:latin typeface="+mn-lt"/>
+              </a:rPr>
+              <a:t>nheritance</a:t>
+            </a:r>
+            <a:endParaRPr lang="en-US" dirty="0"/>
+          </a:p>
+        </p:txBody>
+      </p:sp>
+      <p:sp>
+        <p:nvSpPr>
+          <p:cNvPr id="3" name="Content Placeholder 2">
+            <a:extLst>
+              <a:ext uri="{FF2B5EF4-FFF2-40B4-BE49-F238E27FC236}">
+                <a16:creationId xmlns:a16="http://schemas.microsoft.com/office/drawing/2014/main" id="{04D4EF24-91FB-46EE-B7B2-02B0888C63A7}"/>
+              </a:ext>
+            </a:extLst>
+          </p:cNvPr>
+          <p:cNvSpPr>
+            <a:spLocks noGrp="1"/>
+          </p:cNvSpPr>
+          <p:nvPr>
+            <p:ph idx="1"/>
+          </p:nvPr>
+        </p:nvSpPr>
+        <p:spPr>
+          <a:xfrm>
+            <a:off x="300252" y="1801789"/>
+            <a:ext cx="11723427" cy="3980640"/>
+          </a:xfrm>
+        </p:spPr>
+        <p:txBody>
+          <a:bodyPr>
+            <a:noAutofit/>
+          </a:bodyPr>
+          <a:lstStyle/>
+          <a:p>
+            <a:pPr marL="45720" indent="0">
+              <a:buNone/>
+            </a:pPr>
+            <a:r>
+              <a:rPr lang="en-US" sz="2400" b="1" u="sng" dirty="0">
+                <a:solidFill>
+                  <a:schemeClr val="accent5"/>
+                </a:solidFill>
+              </a:rPr>
+              <a:t>INHERITANCE:</a:t>
+            </a:r>
+            <a:r>
+              <a:rPr lang="en-US" sz="2400" dirty="0">
+                <a:solidFill>
+                  <a:schemeClr val="accent5"/>
+                </a:solidFill>
+              </a:rPr>
+              <a:t> </a:t>
+            </a:r>
+            <a:r>
+              <a:rPr lang="en-US" sz="2400" b="0" i="0" dirty="0">
+                <a:solidFill>
+                  <a:schemeClr val="accent5"/>
+                </a:solidFill>
+                <a:effectLst/>
+              </a:rPr>
+              <a:t>Inheritance is one of the Basic Concepts of OOPs in which one object acquires the properties and behaviors of the parent object. It’s creating a parent-child relationship between two classes. It offers robust and natural mechanism for organizing and structure of any software. we use the key word extends to </a:t>
+            </a:r>
+            <a:r>
+              <a:rPr lang="en-US" sz="2400" dirty="0">
+                <a:solidFill>
+                  <a:schemeClr val="accent5"/>
+                </a:solidFill>
+              </a:rPr>
+              <a:t>establish parent –child relationship</a:t>
+            </a:r>
+          </a:p>
+          <a:p>
+            <a:pPr marL="45720" indent="0">
+              <a:buNone/>
+            </a:pPr>
+            <a:r>
+              <a:rPr lang="en-US" sz="2400" b="0" i="0" dirty="0">
+                <a:solidFill>
+                  <a:schemeClr val="accent5"/>
+                </a:solidFill>
+                <a:effectLst/>
+              </a:rPr>
+              <a:t>With inheritance, we can reuse the fields and methods of the existing class. Hence, inheritance facilitates Reusability and is an important concept of OOPs.</a:t>
+            </a:r>
+          </a:p>
+          <a:p>
+            <a:pPr marL="45720" indent="0">
+              <a:buNone/>
+            </a:pPr>
+            <a:r>
+              <a:rPr lang="en-US" sz="2400" b="0" i="0" dirty="0">
+                <a:solidFill>
+                  <a:schemeClr val="accent5"/>
+                </a:solidFill>
+                <a:effectLst/>
+              </a:rPr>
+              <a:t>The idea behind inheritance in Java is that </a:t>
+            </a:r>
+            <a:r>
+              <a:rPr lang="en-US" sz="2400" b="1" i="0" dirty="0">
+                <a:solidFill>
+                  <a:schemeClr val="accent5"/>
+                </a:solidFill>
+                <a:effectLst/>
+              </a:rPr>
+              <a:t>you can create new classes that are built upon existing classes</a:t>
+            </a:r>
+            <a:r>
+              <a:rPr lang="en-US" sz="2400" b="0" i="0" dirty="0">
+                <a:solidFill>
+                  <a:schemeClr val="accent5"/>
+                </a:solidFill>
+                <a:effectLst/>
+              </a:rPr>
+              <a:t>. When you inherit from an existing class, you can reuse methods and fields of the parent class. Moreover, you can add new methods and fields in your current class also.	</a:t>
+            </a:r>
+            <a:r>
+              <a:rPr lang="en-US" sz="2200" b="0" i="0" dirty="0">
+                <a:solidFill>
+                  <a:srgbClr val="222222"/>
+                </a:solidFill>
+                <a:effectLst/>
+              </a:rPr>
+              <a:t>						</a:t>
+            </a:r>
+            <a:endParaRPr lang="en-US" sz="2200" b="1" u="sng" dirty="0">
+              <a:solidFill>
+                <a:srgbClr val="FF0000"/>
+              </a:solidFill>
+            </a:endParaRPr>
+          </a:p>
+        </p:txBody>
+      </p:sp>
+    </p:spTree>
+    <p:extLst>
+      <p:ext uri="{BB962C8B-B14F-4D97-AF65-F5344CB8AC3E}">
+        <p14:creationId xmlns:p14="http://schemas.microsoft.com/office/powerpoint/2010/main" val="2813476414"/>
+      </p:ext>
+    </p:extLst>
+  </p:cSld>
+  <p:clrMapOvr>
+    <a:masterClrMapping/>
+  </p:clrMapOvr>
+  <mc:AlternateContent xmlns:mc="http://schemas.openxmlformats.org/markup-compatibility/2006" xmlns:p14="http://schemas.microsoft.com/office/powerpoint/2010/main">
+    <mc:Choice Requires="p14">
+      <p:transition spd="med" p14:dur="700">
+        <p:fade/>
+      </p:transition>
+    </mc:Choice>
+    <mc:Fallback xmlns="">
+      <p:transition spd="med">
+        <p:fade/>
+      </p:transition>
+    </mc:Fallback>
+  </mc:AlternateContent>
+</p:sld>
+</file>
+
+<file path=ppt/slides/slide32.xml><?xml version="1.0" encoding="utf-8"?>
+<p:sld xmlns:a="http://schemas.openxmlformats.org/drawingml/2006/main" xmlns:r="http://schemas.openxmlformats.org/officeDocument/2006/relationships" xmlns:p="http://schemas.openxmlformats.org/presentationml/2006/main">
+  <p:cSld>
+    <p:spTree>
+      <p:nvGrpSpPr>
+        <p:cNvPr id="1" name=""/>
+        <p:cNvGrpSpPr/>
+        <p:nvPr/>
+      </p:nvGrpSpPr>
+      <p:grpSpPr>
+        <a:xfrm>
+          <a:off x="0" y="0"/>
+          <a:ext cx="0" cy="0"/>
+          <a:chOff x="0" y="0"/>
+          <a:chExt cx="0" cy="0"/>
+        </a:xfrm>
+      </p:grpSpPr>
+      <p:sp>
+        <p:nvSpPr>
+          <p:cNvPr id="2" name="Title 1">
+            <a:extLst>
+              <a:ext uri="{FF2B5EF4-FFF2-40B4-BE49-F238E27FC236}">
+                <a16:creationId xmlns:a16="http://schemas.microsoft.com/office/drawing/2014/main" id="{564213B3-4B78-4150-91AC-0B7E699A9819}"/>
+              </a:ext>
+            </a:extLst>
+          </p:cNvPr>
+          <p:cNvSpPr>
+            <a:spLocks noGrp="1"/>
+          </p:cNvSpPr>
+          <p:nvPr>
+            <p:ph type="title"/>
+          </p:nvPr>
+        </p:nvSpPr>
+        <p:spPr>
+          <a:xfrm>
+            <a:off x="368489" y="450769"/>
+            <a:ext cx="11455021" cy="982639"/>
+          </a:xfrm>
+        </p:spPr>
+        <p:txBody>
+          <a:bodyPr>
+            <a:normAutofit/>
+          </a:bodyPr>
+          <a:lstStyle/>
+          <a:p>
+            <a:pPr algn="ctr"/>
+            <a:r>
+              <a:rPr lang="en-US" sz="4400" dirty="0">
+                <a:latin typeface="+mn-lt"/>
+                <a:ea typeface="+mn-ea"/>
+                <a:cs typeface="+mn-cs"/>
+              </a:rPr>
+              <a:t>Types of Java supported </a:t>
+            </a:r>
+            <a:r>
+              <a:rPr lang="en-US" dirty="0">
+                <a:latin typeface="+mn-lt"/>
+                <a:ea typeface="+mn-ea"/>
+                <a:cs typeface="+mn-cs"/>
+              </a:rPr>
+              <a:t>I</a:t>
+            </a:r>
+            <a:r>
+              <a:rPr lang="en-US" sz="4400" dirty="0">
+                <a:latin typeface="+mn-lt"/>
+                <a:ea typeface="+mn-ea"/>
+                <a:cs typeface="+mn-cs"/>
+              </a:rPr>
+              <a:t>nheritance</a:t>
+            </a:r>
+            <a:endParaRPr lang="en-US" dirty="0"/>
+          </a:p>
+        </p:txBody>
+      </p:sp>
+      <p:sp>
+        <p:nvSpPr>
+          <p:cNvPr id="3" name="Content Placeholder 2">
+            <a:extLst>
+              <a:ext uri="{FF2B5EF4-FFF2-40B4-BE49-F238E27FC236}">
+                <a16:creationId xmlns:a16="http://schemas.microsoft.com/office/drawing/2014/main" id="{04D4EF24-91FB-46EE-B7B2-02B0888C63A7}"/>
+              </a:ext>
+            </a:extLst>
+          </p:cNvPr>
+          <p:cNvSpPr>
+            <a:spLocks noGrp="1"/>
+          </p:cNvSpPr>
+          <p:nvPr>
+            <p:ph idx="1"/>
+          </p:nvPr>
+        </p:nvSpPr>
+        <p:spPr>
+          <a:xfrm>
+            <a:off x="157882" y="1771117"/>
+            <a:ext cx="12100560" cy="2886550"/>
+          </a:xfrm>
+        </p:spPr>
+        <p:txBody>
+          <a:bodyPr>
+            <a:noAutofit/>
+          </a:bodyPr>
+          <a:lstStyle/>
+          <a:p>
+            <a:pPr marL="45720" indent="0">
+              <a:lnSpc>
+                <a:spcPct val="70000"/>
+              </a:lnSpc>
+              <a:buNone/>
+            </a:pPr>
+            <a:r>
+              <a:rPr lang="en-US" sz="2400" b="1" dirty="0">
+                <a:solidFill>
+                  <a:schemeClr val="accent5"/>
+                </a:solidFill>
+              </a:rPr>
+              <a:t>Single Inheritance</a:t>
+            </a:r>
+            <a:r>
+              <a:rPr lang="en-US" sz="2400" dirty="0">
+                <a:solidFill>
+                  <a:schemeClr val="accent5"/>
+                </a:solidFill>
+              </a:rPr>
+              <a:t>:  When a Derived Class to inherit properties and behavior from a    single Base Class, it is called as single inheritance.</a:t>
+            </a:r>
+          </a:p>
+        </p:txBody>
+      </p:sp>
+      <p:pic>
+        <p:nvPicPr>
+          <p:cNvPr id="10" name="Picture 9" descr="Single Inheritance in C# VB.Net">
+            <a:extLst>
+              <a:ext uri="{FF2B5EF4-FFF2-40B4-BE49-F238E27FC236}">
+                <a16:creationId xmlns:a16="http://schemas.microsoft.com/office/drawing/2014/main" id="{EB4ECDD6-F063-4B09-BD34-1F50E5C7A60F}"/>
+              </a:ext>
+            </a:extLst>
+          </p:cNvPr>
+          <p:cNvPicPr>
+            <a:picLocks noChangeAspect="1"/>
+          </p:cNvPicPr>
+          <p:nvPr/>
+        </p:nvPicPr>
+        <p:blipFill>
+          <a:blip r:embed="rId2">
+            <a:extLst>
+              <a:ext uri="{28A0092B-C50C-407E-A947-70E740481C1C}">
+                <a14:useLocalDpi xmlns:a14="http://schemas.microsoft.com/office/drawing/2010/main" val="0"/>
+              </a:ext>
+            </a:extLst>
+          </a:blip>
+          <a:srcRect/>
+          <a:stretch>
+            <a:fillRect/>
+          </a:stretch>
+        </p:blipFill>
+        <p:spPr bwMode="auto">
+          <a:xfrm>
+            <a:off x="5191124" y="2584450"/>
+            <a:ext cx="2695575" cy="2515870"/>
+          </a:xfrm>
+          <a:prstGeom prst="rect">
+            <a:avLst/>
+          </a:prstGeom>
+          <a:noFill/>
+          <a:ln>
+            <a:noFill/>
+          </a:ln>
+        </p:spPr>
+      </p:pic>
+    </p:spTree>
+    <p:extLst>
+      <p:ext uri="{BB962C8B-B14F-4D97-AF65-F5344CB8AC3E}">
+        <p14:creationId xmlns:p14="http://schemas.microsoft.com/office/powerpoint/2010/main" val="2070860078"/>
+      </p:ext>
+    </p:extLst>
+  </p:cSld>
+  <p:clrMapOvr>
+    <a:masterClrMapping/>
+  </p:clrMapOvr>
+  <mc:AlternateContent xmlns:mc="http://schemas.openxmlformats.org/markup-compatibility/2006" xmlns:p14="http://schemas.microsoft.com/office/powerpoint/2010/main">
+    <mc:Choice Requires="p14">
+      <p:transition spd="med" p14:dur="700">
+        <p:fade/>
+      </p:transition>
+    </mc:Choice>
+    <mc:Fallback xmlns="">
+      <p:transition spd="med">
+        <p:fade/>
+      </p:transition>
+    </mc:Fallback>
+  </mc:AlternateContent>
+</p:sld>
+</file>
+
+<file path=ppt/slides/slide33.xml><?xml version="1.0" encoding="utf-8"?>
+<p:sld xmlns:a="http://schemas.openxmlformats.org/drawingml/2006/main" xmlns:r="http://schemas.openxmlformats.org/officeDocument/2006/relationships" xmlns:p="http://schemas.openxmlformats.org/presentationml/2006/main">
+  <p:cSld>
+    <p:spTree>
+      <p:nvGrpSpPr>
+        <p:cNvPr id="1" name=""/>
+        <p:cNvGrpSpPr/>
+        <p:nvPr/>
+      </p:nvGrpSpPr>
+      <p:grpSpPr>
+        <a:xfrm>
+          <a:off x="0" y="0"/>
+          <a:ext cx="0" cy="0"/>
+          <a:chOff x="0" y="0"/>
+          <a:chExt cx="0" cy="0"/>
+        </a:xfrm>
+      </p:grpSpPr>
+      <p:sp>
+        <p:nvSpPr>
+          <p:cNvPr id="2" name="Title 1">
+            <a:extLst>
+              <a:ext uri="{FF2B5EF4-FFF2-40B4-BE49-F238E27FC236}">
                 <a16:creationId xmlns:a16="http://schemas.microsoft.com/office/drawing/2014/main" id="{564213B3-4B78-4150-91AC-0B7E699A9819}"/>
               </a:ext>
             </a:extLst>
@@ -11586,7 +12357,7 @@
 </p:sld>
 </file>
 
-<file path=ppt/slides/slide31.xml><?xml version="1.0" encoding="utf-8"?>
+<file path=ppt/slides/slide34.xml><?xml version="1.0" encoding="utf-8"?>
 <p:sld xmlns:a="http://schemas.openxmlformats.org/drawingml/2006/main" xmlns:r="http://schemas.openxmlformats.org/officeDocument/2006/relationships" xmlns:p="http://schemas.openxmlformats.org/presentationml/2006/main">
   <p:cSld>
     <p:spTree>
@@ -11761,7 +12532,7 @@
 </p:sld>
 </file>
 
-<file path=ppt/slides/slide32.xml><?xml version="1.0" encoding="utf-8"?>
+<file path=ppt/slides/slide35.xml><?xml version="1.0" encoding="utf-8"?>
 <p:sld xmlns:a="http://schemas.openxmlformats.org/drawingml/2006/main" xmlns:r="http://schemas.openxmlformats.org/officeDocument/2006/relationships" xmlns:p="http://schemas.openxmlformats.org/presentationml/2006/main">
   <p:cSld>
     <p:spTree>
@@ -11990,716 +12761,6 @@
     <p:extLst>
       <p:ext uri="{BB962C8B-B14F-4D97-AF65-F5344CB8AC3E}">
         <p14:creationId xmlns:p14="http://schemas.microsoft.com/office/powerpoint/2010/main" val="3233992212"/>
-      </p:ext>
-    </p:extLst>
-  </p:cSld>
-  <p:clrMapOvr>
-    <a:masterClrMapping/>
-  </p:clrMapOvr>
-  <mc:AlternateContent xmlns:mc="http://schemas.openxmlformats.org/markup-compatibility/2006" xmlns:p14="http://schemas.microsoft.com/office/powerpoint/2010/main">
-    <mc:Choice Requires="p14">
-      <p:transition spd="med" p14:dur="700">
-        <p:fade/>
-      </p:transition>
-    </mc:Choice>
-    <mc:Fallback xmlns="">
-      <p:transition spd="med">
-        <p:fade/>
-      </p:transition>
-    </mc:Fallback>
-  </mc:AlternateContent>
-</p:sld>
-</file>
-
-<file path=ppt/slides/slide33.xml><?xml version="1.0" encoding="utf-8"?>
-<p:sld xmlns:a="http://schemas.openxmlformats.org/drawingml/2006/main" xmlns:r="http://schemas.openxmlformats.org/officeDocument/2006/relationships" xmlns:p="http://schemas.openxmlformats.org/presentationml/2006/main">
-  <p:cSld>
-    <p:spTree>
-      <p:nvGrpSpPr>
-        <p:cNvPr id="1" name=""/>
-        <p:cNvGrpSpPr/>
-        <p:nvPr/>
-      </p:nvGrpSpPr>
-      <p:grpSpPr>
-        <a:xfrm>
-          <a:off x="0" y="0"/>
-          <a:ext cx="0" cy="0"/>
-          <a:chOff x="0" y="0"/>
-          <a:chExt cx="0" cy="0"/>
-        </a:xfrm>
-      </p:grpSpPr>
-      <p:sp>
-        <p:nvSpPr>
-          <p:cNvPr id="2" name="Title 1">
-            <a:extLst>
-              <a:ext uri="{FF2B5EF4-FFF2-40B4-BE49-F238E27FC236}">
-                <a16:creationId xmlns:a16="http://schemas.microsoft.com/office/drawing/2014/main" id="{DEFD26E9-066B-49F7-8826-569FCB8992A0}"/>
-              </a:ext>
-            </a:extLst>
-          </p:cNvPr>
-          <p:cNvSpPr>
-            <a:spLocks noGrp="1"/>
-          </p:cNvSpPr>
-          <p:nvPr>
-            <p:ph type="title"/>
-          </p:nvPr>
-        </p:nvSpPr>
-        <p:spPr>
-          <a:xfrm>
-            <a:off x="1295400" y="539430"/>
-            <a:ext cx="9601200" cy="914400"/>
-          </a:xfrm>
-        </p:spPr>
-        <p:txBody>
-          <a:bodyPr>
-            <a:normAutofit/>
-          </a:bodyPr>
-          <a:lstStyle/>
-          <a:p>
-            <a:pPr algn="ctr"/>
-            <a:r>
-              <a:rPr lang="en-US" dirty="0">
-                <a:latin typeface="+mn-lt"/>
-              </a:rPr>
-              <a:t>A</a:t>
-            </a:r>
-            <a:r>
-              <a:rPr lang="en-US" sz="4400" i="0" dirty="0">
-                <a:effectLst/>
-                <a:latin typeface="+mn-lt"/>
-              </a:rPr>
-              <a:t>bstraction </a:t>
-            </a:r>
-            <a:r>
-              <a:rPr lang="en-US" sz="4400" b="1" i="0" u="sng" dirty="0">
-                <a:effectLst/>
-                <a:latin typeface="+mn-lt"/>
-              </a:rPr>
-              <a:t>  </a:t>
-            </a:r>
-            <a:endParaRPr lang="en-US" sz="4400" dirty="0">
-              <a:latin typeface="+mn-lt"/>
-            </a:endParaRPr>
-          </a:p>
-        </p:txBody>
-      </p:sp>
-      <p:sp>
-        <p:nvSpPr>
-          <p:cNvPr id="3" name="Content Placeholder 2">
-            <a:extLst>
-              <a:ext uri="{FF2B5EF4-FFF2-40B4-BE49-F238E27FC236}">
-                <a16:creationId xmlns:a16="http://schemas.microsoft.com/office/drawing/2014/main" id="{2027EF17-F20B-42D9-8770-057B42FAEDD2}"/>
-              </a:ext>
-            </a:extLst>
-          </p:cNvPr>
-          <p:cNvSpPr>
-            <a:spLocks noGrp="1"/>
-          </p:cNvSpPr>
-          <p:nvPr>
-            <p:ph idx="1"/>
-          </p:nvPr>
-        </p:nvSpPr>
-        <p:spPr>
-          <a:xfrm>
-            <a:off x="96520" y="2021385"/>
-            <a:ext cx="11998960" cy="3557114"/>
-          </a:xfrm>
-        </p:spPr>
-        <p:txBody>
-          <a:bodyPr>
-            <a:normAutofit/>
-          </a:bodyPr>
-          <a:lstStyle/>
-          <a:p>
-            <a:pPr marL="45720" indent="0">
-              <a:buNone/>
-            </a:pPr>
-            <a:r>
-              <a:rPr lang="en-US" sz="3200" b="1" i="0" u="sng" dirty="0">
-                <a:solidFill>
-                  <a:schemeClr val="accent5"/>
-                </a:solidFill>
-                <a:effectLst/>
-              </a:rPr>
-              <a:t>Abstraction:</a:t>
-            </a:r>
-            <a:r>
-              <a:rPr lang="en-US" sz="3200" i="0" dirty="0">
-                <a:solidFill>
-                  <a:schemeClr val="accent5"/>
-                </a:solidFill>
-                <a:effectLst/>
-              </a:rPr>
-              <a:t> </a:t>
-            </a:r>
-            <a:r>
-              <a:rPr lang="en-US" sz="3200" b="0" i="0" dirty="0">
-                <a:solidFill>
-                  <a:schemeClr val="accent5"/>
-                </a:solidFill>
-                <a:effectLst/>
-              </a:rPr>
-              <a:t>Abstraction is one of the OOP Concepts in Java which is an act of representing essential features without including background details. It is a technique of creating a new data type that is suited for a specific application.</a:t>
-            </a:r>
-          </a:p>
-          <a:p>
-            <a:pPr marL="45720" indent="0">
-              <a:buNone/>
-            </a:pPr>
-            <a:r>
-              <a:rPr lang="en-US" sz="3200" dirty="0">
-                <a:solidFill>
-                  <a:schemeClr val="accent5"/>
-                </a:solidFill>
-              </a:rPr>
-              <a:t>We can implement abstraction on classes and methods. Abstract method means incomplete method. The child class is responsible to implement the incomplete methods.</a:t>
-            </a:r>
-            <a:endParaRPr lang="en-US" dirty="0">
-              <a:solidFill>
-                <a:schemeClr val="accent5"/>
-              </a:solidFill>
-            </a:endParaRPr>
-          </a:p>
-        </p:txBody>
-      </p:sp>
-    </p:spTree>
-    <p:extLst>
-      <p:ext uri="{BB962C8B-B14F-4D97-AF65-F5344CB8AC3E}">
-        <p14:creationId xmlns:p14="http://schemas.microsoft.com/office/powerpoint/2010/main" val="3412540921"/>
-      </p:ext>
-    </p:extLst>
-  </p:cSld>
-  <p:clrMapOvr>
-    <a:masterClrMapping/>
-  </p:clrMapOvr>
-  <mc:AlternateContent xmlns:mc="http://schemas.openxmlformats.org/markup-compatibility/2006" xmlns:p14="http://schemas.microsoft.com/office/powerpoint/2010/main">
-    <mc:Choice Requires="p14">
-      <p:transition spd="med" p14:dur="700">
-        <p:fade/>
-      </p:transition>
-    </mc:Choice>
-    <mc:Fallback xmlns="">
-      <p:transition spd="med">
-        <p:fade/>
-      </p:transition>
-    </mc:Fallback>
-  </mc:AlternateContent>
-</p:sld>
-</file>
-
-<file path=ppt/slides/slide34.xml><?xml version="1.0" encoding="utf-8"?>
-<p:sld xmlns:a="http://schemas.openxmlformats.org/drawingml/2006/main" xmlns:r="http://schemas.openxmlformats.org/officeDocument/2006/relationships" xmlns:p="http://schemas.openxmlformats.org/presentationml/2006/main">
-  <p:cSld>
-    <p:spTree>
-      <p:nvGrpSpPr>
-        <p:cNvPr id="1" name=""/>
-        <p:cNvGrpSpPr/>
-        <p:nvPr/>
-      </p:nvGrpSpPr>
-      <p:grpSpPr>
-        <a:xfrm>
-          <a:off x="0" y="0"/>
-          <a:ext cx="0" cy="0"/>
-          <a:chOff x="0" y="0"/>
-          <a:chExt cx="0" cy="0"/>
-        </a:xfrm>
-      </p:grpSpPr>
-      <p:sp>
-        <p:nvSpPr>
-          <p:cNvPr id="2" name="Title 1">
-            <a:extLst>
-              <a:ext uri="{FF2B5EF4-FFF2-40B4-BE49-F238E27FC236}">
-                <a16:creationId xmlns:a16="http://schemas.microsoft.com/office/drawing/2014/main" id="{FAA3DFCA-67DC-4A1B-98CF-C82F01E63ED5}"/>
-              </a:ext>
-            </a:extLst>
-          </p:cNvPr>
-          <p:cNvSpPr>
-            <a:spLocks noGrp="1"/>
-          </p:cNvSpPr>
-          <p:nvPr>
-            <p:ph type="title"/>
-          </p:nvPr>
-        </p:nvSpPr>
-        <p:spPr>
-          <a:xfrm>
-            <a:off x="563880" y="391963"/>
-            <a:ext cx="11216640" cy="1002989"/>
-          </a:xfrm>
-        </p:spPr>
-        <p:txBody>
-          <a:bodyPr>
-            <a:normAutofit/>
-          </a:bodyPr>
-          <a:lstStyle/>
-          <a:p>
-            <a:pPr algn="ctr"/>
-            <a:r>
-              <a:rPr lang="en-US" sz="4900" i="0" dirty="0">
-                <a:effectLst/>
-                <a:latin typeface="+mn-lt"/>
-              </a:rPr>
-              <a:t>What is Interface in Java</a:t>
-            </a:r>
-            <a:endParaRPr lang="en-US" sz="4900" dirty="0"/>
-          </a:p>
-        </p:txBody>
-      </p:sp>
-      <p:sp>
-        <p:nvSpPr>
-          <p:cNvPr id="3" name="Content Placeholder 2">
-            <a:extLst>
-              <a:ext uri="{FF2B5EF4-FFF2-40B4-BE49-F238E27FC236}">
-                <a16:creationId xmlns:a16="http://schemas.microsoft.com/office/drawing/2014/main" id="{D2DF0558-7A41-4104-879B-F5A0A8EA359C}"/>
-              </a:ext>
-            </a:extLst>
-          </p:cNvPr>
-          <p:cNvSpPr>
-            <a:spLocks noGrp="1"/>
-          </p:cNvSpPr>
-          <p:nvPr>
-            <p:ph idx="1"/>
-          </p:nvPr>
-        </p:nvSpPr>
-        <p:spPr>
-          <a:xfrm>
-            <a:off x="411480" y="1394953"/>
-            <a:ext cx="11369040" cy="4690083"/>
-          </a:xfrm>
-        </p:spPr>
-        <p:txBody>
-          <a:bodyPr>
-            <a:normAutofit/>
-          </a:bodyPr>
-          <a:lstStyle/>
-          <a:p>
-            <a:pPr>
-              <a:buFont typeface="Wingdings" panose="05000000000000000000" pitchFamily="2" charset="2"/>
-              <a:buChar char="Ø"/>
-            </a:pPr>
-            <a:r>
-              <a:rPr lang="en-US" sz="2000" b="0" i="0" dirty="0">
-                <a:solidFill>
-                  <a:schemeClr val="accent5"/>
-                </a:solidFill>
-                <a:effectLst/>
-              </a:rPr>
-              <a:t> An </a:t>
-            </a:r>
-            <a:r>
-              <a:rPr lang="en-US" sz="2000" b="1" i="0" dirty="0">
-                <a:solidFill>
-                  <a:schemeClr val="accent5"/>
-                </a:solidFill>
-                <a:effectLst/>
-              </a:rPr>
-              <a:t>Interface in Java</a:t>
-            </a:r>
-            <a:r>
-              <a:rPr lang="en-US" sz="2000" b="0" i="0" dirty="0">
-                <a:solidFill>
-                  <a:schemeClr val="accent5"/>
-                </a:solidFill>
-                <a:effectLst/>
-              </a:rPr>
-              <a:t> programming language is defined as an abstract type used to specify the behavior of a class. A Java interface contains static constants and abstract methods. </a:t>
-            </a:r>
-            <a:r>
-              <a:rPr lang="en-US" sz="2000" dirty="0">
-                <a:solidFill>
-                  <a:schemeClr val="accent5"/>
-                </a:solidFill>
-                <a:effectLst/>
-                <a:ea typeface="Calibri" panose="020F0502020204030204" pitchFamily="34" charset="0"/>
-                <a:cs typeface="Times New Roman" panose="02020603050405020304" pitchFamily="18" charset="0"/>
-              </a:rPr>
-              <a:t>An </a:t>
-            </a:r>
-            <a:r>
-              <a:rPr lang="en-US" sz="2000" b="1" dirty="0">
-                <a:solidFill>
-                  <a:schemeClr val="accent5"/>
-                </a:solidFill>
-                <a:effectLst/>
-                <a:cs typeface="Times New Roman" panose="02020603050405020304" pitchFamily="18" charset="0"/>
-              </a:rPr>
-              <a:t>Interface in Java</a:t>
-            </a:r>
-            <a:r>
-              <a:rPr lang="en-US" sz="2000" dirty="0">
-                <a:solidFill>
-                  <a:schemeClr val="accent5"/>
-                </a:solidFill>
-                <a:effectLst/>
-              </a:rPr>
-              <a:t> programming language is defined as an abstract type used to specify the behavior of a class. A Java interface contains static constants and abstract methods.</a:t>
-            </a:r>
-          </a:p>
-          <a:p>
-            <a:pPr>
-              <a:buFont typeface="Wingdings" panose="05000000000000000000" pitchFamily="2" charset="2"/>
-              <a:buChar char="Ø"/>
-            </a:pPr>
-            <a:r>
-              <a:rPr lang="en-US" sz="2000" b="0" i="0" dirty="0">
-                <a:solidFill>
-                  <a:schemeClr val="accent5"/>
-                </a:solidFill>
-                <a:effectLst/>
-              </a:rPr>
-              <a:t> Writing an interface is like writing a class. But a class describes the attributes and behaviors of an object </a:t>
-            </a:r>
-            <a:r>
-              <a:rPr lang="en-US" sz="2000" dirty="0">
-                <a:solidFill>
-                  <a:schemeClr val="accent5"/>
-                </a:solidFill>
-              </a:rPr>
-              <a:t>a</a:t>
-            </a:r>
-            <a:r>
-              <a:rPr lang="en-US" sz="2000" b="0" i="0" dirty="0">
-                <a:solidFill>
-                  <a:schemeClr val="accent5"/>
-                </a:solidFill>
-                <a:effectLst/>
-              </a:rPr>
-              <a:t>nd an interface contains behaviors that a class implements. Unless the class that implements the interface is abstract, all the methods of the interface need to be defined in the class.</a:t>
-            </a:r>
-          </a:p>
-          <a:p>
-            <a:pPr>
-              <a:buFont typeface="Wingdings" panose="05000000000000000000" pitchFamily="2" charset="2"/>
-              <a:buChar char="Ø"/>
-            </a:pPr>
-            <a:r>
-              <a:rPr lang="en-US" sz="2000" b="0" i="0" dirty="0">
-                <a:solidFill>
-                  <a:schemeClr val="accent5"/>
-                </a:solidFill>
-                <a:effectLst/>
-              </a:rPr>
-              <a:t> An interface can contain any number of methods.</a:t>
-            </a:r>
-          </a:p>
-          <a:p>
-            <a:pPr>
-              <a:buFont typeface="Wingdings" panose="05000000000000000000" pitchFamily="2" charset="2"/>
-              <a:buChar char="Ø"/>
-            </a:pPr>
-            <a:r>
-              <a:rPr lang="en-US" sz="2000" b="0" i="0" dirty="0">
-                <a:solidFill>
-                  <a:schemeClr val="accent5"/>
-                </a:solidFill>
-                <a:effectLst/>
-              </a:rPr>
-              <a:t> An interface is written in a file with a </a:t>
-            </a:r>
-            <a:r>
-              <a:rPr lang="en-US" sz="2000" b="1" i="0" dirty="0">
-                <a:solidFill>
-                  <a:schemeClr val="accent5"/>
-                </a:solidFill>
-                <a:effectLst/>
-              </a:rPr>
-              <a:t>.java</a:t>
-            </a:r>
-            <a:r>
-              <a:rPr lang="en-US" sz="2000" b="0" i="0" dirty="0">
-                <a:solidFill>
-                  <a:schemeClr val="accent5"/>
-                </a:solidFill>
-                <a:effectLst/>
-              </a:rPr>
-              <a:t> extension, with the name of the interface matching the name of the file.</a:t>
-            </a:r>
-          </a:p>
-          <a:p>
-            <a:pPr>
-              <a:buFont typeface="Wingdings" panose="05000000000000000000" pitchFamily="2" charset="2"/>
-              <a:buChar char="Ø"/>
-            </a:pPr>
-            <a:r>
-              <a:rPr lang="en-US" sz="2000" b="0" i="0" dirty="0">
-                <a:solidFill>
-                  <a:schemeClr val="accent5"/>
-                </a:solidFill>
-                <a:effectLst/>
-              </a:rPr>
-              <a:t> The byte code of an interface appears in a </a:t>
-            </a:r>
-            <a:r>
-              <a:rPr lang="en-US" sz="2000" b="1" i="0" dirty="0">
-                <a:solidFill>
-                  <a:schemeClr val="accent5"/>
-                </a:solidFill>
-                <a:effectLst/>
-              </a:rPr>
-              <a:t>.class</a:t>
-            </a:r>
-            <a:r>
-              <a:rPr lang="en-US" sz="2000" b="0" i="0" dirty="0">
-                <a:solidFill>
-                  <a:schemeClr val="accent5"/>
-                </a:solidFill>
-                <a:effectLst/>
-              </a:rPr>
-              <a:t> file.</a:t>
-            </a:r>
-          </a:p>
-          <a:p>
-            <a:pPr marL="45720" indent="0">
-              <a:buNone/>
-            </a:pPr>
-            <a:r>
-              <a:rPr lang="en-US" sz="2000" dirty="0">
-                <a:solidFill>
-                  <a:schemeClr val="accent5"/>
-                </a:solidFill>
-              </a:rPr>
-              <a:t>BUT </a:t>
-            </a:r>
-            <a:r>
-              <a:rPr lang="en-US" sz="2000" b="0" i="0" dirty="0">
-                <a:solidFill>
-                  <a:schemeClr val="accent5"/>
-                </a:solidFill>
-                <a:effectLst/>
-              </a:rPr>
-              <a:t>All of the methods in an interface are abstract, also An interface is not extended by a class; it is implemented by a class. An interface can extend multiple interfaces.</a:t>
-            </a:r>
-            <a:endParaRPr lang="en-US" b="0" i="0" dirty="0">
-              <a:solidFill>
-                <a:schemeClr val="accent5"/>
-              </a:solidFill>
-              <a:effectLst/>
-            </a:endParaRPr>
-          </a:p>
-          <a:p>
-            <a:pPr marL="45720" indent="0">
-              <a:buNone/>
-            </a:pPr>
-            <a:endParaRPr lang="en-US" dirty="0"/>
-          </a:p>
-        </p:txBody>
-      </p:sp>
-    </p:spTree>
-    <p:extLst>
-      <p:ext uri="{BB962C8B-B14F-4D97-AF65-F5344CB8AC3E}">
-        <p14:creationId xmlns:p14="http://schemas.microsoft.com/office/powerpoint/2010/main" val="3766477710"/>
-      </p:ext>
-    </p:extLst>
-  </p:cSld>
-  <p:clrMapOvr>
-    <a:masterClrMapping/>
-  </p:clrMapOvr>
-  <mc:AlternateContent xmlns:mc="http://schemas.openxmlformats.org/markup-compatibility/2006" xmlns:p14="http://schemas.microsoft.com/office/powerpoint/2010/main">
-    <mc:Choice Requires="p14">
-      <p:transition spd="med" p14:dur="700">
-        <p:fade/>
-      </p:transition>
-    </mc:Choice>
-    <mc:Fallback xmlns="">
-      <p:transition spd="med">
-        <p:fade/>
-      </p:transition>
-    </mc:Fallback>
-  </mc:AlternateContent>
-</p:sld>
-</file>
-
-<file path=ppt/slides/slide35.xml><?xml version="1.0" encoding="utf-8"?>
-<p:sld xmlns:a="http://schemas.openxmlformats.org/drawingml/2006/main" xmlns:r="http://schemas.openxmlformats.org/officeDocument/2006/relationships" xmlns:p="http://schemas.openxmlformats.org/presentationml/2006/main">
-  <p:cSld>
-    <p:spTree>
-      <p:nvGrpSpPr>
-        <p:cNvPr id="1" name=""/>
-        <p:cNvGrpSpPr/>
-        <p:nvPr/>
-      </p:nvGrpSpPr>
-      <p:grpSpPr>
-        <a:xfrm>
-          <a:off x="0" y="0"/>
-          <a:ext cx="0" cy="0"/>
-          <a:chOff x="0" y="0"/>
-          <a:chExt cx="0" cy="0"/>
-        </a:xfrm>
-      </p:grpSpPr>
-      <p:sp>
-        <p:nvSpPr>
-          <p:cNvPr id="18" name="Title 1">
-            <a:extLst>
-              <a:ext uri="{FF2B5EF4-FFF2-40B4-BE49-F238E27FC236}">
-                <a16:creationId xmlns:a16="http://schemas.microsoft.com/office/drawing/2014/main" id="{6FD87FE4-9B70-4385-8755-E42BAD536E27}"/>
-              </a:ext>
-            </a:extLst>
-          </p:cNvPr>
-          <p:cNvSpPr>
-            <a:spLocks noGrp="1"/>
-          </p:cNvSpPr>
-          <p:nvPr>
-            <p:ph type="title"/>
-          </p:nvPr>
-        </p:nvSpPr>
-        <p:spPr>
-          <a:xfrm>
-            <a:off x="450621" y="276293"/>
-            <a:ext cx="11476038" cy="1082040"/>
-          </a:xfrm>
-        </p:spPr>
-        <p:txBody>
-          <a:bodyPr>
-            <a:normAutofit/>
-          </a:bodyPr>
-          <a:lstStyle/>
-          <a:p>
-            <a:pPr algn="ctr"/>
-            <a:r>
-              <a:rPr lang="en-US" sz="4900" i="0" dirty="0">
-                <a:effectLst/>
-                <a:latin typeface="+mn-lt"/>
-              </a:rPr>
-              <a:t>Implementing Interfaces</a:t>
-            </a:r>
-            <a:endParaRPr lang="en-US" dirty="0"/>
-          </a:p>
-        </p:txBody>
-      </p:sp>
-      <p:sp>
-        <p:nvSpPr>
-          <p:cNvPr id="16" name="Content Placeholder 2">
-            <a:extLst>
-              <a:ext uri="{FF2B5EF4-FFF2-40B4-BE49-F238E27FC236}">
-                <a16:creationId xmlns:a16="http://schemas.microsoft.com/office/drawing/2014/main" id="{5CEEFE7A-44A5-4279-B13B-572BD29EC1E4}"/>
-              </a:ext>
-            </a:extLst>
-          </p:cNvPr>
-          <p:cNvSpPr>
-            <a:spLocks noGrp="1"/>
-          </p:cNvSpPr>
-          <p:nvPr>
-            <p:ph sz="half" idx="1"/>
-          </p:nvPr>
-        </p:nvSpPr>
-        <p:spPr>
-          <a:xfrm>
-            <a:off x="219291" y="1358333"/>
-            <a:ext cx="6797040" cy="4499636"/>
-          </a:xfrm>
-        </p:spPr>
-        <p:txBody>
-          <a:bodyPr>
-            <a:normAutofit/>
-          </a:bodyPr>
-          <a:lstStyle/>
-          <a:p>
-            <a:pPr>
-              <a:buFont typeface="Wingdings" panose="05000000000000000000" pitchFamily="2" charset="2"/>
-              <a:buChar char="§"/>
-            </a:pPr>
-            <a:r>
-              <a:rPr lang="en-US" sz="2200" b="0" i="0" dirty="0">
-                <a:solidFill>
-                  <a:schemeClr val="accent5"/>
-                </a:solidFill>
-                <a:effectLst/>
-              </a:rPr>
-              <a:t>An interface is implicitly abstract. Each method in an interface is also implicitly abstract, so the abstract keyword is not needed. Methods in an interface are implicitly public.</a:t>
-            </a:r>
-          </a:p>
-          <a:p>
-            <a:pPr>
-              <a:buFont typeface="Wingdings" panose="05000000000000000000" pitchFamily="2" charset="2"/>
-              <a:buChar char="§"/>
-            </a:pPr>
-            <a:r>
-              <a:rPr lang="en-US" sz="2200" b="0" i="0" dirty="0">
-                <a:solidFill>
-                  <a:schemeClr val="accent5"/>
-                </a:solidFill>
-                <a:effectLst/>
-              </a:rPr>
-              <a:t>When a class implements an interface, you can think of the class as signing a contract, agreeing to perform the specific behaviors of the interface. If a class does not perform all the behaviors of the interface, the class must declare itself as abstract.</a:t>
-            </a:r>
-          </a:p>
-          <a:p>
-            <a:pPr>
-              <a:buFont typeface="Wingdings" panose="05000000000000000000" pitchFamily="2" charset="2"/>
-              <a:buChar char="§"/>
-            </a:pPr>
-            <a:r>
-              <a:rPr lang="en-US" sz="2200" b="0" i="0" dirty="0">
-                <a:solidFill>
-                  <a:schemeClr val="accent5"/>
-                </a:solidFill>
-                <a:effectLst/>
-              </a:rPr>
-              <a:t>A class uses the </a:t>
-            </a:r>
-            <a:r>
-              <a:rPr lang="en-US" sz="2200" b="1" i="0" dirty="0">
-                <a:solidFill>
-                  <a:schemeClr val="accent5"/>
-                </a:solidFill>
-                <a:effectLst/>
-              </a:rPr>
-              <a:t>implements</a:t>
-            </a:r>
-            <a:r>
-              <a:rPr lang="en-US" sz="2200" b="0" i="0" dirty="0">
-                <a:solidFill>
-                  <a:schemeClr val="accent5"/>
-                </a:solidFill>
-                <a:effectLst/>
-              </a:rPr>
-              <a:t> keyword to implement an interface. The implements keyword appears in the class declaration following the extends portion of the declaration. </a:t>
-            </a:r>
-          </a:p>
-        </p:txBody>
-      </p:sp>
-      <p:pic>
-        <p:nvPicPr>
-          <p:cNvPr id="5" name="Content Placeholder 4" descr="Diagram&#10;&#10;Description automatically generated">
-            <a:extLst>
-              <a:ext uri="{FF2B5EF4-FFF2-40B4-BE49-F238E27FC236}">
-                <a16:creationId xmlns:a16="http://schemas.microsoft.com/office/drawing/2014/main" id="{F66A361C-7D22-4A48-B885-AE0719E41902}"/>
-              </a:ext>
-            </a:extLst>
-          </p:cNvPr>
-          <p:cNvPicPr>
-            <a:picLocks noGrp="1" noChangeAspect="1"/>
-          </p:cNvPicPr>
-          <p:nvPr>
-            <p:ph sz="half" idx="2"/>
-          </p:nvPr>
-        </p:nvPicPr>
-        <p:blipFill>
-          <a:blip r:embed="rId2">
-            <a:extLst>
-              <a:ext uri="{28A0092B-C50C-407E-A947-70E740481C1C}">
-                <a14:useLocalDpi xmlns:a14="http://schemas.microsoft.com/office/drawing/2010/main" val="0"/>
-              </a:ext>
-              <a:ext uri="{837473B0-CC2E-450A-ABE3-18F120FF3D39}">
-                <a1611:picAttrSrcUrl xmlns:a1611="http://schemas.microsoft.com/office/drawing/2016/11/main" r:id="rId3"/>
-              </a:ext>
-            </a:extLst>
-          </a:blip>
-          <a:stretch>
-            <a:fillRect/>
-          </a:stretch>
-        </p:blipFill>
-        <p:spPr>
-          <a:xfrm>
-            <a:off x="7155120" y="2393228"/>
-            <a:ext cx="4541957" cy="2071544"/>
-          </a:xfrm>
-          <a:noFill/>
-        </p:spPr>
-      </p:pic>
-    </p:spTree>
-    <p:extLst>
-      <p:ext uri="{BB962C8B-B14F-4D97-AF65-F5344CB8AC3E}">
-        <p14:creationId xmlns:p14="http://schemas.microsoft.com/office/powerpoint/2010/main" val="2206759438"/>
       </p:ext>
     </p:extLst>
   </p:cSld>
@@ -12756,7 +12817,7 @@
         </p:nvSpPr>
         <p:spPr>
           <a:xfrm>
-            <a:off x="1295400" y="514857"/>
+            <a:off x="1295400" y="539430"/>
             <a:ext cx="9601200" cy="914400"/>
           </a:xfrm>
         </p:spPr>
@@ -12771,21 +12832,21 @@
               <a:rPr lang="en-US" dirty="0">
                 <a:latin typeface="+mn-lt"/>
               </a:rPr>
-              <a:t>E</a:t>
-            </a:r>
-            <a:r>
-              <a:rPr lang="en-US" sz="4400" dirty="0">
+              <a:t>A</a:t>
+            </a:r>
+            <a:r>
+              <a:rPr lang="en-US" sz="4400" i="0" dirty="0">
                 <a:effectLst/>
                 <a:latin typeface="+mn-lt"/>
               </a:rPr>
-              <a:t>ncapsulation</a:t>
+              <a:t>bstraction </a:t>
             </a:r>
             <a:r>
               <a:rPr lang="en-US" sz="4400" b="1" i="0" u="sng" dirty="0">
                 <a:effectLst/>
                 <a:latin typeface="+mn-lt"/>
               </a:rPr>
-              <a:t>   </a:t>
+              <a:t>  </a:t>
             </a:r>
             <a:endParaRPr lang="en-US" sz="4400" dirty="0">
               <a:latin typeface="+mn-lt"/>
@@ -12811,8 +12872,8 @@
         </p:nvSpPr>
         <p:spPr>
           <a:xfrm>
-            <a:off x="220639" y="1546579"/>
-            <a:ext cx="11750722" cy="3764841"/>
+            <a:off x="96520" y="2021385"/>
+            <a:ext cx="11998960" cy="3557114"/>
           </a:xfrm>
         </p:spPr>
         <p:txBody>
@@ -12824,154 +12885,58 @@
             <a:pPr marL="45720" indent="0">
               <a:buNone/>
             </a:pPr>
-            <a:endParaRPr lang="en-US" b="1" i="0" dirty="0">
-              <a:solidFill>
-                <a:srgbClr val="222222"/>
-              </a:solidFill>
-              <a:effectLst/>
-              <a:latin typeface="Source Sans Pro" panose="020B0503030403020204" pitchFamily="34" charset="0"/>
-            </a:endParaRPr>
+            <a:r>
+              <a:rPr lang="en-US" sz="3200" b="1" i="0" u="sng" dirty="0">
+                <a:solidFill>
+                  <a:schemeClr val="accent5"/>
+                </a:solidFill>
+                <a:effectLst/>
+              </a:rPr>
+              <a:t>Abstraction:</a:t>
+            </a:r>
+            <a:r>
+              <a:rPr lang="en-US" sz="3200" i="0" dirty="0">
+                <a:solidFill>
+                  <a:schemeClr val="accent5"/>
+                </a:solidFill>
+                <a:effectLst/>
+              </a:rPr>
+              <a:t> </a:t>
+            </a:r>
+            <a:r>
+              <a:rPr lang="en-US" sz="3200" b="0" i="0" dirty="0">
+                <a:solidFill>
+                  <a:schemeClr val="accent5"/>
+                </a:solidFill>
+                <a:effectLst/>
+              </a:rPr>
+              <a:t>Abstraction is one of the OOP Concepts in Java which is an act of representing essential features without including background details. It is a technique of creating a new data type that is suited for a specific application.</a:t>
+            </a:r>
           </a:p>
           <a:p>
             <a:pPr marL="45720" indent="0">
               <a:buNone/>
             </a:pPr>
             <a:r>
-              <a:rPr lang="en-US" sz="2400" b="1" i="0" u="sng" dirty="0">
-                <a:solidFill>
-                  <a:schemeClr val="accent5"/>
-                </a:solidFill>
-                <a:effectLst/>
-              </a:rPr>
-              <a:t>Encapsulation:</a:t>
-            </a:r>
-            <a:r>
-              <a:rPr lang="en-US" sz="2400" i="0" dirty="0">
-                <a:solidFill>
-                  <a:schemeClr val="accent5"/>
-                </a:solidFill>
-                <a:effectLst/>
-              </a:rPr>
-              <a:t> </a:t>
-            </a:r>
-            <a:r>
-              <a:rPr lang="en-US" sz="2400" b="0" i="0" dirty="0">
-                <a:solidFill>
-                  <a:schemeClr val="accent5"/>
-                </a:solidFill>
-                <a:effectLst/>
-              </a:rPr>
-              <a:t>Encapsulation is one of the best Java OOPs concepts of wrapping the data and code. In this OOPs concept, the variables of a class are always hidden from other classes.</a:t>
-            </a:r>
-            <a:endParaRPr lang="en-US" sz="2400" i="0" dirty="0">
+              <a:rPr lang="en-US" sz="3200" dirty="0">
+                <a:solidFill>
+                  <a:schemeClr val="accent5"/>
+                </a:solidFill>
+              </a:rPr>
+              <a:t>We can implement abstraction on classes and methods. Abstract method means incomplete method. The child class is responsible to implement the incomplete methods.</a:t>
+            </a:r>
+            <a:endParaRPr lang="en-US" dirty="0">
               <a:solidFill>
                 <a:schemeClr val="accent5"/>
               </a:solidFill>
-              <a:effectLst/>
             </a:endParaRPr>
-          </a:p>
-          <a:p>
-            <a:pPr marL="45720" indent="0">
-              <a:buNone/>
-            </a:pPr>
-            <a:r>
-              <a:rPr lang="en-US" sz="2400" i="0" dirty="0">
-                <a:solidFill>
-                  <a:schemeClr val="accent5"/>
-                </a:solidFill>
-                <a:effectLst/>
-              </a:rPr>
-              <a:t>For every variables we need to create setters and getters. If we have 10 </a:t>
-            </a:r>
-            <a:r>
-              <a:rPr lang="en-US" sz="2400" dirty="0">
-                <a:solidFill>
-                  <a:schemeClr val="accent5"/>
-                </a:solidFill>
-              </a:rPr>
-              <a:t>v</a:t>
-            </a:r>
-            <a:r>
-              <a:rPr lang="en-US" sz="2400" i="0" dirty="0">
-                <a:solidFill>
-                  <a:schemeClr val="accent5"/>
-                </a:solidFill>
-                <a:effectLst/>
-              </a:rPr>
-              <a:t>ariables then, we need to create setter and getter for each variables. IntelliJ has a feature to create getter and setter.</a:t>
-            </a:r>
-          </a:p>
-          <a:p>
-            <a:pPr marL="45720" indent="0">
-              <a:buNone/>
-            </a:pPr>
-            <a:r>
-              <a:rPr lang="en-US" sz="2400" b="1" i="0" dirty="0">
-                <a:solidFill>
-                  <a:schemeClr val="accent5"/>
-                </a:solidFill>
-                <a:effectLst/>
-                <a:sym typeface="Wingdings" panose="05000000000000000000" pitchFamily="2" charset="2"/>
-              </a:rPr>
-              <a:t>Note : </a:t>
-            </a:r>
-            <a:r>
-              <a:rPr lang="en-US" sz="2400" b="1" i="0" u="sng" dirty="0">
-                <a:solidFill>
-                  <a:schemeClr val="accent5"/>
-                </a:solidFill>
-                <a:effectLst/>
-                <a:sym typeface="Wingdings" panose="05000000000000000000" pitchFamily="2" charset="2"/>
-              </a:rPr>
-              <a:t>This</a:t>
-            </a:r>
-            <a:r>
-              <a:rPr lang="en-US" sz="2400" b="1" i="0" dirty="0">
-                <a:solidFill>
-                  <a:schemeClr val="accent5"/>
-                </a:solidFill>
-                <a:effectLst/>
-                <a:sym typeface="Wingdings" panose="05000000000000000000" pitchFamily="2" charset="2"/>
-              </a:rPr>
-              <a:t> </a:t>
-            </a:r>
-            <a:r>
-              <a:rPr lang="en-US" sz="2400" i="0" dirty="0">
-                <a:solidFill>
-                  <a:schemeClr val="accent5"/>
-                </a:solidFill>
-                <a:effectLst/>
-                <a:sym typeface="Wingdings" panose="05000000000000000000" pitchFamily="2" charset="2"/>
-              </a:rPr>
-              <a:t>key</a:t>
-            </a:r>
-            <a:r>
-              <a:rPr lang="en-US" sz="2400" b="1" i="0" dirty="0">
-                <a:solidFill>
-                  <a:schemeClr val="accent5"/>
-                </a:solidFill>
-                <a:effectLst/>
-                <a:sym typeface="Wingdings" panose="05000000000000000000" pitchFamily="2" charset="2"/>
-              </a:rPr>
-              <a:t> </a:t>
-            </a:r>
-            <a:r>
-              <a:rPr lang="en-US" sz="2400" i="0" dirty="0">
-                <a:solidFill>
-                  <a:schemeClr val="accent5"/>
-                </a:solidFill>
-                <a:effectLst/>
-                <a:sym typeface="Wingdings" panose="05000000000000000000" pitchFamily="2" charset="2"/>
-              </a:rPr>
-              <a:t>word in setter method is used to separate between the class variable and local parameters variable</a:t>
-            </a:r>
           </a:p>
         </p:txBody>
       </p:sp>
     </p:spTree>
     <p:extLst>
       <p:ext uri="{BB962C8B-B14F-4D97-AF65-F5344CB8AC3E}">
-        <p14:creationId xmlns:p14="http://schemas.microsoft.com/office/powerpoint/2010/main" val="2068484650"/>
+        <p14:creationId xmlns:p14="http://schemas.microsoft.com/office/powerpoint/2010/main" val="3412540921"/>
       </p:ext>
     </p:extLst>
   </p:cSld>
@@ -13015,7 +12980,7 @@
           <p:cNvPr id="2" name="Title 1">
             <a:extLst>
               <a:ext uri="{FF2B5EF4-FFF2-40B4-BE49-F238E27FC236}">
-                <a16:creationId xmlns:a16="http://schemas.microsoft.com/office/drawing/2014/main" id="{DEFD26E9-066B-49F7-8826-569FCB8992A0}"/>
+                <a16:creationId xmlns:a16="http://schemas.microsoft.com/office/drawing/2014/main" id="{FAA3DFCA-67DC-4A1B-98CF-C82F01E63ED5}"/>
               </a:ext>
             </a:extLst>
           </p:cNvPr>
@@ -13028,8 +12993,8 @@
         </p:nvSpPr>
         <p:spPr>
           <a:xfrm>
-            <a:off x="1295400" y="249610"/>
-            <a:ext cx="9601200" cy="914400"/>
+            <a:off x="563880" y="391963"/>
+            <a:ext cx="11216640" cy="1002989"/>
           </a:xfrm>
         </p:spPr>
         <p:txBody>
@@ -13040,15 +13005,13 @@
           <a:p>
             <a:pPr algn="ctr"/>
             <a:r>
-              <a:rPr lang="en-US" sz="4400" dirty="0">
+              <a:rPr lang="en-US" sz="4900" i="0" dirty="0">
                 <a:effectLst/>
                 <a:latin typeface="+mn-lt"/>
               </a:rPr>
-              <a:t>Encapsulation</a:t>
-            </a:r>
-            <a:endParaRPr lang="en-US" sz="4400" dirty="0">
-              <a:latin typeface="+mn-lt"/>
-            </a:endParaRPr>
+              <a:t>What is Interface in Java</a:t>
+            </a:r>
+            <a:endParaRPr lang="en-US" sz="4900" dirty="0"/>
           </a:p>
         </p:txBody>
       </p:sp>
@@ -13057,7 +13020,7 @@
           <p:cNvPr id="3" name="Content Placeholder 2">
             <a:extLst>
               <a:ext uri="{FF2B5EF4-FFF2-40B4-BE49-F238E27FC236}">
-                <a16:creationId xmlns:a16="http://schemas.microsoft.com/office/drawing/2014/main" id="{2027EF17-F20B-42D9-8770-057B42FAEDD2}"/>
+                <a16:creationId xmlns:a16="http://schemas.microsoft.com/office/drawing/2014/main" id="{D2DF0558-7A41-4104-879B-F5A0A8EA359C}"/>
               </a:ext>
             </a:extLst>
           </p:cNvPr>
@@ -13070,8 +13033,8 @@
         </p:nvSpPr>
         <p:spPr>
           <a:xfrm>
-            <a:off x="220639" y="1365955"/>
-            <a:ext cx="11750722" cy="4580935"/>
+            <a:off x="411480" y="1394953"/>
+            <a:ext cx="11369040" cy="4690083"/>
           </a:xfrm>
         </p:spPr>
         <p:txBody>
@@ -13080,115 +13043,203 @@
           </a:bodyPr>
           <a:lstStyle/>
           <a:p>
+            <a:pPr>
+              <a:buFont typeface="Wingdings" panose="05000000000000000000" pitchFamily="2" charset="2"/>
+              <a:buChar char="Ø"/>
+            </a:pPr>
+            <a:r>
+              <a:rPr lang="en-US" sz="2000" b="0" i="0" dirty="0">
+                <a:solidFill>
+                  <a:schemeClr val="accent5"/>
+                </a:solidFill>
+                <a:effectLst/>
+              </a:rPr>
+              <a:t> An </a:t>
+            </a:r>
+            <a:r>
+              <a:rPr lang="en-US" sz="2000" b="1" i="0" dirty="0">
+                <a:solidFill>
+                  <a:schemeClr val="accent5"/>
+                </a:solidFill>
+                <a:effectLst/>
+              </a:rPr>
+              <a:t>Interface in Java</a:t>
+            </a:r>
+            <a:r>
+              <a:rPr lang="en-US" sz="2000" b="0" i="0" dirty="0">
+                <a:solidFill>
+                  <a:schemeClr val="accent5"/>
+                </a:solidFill>
+                <a:effectLst/>
+              </a:rPr>
+              <a:t> programming language is defined as an abstract type used to specify the behavior of a class. A Java interface contains static constants and abstract methods. </a:t>
+            </a:r>
+            <a:r>
+              <a:rPr lang="en-US" sz="2000" dirty="0">
+                <a:solidFill>
+                  <a:schemeClr val="accent5"/>
+                </a:solidFill>
+                <a:effectLst/>
+                <a:ea typeface="Calibri" panose="020F0502020204030204" pitchFamily="34" charset="0"/>
+                <a:cs typeface="Times New Roman" panose="02020603050405020304" pitchFamily="18" charset="0"/>
+              </a:rPr>
+              <a:t>An </a:t>
+            </a:r>
+            <a:r>
+              <a:rPr lang="en-US" sz="2000" b="1" dirty="0">
+                <a:solidFill>
+                  <a:schemeClr val="accent5"/>
+                </a:solidFill>
+                <a:effectLst/>
+                <a:cs typeface="Times New Roman" panose="02020603050405020304" pitchFamily="18" charset="0"/>
+              </a:rPr>
+              <a:t>Interface in Java</a:t>
+            </a:r>
+            <a:r>
+              <a:rPr lang="en-US" sz="2000" dirty="0">
+                <a:solidFill>
+                  <a:schemeClr val="accent5"/>
+                </a:solidFill>
+                <a:effectLst/>
+              </a:rPr>
+              <a:t> programming language is defined as an abstract type used to specify the behavior of a class. A Java interface contains static constants and abstract methods.</a:t>
+            </a:r>
+          </a:p>
+          <a:p>
+            <a:pPr>
+              <a:buFont typeface="Wingdings" panose="05000000000000000000" pitchFamily="2" charset="2"/>
+              <a:buChar char="Ø"/>
+            </a:pPr>
+            <a:r>
+              <a:rPr lang="en-US" sz="2000" b="0" i="0" dirty="0">
+                <a:solidFill>
+                  <a:schemeClr val="accent5"/>
+                </a:solidFill>
+                <a:effectLst/>
+              </a:rPr>
+              <a:t> Writing an interface is like writing a class. But a class describes the attributes and behaviors of an object </a:t>
+            </a:r>
+            <a:r>
+              <a:rPr lang="en-US" sz="2000" dirty="0">
+                <a:solidFill>
+                  <a:schemeClr val="accent5"/>
+                </a:solidFill>
+              </a:rPr>
+              <a:t>a</a:t>
+            </a:r>
+            <a:r>
+              <a:rPr lang="en-US" sz="2000" b="0" i="0" dirty="0">
+                <a:solidFill>
+                  <a:schemeClr val="accent5"/>
+                </a:solidFill>
+                <a:effectLst/>
+              </a:rPr>
+              <a:t>nd an interface contains behaviors that a class implements. Unless the class that implements the interface is abstract, all the methods of the interface need to be defined in the class.</a:t>
+            </a:r>
+          </a:p>
+          <a:p>
+            <a:pPr>
+              <a:buFont typeface="Wingdings" panose="05000000000000000000" pitchFamily="2" charset="2"/>
+              <a:buChar char="Ø"/>
+            </a:pPr>
+            <a:r>
+              <a:rPr lang="en-US" sz="2000" b="0" i="0" dirty="0">
+                <a:solidFill>
+                  <a:schemeClr val="accent5"/>
+                </a:solidFill>
+                <a:effectLst/>
+              </a:rPr>
+              <a:t> An interface can contain any number of methods.</a:t>
+            </a:r>
+          </a:p>
+          <a:p>
+            <a:pPr>
+              <a:buFont typeface="Wingdings" panose="05000000000000000000" pitchFamily="2" charset="2"/>
+              <a:buChar char="Ø"/>
+            </a:pPr>
+            <a:r>
+              <a:rPr lang="en-US" sz="2000" b="0" i="0" dirty="0">
+                <a:solidFill>
+                  <a:schemeClr val="accent5"/>
+                </a:solidFill>
+                <a:effectLst/>
+              </a:rPr>
+              <a:t> An interface is written in a file with a </a:t>
+            </a:r>
+            <a:r>
+              <a:rPr lang="en-US" sz="2000" b="1" i="0" dirty="0">
+                <a:solidFill>
+                  <a:schemeClr val="accent5"/>
+                </a:solidFill>
+                <a:effectLst/>
+              </a:rPr>
+              <a:t>.java</a:t>
+            </a:r>
+            <a:r>
+              <a:rPr lang="en-US" sz="2000" b="0" i="0" dirty="0">
+                <a:solidFill>
+                  <a:schemeClr val="accent5"/>
+                </a:solidFill>
+                <a:effectLst/>
+              </a:rPr>
+              <a:t> extension, with the name of the interface matching the name of the file.</a:t>
+            </a:r>
+          </a:p>
+          <a:p>
+            <a:pPr>
+              <a:buFont typeface="Wingdings" panose="05000000000000000000" pitchFamily="2" charset="2"/>
+              <a:buChar char="Ø"/>
+            </a:pPr>
+            <a:r>
+              <a:rPr lang="en-US" sz="2000" b="0" i="0" dirty="0">
+                <a:solidFill>
+                  <a:schemeClr val="accent5"/>
+                </a:solidFill>
+                <a:effectLst/>
+              </a:rPr>
+              <a:t> The byte code of an interface appears in a </a:t>
+            </a:r>
+            <a:r>
+              <a:rPr lang="en-US" sz="2000" b="1" i="0" dirty="0">
+                <a:solidFill>
+                  <a:schemeClr val="accent5"/>
+                </a:solidFill>
+                <a:effectLst/>
+              </a:rPr>
+              <a:t>.class</a:t>
+            </a:r>
+            <a:r>
+              <a:rPr lang="en-US" sz="2000" b="0" i="0" dirty="0">
+                <a:solidFill>
+                  <a:schemeClr val="accent5"/>
+                </a:solidFill>
+                <a:effectLst/>
+              </a:rPr>
+              <a:t> file.</a:t>
+            </a:r>
+          </a:p>
+          <a:p>
             <a:pPr marL="45720" indent="0">
               <a:buNone/>
             </a:pPr>
             <a:r>
-              <a:rPr lang="en-US" sz="2400" i="0" dirty="0">
-                <a:solidFill>
-                  <a:schemeClr val="accent5"/>
-                </a:solidFill>
-                <a:effectLst/>
-              </a:rPr>
-              <a:t>Encapsulation is rapping of data and methods into a single unit.</a:t>
-            </a:r>
-          </a:p>
-          <a:p>
-            <a:pPr marL="45720" indent="0">
-              <a:buNone/>
-            </a:pPr>
-            <a:r>
-              <a:rPr lang="en-US" sz="2400" dirty="0">
-                <a:solidFill>
-                  <a:schemeClr val="accent5"/>
-                </a:solidFill>
-              </a:rPr>
-              <a:t>T</a:t>
-            </a:r>
-            <a:r>
-              <a:rPr lang="en-US" sz="2400" i="0" dirty="0">
-                <a:solidFill>
-                  <a:schemeClr val="accent5"/>
-                </a:solidFill>
-                <a:effectLst/>
-              </a:rPr>
-              <a:t>he purpose of encapsulation is security we can only access the variables using the method within the class.</a:t>
-            </a:r>
-          </a:p>
-          <a:p>
-            <a:pPr marL="45720" indent="0">
-              <a:buNone/>
-            </a:pPr>
-            <a:r>
-              <a:rPr lang="en-US" sz="2400" dirty="0">
-                <a:solidFill>
-                  <a:schemeClr val="accent5"/>
-                </a:solidFill>
-              </a:rPr>
-              <a:t>Since we use methods to access the variables there are two concepts to know.</a:t>
-            </a:r>
-          </a:p>
-          <a:p>
-            <a:pPr marL="45720" indent="0">
-              <a:buNone/>
-            </a:pPr>
-            <a:r>
-              <a:rPr lang="en-US" sz="2400" i="0" dirty="0">
-                <a:solidFill>
-                  <a:schemeClr val="accent5"/>
-                </a:solidFill>
-                <a:effectLst/>
-              </a:rPr>
-              <a:t>	1</a:t>
-            </a:r>
-            <a:r>
-              <a:rPr lang="en-US" sz="2400" b="1" i="0" dirty="0">
-                <a:solidFill>
-                  <a:schemeClr val="accent5"/>
-                </a:solidFill>
-                <a:effectLst/>
-              </a:rPr>
-              <a:t>. setters</a:t>
-            </a:r>
-            <a:r>
-              <a:rPr lang="en-US" sz="2400" i="0" dirty="0">
-                <a:solidFill>
-                  <a:schemeClr val="accent5"/>
-                </a:solidFill>
-                <a:effectLst/>
-              </a:rPr>
-              <a:t>:-methods used to assign data to the variables.</a:t>
-            </a:r>
-          </a:p>
-          <a:p>
-            <a:pPr marL="45720" indent="0">
-              <a:buNone/>
-            </a:pPr>
-            <a:r>
-              <a:rPr lang="en-US" sz="2400" dirty="0">
-                <a:solidFill>
-                  <a:schemeClr val="accent5"/>
-                </a:solidFill>
-              </a:rPr>
-              <a:t>	2. </a:t>
-            </a:r>
-            <a:r>
-              <a:rPr lang="en-US" sz="2400" b="1" dirty="0">
-                <a:solidFill>
-                  <a:schemeClr val="accent5"/>
-                </a:solidFill>
-              </a:rPr>
-              <a:t>getters</a:t>
-            </a:r>
-            <a:r>
-              <a:rPr lang="en-US" sz="2400" dirty="0">
-                <a:solidFill>
-                  <a:schemeClr val="accent5"/>
-                </a:solidFill>
-              </a:rPr>
-              <a:t>:- methods used to return the data.</a:t>
-            </a:r>
-            <a:endParaRPr lang="en-US" sz="2400" i="0" dirty="0">
+              <a:rPr lang="en-US" sz="2000" dirty="0">
+                <a:solidFill>
+                  <a:schemeClr val="accent5"/>
+                </a:solidFill>
+              </a:rPr>
+              <a:t>BUT </a:t>
+            </a:r>
+            <a:r>
+              <a:rPr lang="en-US" sz="2000" b="0" i="0" dirty="0">
+                <a:solidFill>
+                  <a:schemeClr val="accent5"/>
+                </a:solidFill>
+                <a:effectLst/>
+              </a:rPr>
+              <a:t>All of the methods in an interface are abstract, also An interface is not extended by a class; it is implemented by a class. An interface can extend multiple interfaces.</a:t>
+            </a:r>
+            <a:endParaRPr lang="en-US" b="0" i="0" dirty="0">
               <a:solidFill>
                 <a:schemeClr val="accent5"/>
               </a:solidFill>
@@ -13199,54 +13250,14 @@
             <a:pPr marL="45720" indent="0">
               <a:buNone/>
             </a:pPr>
-            <a:r>
-              <a:rPr lang="en-US" sz="2400" dirty="0">
-                <a:solidFill>
-                  <a:schemeClr val="accent5"/>
-                </a:solidFill>
-              </a:rPr>
-              <a:t>During encapsulation, the variables and methods are in a single class and the variables should be private.</a:t>
-            </a:r>
-            <a:endParaRPr lang="en-US" sz="2400" i="0" dirty="0">
-              <a:solidFill>
-                <a:schemeClr val="accent5"/>
-              </a:solidFill>
-              <a:effectLst/>
-            </a:endParaRPr>
-          </a:p>
-          <a:p>
-            <a:pPr marL="45720" indent="0">
-              <a:buNone/>
-            </a:pPr>
-            <a:r>
-              <a:rPr lang="en-US" sz="2400" b="1" dirty="0">
-                <a:solidFill>
-                  <a:schemeClr val="accent5"/>
-                </a:solidFill>
-              </a:rPr>
-              <a:t>	syntax: private int x; </a:t>
-            </a:r>
-          </a:p>
-          <a:p>
-            <a:pPr marL="45720" indent="0">
-              <a:buNone/>
-            </a:pPr>
-            <a:r>
-              <a:rPr lang="en-US" sz="2400" b="1" i="1" dirty="0">
-                <a:solidFill>
-                  <a:schemeClr val="accent5"/>
-                </a:solidFill>
-                <a:effectLst/>
-              </a:rPr>
-              <a:t>Note we can not access private variables from other classes.</a:t>
-            </a:r>
+            <a:endParaRPr lang="en-US" dirty="0"/>
           </a:p>
         </p:txBody>
       </p:sp>
     </p:spTree>
     <p:extLst>
       <p:ext uri="{BB962C8B-B14F-4D97-AF65-F5344CB8AC3E}">
-        <p14:creationId xmlns:p14="http://schemas.microsoft.com/office/powerpoint/2010/main" val="392269634"/>
+        <p14:creationId xmlns:p14="http://schemas.microsoft.com/office/powerpoint/2010/main" val="3766477710"/>
       </p:ext>
     </p:extLst>
   </p:cSld>
@@ -13287,10 +13298,10 @@
       </p:grpSpPr>
       <p:sp>
         <p:nvSpPr>
-          <p:cNvPr id="2" name="Title 1">
+          <p:cNvPr id="18" name="Title 1">
             <a:extLst>
               <a:ext uri="{FF2B5EF4-FFF2-40B4-BE49-F238E27FC236}">
-                <a16:creationId xmlns:a16="http://schemas.microsoft.com/office/drawing/2014/main" id="{0E9D16C4-AA87-4BBB-8581-2E43F43BF11C}"/>
+                <a16:creationId xmlns:a16="http://schemas.microsoft.com/office/drawing/2014/main" id="{6FD87FE4-9B70-4385-8755-E42BAD536E27}"/>
               </a:ext>
             </a:extLst>
           </p:cNvPr>
@@ -13301,25 +13312,36 @@
             <p:ph type="title"/>
           </p:nvPr>
         </p:nvSpPr>
-        <p:spPr/>
+        <p:spPr>
+          <a:xfrm>
+            <a:off x="450621" y="276293"/>
+            <a:ext cx="11476038" cy="1082040"/>
+          </a:xfrm>
+        </p:spPr>
         <p:txBody>
-          <a:bodyPr/>
+          <a:bodyPr>
+            <a:normAutofit/>
+          </a:bodyPr>
           <a:lstStyle/>
           <a:p>
             <a:pPr algn="ctr"/>
             <a:r>
-              <a:rPr lang="en-US" dirty="0"/>
-              <a:t>Sorting in Java</a:t>
-            </a:r>
+              <a:rPr lang="en-US" sz="4900" i="0" dirty="0">
+                <a:effectLst/>
+                <a:latin typeface="+mn-lt"/>
+              </a:rPr>
+              <a:t>Implementing Interfaces</a:t>
+            </a:r>
+            <a:endParaRPr lang="en-US" dirty="0"/>
           </a:p>
         </p:txBody>
       </p:sp>
       <p:sp>
         <p:nvSpPr>
-          <p:cNvPr id="3" name="Content Placeholder 2">
+          <p:cNvPr id="16" name="Content Placeholder 2">
             <a:extLst>
               <a:ext uri="{FF2B5EF4-FFF2-40B4-BE49-F238E27FC236}">
-                <a16:creationId xmlns:a16="http://schemas.microsoft.com/office/drawing/2014/main" id="{FE46D9F7-C90A-4681-A2B6-55AF576291C0}"/>
+                <a16:creationId xmlns:a16="http://schemas.microsoft.com/office/drawing/2014/main" id="{5CEEFE7A-44A5-4279-B13B-572BD29EC1E4}"/>
               </a:ext>
             </a:extLst>
           </p:cNvPr>
@@ -13327,125 +13349,128 @@
             <a:spLocks noGrp="1"/>
           </p:cNvSpPr>
           <p:nvPr>
-            <p:ph idx="1"/>
+            <p:ph sz="half" idx="1"/>
           </p:nvPr>
         </p:nvSpPr>
         <p:spPr>
           <a:xfrm>
-            <a:off x="838200" y="1536175"/>
-            <a:ext cx="10515600" cy="4351338"/>
+            <a:off x="219291" y="1358333"/>
+            <a:ext cx="6797040" cy="4499636"/>
           </a:xfrm>
         </p:spPr>
         <p:txBody>
-          <a:bodyPr/>
+          <a:bodyPr>
+            <a:normAutofit/>
+          </a:bodyPr>
           <a:lstStyle/>
           <a:p>
-            <a:pPr marL="0" indent="0">
-              <a:buNone/>
-            </a:pPr>
-            <a:r>
-              <a:rPr lang="en-US" dirty="0">
-                <a:solidFill>
-                  <a:schemeClr val="accent5"/>
-                </a:solidFill>
-              </a:rPr>
-              <a:t>What is sorting? Well its exactly what you would expect it to be. Arranging data. You can use various ordering criteria, common ones being sorting numbers from least to greatest or vice-versa.</a:t>
-            </a:r>
-          </a:p>
-          <a:p>
-            <a:pPr marL="0" indent="0">
-              <a:buNone/>
-            </a:pPr>
-            <a:r>
-              <a:rPr lang="en-US" dirty="0">
-                <a:solidFill>
-                  <a:schemeClr val="accent5"/>
-                </a:solidFill>
-              </a:rPr>
-              <a:t>There are 5 main sorting methods in Java:</a:t>
-            </a:r>
-          </a:p>
-          <a:p>
-            <a:pPr algn="l">
-              <a:buFont typeface="+mj-lt"/>
-              <a:buAutoNum type="arabicPeriod"/>
-            </a:pPr>
-            <a:r>
-              <a:rPr lang="en-US" b="0" i="0" dirty="0">
-                <a:solidFill>
-                  <a:schemeClr val="accent5"/>
-                </a:solidFill>
-                <a:effectLst/>
-              </a:rPr>
-              <a:t>Merge Sort</a:t>
-            </a:r>
-          </a:p>
-          <a:p>
-            <a:pPr algn="l">
-              <a:buFont typeface="+mj-lt"/>
-              <a:buAutoNum type="arabicPeriod"/>
-            </a:pPr>
-            <a:r>
-              <a:rPr lang="en-US" b="0" i="0" dirty="0">
-                <a:solidFill>
-                  <a:schemeClr val="accent5"/>
-                </a:solidFill>
-                <a:effectLst/>
-              </a:rPr>
-              <a:t>Heap Sort</a:t>
-            </a:r>
-          </a:p>
-          <a:p>
-            <a:pPr algn="l">
-              <a:buFont typeface="+mj-lt"/>
-              <a:buAutoNum type="arabicPeriod"/>
-            </a:pPr>
-            <a:r>
-              <a:rPr lang="en-US" b="0" i="0" dirty="0">
-                <a:solidFill>
-                  <a:schemeClr val="accent5"/>
-                </a:solidFill>
-                <a:effectLst/>
-              </a:rPr>
-              <a:t>Insertion Sort</a:t>
-            </a:r>
-          </a:p>
-          <a:p>
-            <a:pPr algn="l">
-              <a:buFont typeface="+mj-lt"/>
-              <a:buAutoNum type="arabicPeriod"/>
-            </a:pPr>
-            <a:r>
-              <a:rPr lang="en-US" b="0" i="0" dirty="0">
-                <a:solidFill>
-                  <a:schemeClr val="accent5"/>
-                </a:solidFill>
-                <a:effectLst/>
-              </a:rPr>
-              <a:t>Selection Sort</a:t>
-            </a:r>
-          </a:p>
-          <a:p>
-            <a:pPr algn="l">
-              <a:buFont typeface="+mj-lt"/>
-              <a:buAutoNum type="arabicPeriod"/>
-            </a:pPr>
-            <a:r>
-              <a:rPr lang="en-US" b="0" i="0" dirty="0">
-                <a:solidFill>
-                  <a:schemeClr val="accent5"/>
-                </a:solidFill>
-                <a:effectLst/>
-              </a:rPr>
-              <a:t>Bubble Sort</a:t>
+            <a:pPr>
+              <a:buFont typeface="Wingdings" panose="05000000000000000000" pitchFamily="2" charset="2"/>
+              <a:buChar char="§"/>
+            </a:pPr>
+            <a:r>
+              <a:rPr lang="en-US" sz="2200" b="0" i="0" dirty="0">
+                <a:solidFill>
+                  <a:schemeClr val="accent5"/>
+                </a:solidFill>
+                <a:effectLst/>
+              </a:rPr>
+              <a:t>An interface is implicitly abstract. Each method in an interface is also implicitly abstract, so the abstract keyword is not needed. Methods in an interface are implicitly public.</a:t>
+            </a:r>
+          </a:p>
+          <a:p>
+            <a:pPr>
+              <a:buFont typeface="Wingdings" panose="05000000000000000000" pitchFamily="2" charset="2"/>
+              <a:buChar char="§"/>
+            </a:pPr>
+            <a:r>
+              <a:rPr lang="en-US" sz="2200" b="0" i="0" dirty="0">
+                <a:solidFill>
+                  <a:schemeClr val="accent5"/>
+                </a:solidFill>
+                <a:effectLst/>
+              </a:rPr>
+              <a:t>When a class implements an interface, you can think of the class as signing a contract, agreeing to perform the specific behaviors of the interface. If a class does not perform all the behaviors of the interface, the class must declare itself as abstract.</a:t>
+            </a:r>
+          </a:p>
+          <a:p>
+            <a:pPr>
+              <a:buFont typeface="Wingdings" panose="05000000000000000000" pitchFamily="2" charset="2"/>
+              <a:buChar char="§"/>
+            </a:pPr>
+            <a:r>
+              <a:rPr lang="en-US" sz="2200" b="0" i="0" dirty="0">
+                <a:solidFill>
+                  <a:schemeClr val="accent5"/>
+                </a:solidFill>
+                <a:effectLst/>
+              </a:rPr>
+              <a:t>A class uses the </a:t>
+            </a:r>
+            <a:r>
+              <a:rPr lang="en-US" sz="2200" b="1" i="0" dirty="0">
+                <a:solidFill>
+                  <a:schemeClr val="accent5"/>
+                </a:solidFill>
+                <a:effectLst/>
+              </a:rPr>
+              <a:t>implements</a:t>
+            </a:r>
+            <a:r>
+              <a:rPr lang="en-US" sz="2200" b="0" i="0" dirty="0">
+                <a:solidFill>
+                  <a:schemeClr val="accent5"/>
+                </a:solidFill>
+                <a:effectLst/>
+              </a:rPr>
+              <a:t> keyword to implement an interface. The implements keyword appears in the class declaration following the extends portion of the declaration. </a:t>
             </a:r>
           </a:p>
         </p:txBody>
       </p:sp>
+      <p:pic>
+        <p:nvPicPr>
+          <p:cNvPr id="5" name="Content Placeholder 4" descr="Diagram&#10;&#10;Description automatically generated">
+            <a:extLst>
+              <a:ext uri="{FF2B5EF4-FFF2-40B4-BE49-F238E27FC236}">
+                <a16:creationId xmlns:a16="http://schemas.microsoft.com/office/drawing/2014/main" id="{F66A361C-7D22-4A48-B885-AE0719E41902}"/>
+              </a:ext>
+            </a:extLst>
+          </p:cNvPr>
+          <p:cNvPicPr>
+            <a:picLocks noGrp="1" noChangeAspect="1"/>
+          </p:cNvPicPr>
+          <p:nvPr>
+            <p:ph sz="half" idx="2"/>
+          </p:nvPr>
+        </p:nvPicPr>
+        <p:blipFill>
+          <a:blip r:embed="rId2">
+            <a:extLst>
+              <a:ext uri="{28A0092B-C50C-407E-A947-70E740481C1C}">
+                <a14:useLocalDpi xmlns:a14="http://schemas.microsoft.com/office/drawing/2010/main" val="0"/>
+              </a:ext>
+              <a:ext uri="{837473B0-CC2E-450A-ABE3-18F120FF3D39}">
+                <a1611:picAttrSrcUrl xmlns:a1611="http://schemas.microsoft.com/office/drawing/2016/11/main" r:id="rId3"/>
+              </a:ext>
+            </a:extLst>
+          </a:blip>
+          <a:stretch>
+            <a:fillRect/>
+          </a:stretch>
+        </p:blipFill>
+        <p:spPr>
+          <a:xfrm>
+            <a:off x="7155120" y="2393228"/>
+            <a:ext cx="4541957" cy="2071544"/>
+          </a:xfrm>
+          <a:noFill/>
+        </p:spPr>
+      </p:pic>
     </p:spTree>
     <p:extLst>
       <p:ext uri="{BB962C8B-B14F-4D97-AF65-F5344CB8AC3E}">
-        <p14:creationId xmlns:p14="http://schemas.microsoft.com/office/powerpoint/2010/main" val="3233095748"/>
+        <p14:creationId xmlns:p14="http://schemas.microsoft.com/office/powerpoint/2010/main" val="2206759438"/>
       </p:ext>
     </p:extLst>
   </p:cSld>
@@ -13489,7 +13514,7 @@
           <p:cNvPr id="2" name="Title 1">
             <a:extLst>
               <a:ext uri="{FF2B5EF4-FFF2-40B4-BE49-F238E27FC236}">
-                <a16:creationId xmlns:a16="http://schemas.microsoft.com/office/drawing/2014/main" id="{B3EC1257-FA62-4145-9B68-A6F65CE2A13C}"/>
+                <a16:creationId xmlns:a16="http://schemas.microsoft.com/office/drawing/2014/main" id="{0E9D16C4-AA87-4BBB-8581-2E43F43BF11C}"/>
               </a:ext>
             </a:extLst>
           </p:cNvPr>
@@ -13508,7 +13533,7 @@
             <a:pPr algn="ctr"/>
             <a:r>
               <a:rPr lang="en-US" dirty="0"/>
-              <a:t>MergeSort</a:t>
+              <a:t>Sorting in Java</a:t>
             </a:r>
           </a:p>
         </p:txBody>
@@ -13518,7 +13543,7 @@
           <p:cNvPr id="3" name="Content Placeholder 2">
             <a:extLst>
               <a:ext uri="{FF2B5EF4-FFF2-40B4-BE49-F238E27FC236}">
-                <a16:creationId xmlns:a16="http://schemas.microsoft.com/office/drawing/2014/main" id="{CDA49867-B5BA-48E8-9F46-4345BF7E59E2}"/>
+                <a16:creationId xmlns:a16="http://schemas.microsoft.com/office/drawing/2014/main" id="{FE46D9F7-C90A-4681-A2B6-55AF576291C0}"/>
               </a:ext>
             </a:extLst>
           </p:cNvPr>
@@ -13531,14 +13556,12 @@
         </p:nvSpPr>
         <p:spPr>
           <a:xfrm>
-            <a:off x="838200" y="1549332"/>
+            <a:off x="838200" y="1536175"/>
             <a:ext cx="10515600" cy="4351338"/>
           </a:xfrm>
         </p:spPr>
         <p:txBody>
-          <a:bodyPr>
-            <a:normAutofit fontScale="62500" lnSpcReduction="20000"/>
-          </a:bodyPr>
+          <a:bodyPr/>
           <a:lstStyle/>
           <a:p>
             <a:pPr marL="0" indent="0">
@@ -13550,66 +13573,95 @@
                   <a:schemeClr val="accent5"/>
                 </a:solidFill>
               </a:rPr>
-              <a:t>Merge sort is one of the most flexible sorting algorithms in java known to mankind (yes, no kidding). It uses the divide and conquers strategy for sorting elements in an array. It is also a stable sort, meaning that it will not change the order of the original elements in an array concerning each other. The underlying strategy breaks up the array into multiple smaller segments till segments of only two elements (or one element) are obtained. Now, elements in these segments are sorted and the segments are merged to form larger segments. This process continues till the entire array is sorted.</a:t>
+              <a:t>What is sorting? Well its exactly what you would expect it to be. Arranging data. You can use various ordering criteria, common ones being sorting numbers from least to greatest or vice-versa.</a:t>
             </a:r>
           </a:p>
           <a:p>
             <a:pPr marL="0" indent="0">
               <a:buNone/>
             </a:pPr>
-            <a:endParaRPr lang="en-US" dirty="0">
-              <a:solidFill>
-                <a:schemeClr val="accent5"/>
-              </a:solidFill>
-            </a:endParaRPr>
-          </a:p>
-          <a:p>
-            <a:pPr marL="0" indent="0">
-              <a:buNone/>
-            </a:pPr>
             <a:r>
               <a:rPr lang="en-US" dirty="0">
                 <a:solidFill>
                   <a:schemeClr val="accent5"/>
                 </a:solidFill>
               </a:rPr>
-              <a:t>This algorithm has two main parts:</a:t>
-            </a:r>
-          </a:p>
-          <a:p>
-            <a:pPr marL="0" indent="0">
-              <a:buNone/>
-            </a:pPr>
-            <a:endParaRPr lang="en-US" dirty="0">
-              <a:solidFill>
-                <a:schemeClr val="accent5"/>
-              </a:solidFill>
-            </a:endParaRPr>
-          </a:p>
-          <a:p>
-            <a:pPr marL="0" indent="0">
-              <a:buNone/>
-            </a:pPr>
-            <a:r>
-              <a:rPr lang="en-US" dirty="0">
-                <a:solidFill>
-                  <a:schemeClr val="accent5"/>
-                </a:solidFill>
-              </a:rPr>
-              <a:t>mergeSort() – This function calculates the middle index for the subarray and then partitions the subarray into two halves. The first half runs from index left to middle, while the second half runs from index middle+1 to right. After the partitioning is done, this function automatically calls the merge() function for sorting the subarray being handled by the mergeSort() call.</a:t>
-            </a:r>
-          </a:p>
-          <a:p>
-            <a:pPr marL="0" indent="0">
-              <a:buNone/>
-            </a:pPr>
-            <a:r>
-              <a:rPr lang="en-US" dirty="0">
-                <a:solidFill>
-                  <a:schemeClr val="accent5"/>
-                </a:solidFill>
-              </a:rPr>
-              <a:t>merge() – This function does the actual heavy lifting for the sorting process. It requires the input of four parameters – the array, the starting index (left), the middle index (middle), and the ending index (right). Once received, merge() will split the subarray into two subarrays – one left subarray and one right subarray. The left subarray runs from index left to middle, while the right subarray runs from index middle+1 to right. This function then merges the two subarrays to get the sorted subarray.</a:t>
+              <a:t>There are 5 main sorting methods in Java:</a:t>
+            </a:r>
+          </a:p>
+          <a:p>
+            <a:pPr algn="l">
+              <a:buFont typeface="+mj-lt"/>
+              <a:buAutoNum type="arabicPeriod"/>
+            </a:pPr>
+            <a:r>
+              <a:rPr lang="en-US" b="0" i="0" dirty="0">
+                <a:solidFill>
+                  <a:schemeClr val="accent5"/>
+                </a:solidFill>
+                <a:effectLst/>
+              </a:rPr>
+              <a:t>Merge Sort</a:t>
+            </a:r>
+          </a:p>
+          <a:p>
+            <a:pPr algn="l">
+              <a:buFont typeface="+mj-lt"/>
+              <a:buAutoNum type="arabicPeriod"/>
+            </a:pPr>
+            <a:r>
+              <a:rPr lang="en-US" b="0" i="0" dirty="0">
+                <a:solidFill>
+                  <a:schemeClr val="accent5"/>
+                </a:solidFill>
+                <a:effectLst/>
+              </a:rPr>
+              <a:t>Heap Sort</a:t>
+            </a:r>
+          </a:p>
+          <a:p>
+            <a:pPr algn="l">
+              <a:buFont typeface="+mj-lt"/>
+              <a:buAutoNum type="arabicPeriod"/>
+            </a:pPr>
+            <a:r>
+              <a:rPr lang="en-US" b="0" i="0" dirty="0">
+                <a:solidFill>
+                  <a:schemeClr val="accent5"/>
+                </a:solidFill>
+                <a:effectLst/>
+              </a:rPr>
+              <a:t>Insertion Sort</a:t>
+            </a:r>
+          </a:p>
+          <a:p>
+            <a:pPr algn="l">
+              <a:buFont typeface="+mj-lt"/>
+              <a:buAutoNum type="arabicPeriod"/>
+            </a:pPr>
+            <a:r>
+              <a:rPr lang="en-US" b="0" i="0" dirty="0">
+                <a:solidFill>
+                  <a:schemeClr val="accent5"/>
+                </a:solidFill>
+                <a:effectLst/>
+              </a:rPr>
+              <a:t>Selection Sort</a:t>
+            </a:r>
+          </a:p>
+          <a:p>
+            <a:pPr algn="l">
+              <a:buFont typeface="+mj-lt"/>
+              <a:buAutoNum type="arabicPeriod"/>
+            </a:pPr>
+            <a:r>
+              <a:rPr lang="en-US" b="0" i="0" dirty="0">
+                <a:solidFill>
+                  <a:schemeClr val="accent5"/>
+                </a:solidFill>
+                <a:effectLst/>
+              </a:rPr>
+              <a:t>Bubble Sort</a:t>
             </a:r>
           </a:p>
         </p:txBody>
@@ -13617,7 +13669,7 @@
     </p:spTree>
     <p:extLst>
       <p:ext uri="{BB962C8B-B14F-4D97-AF65-F5344CB8AC3E}">
-        <p14:creationId xmlns:p14="http://schemas.microsoft.com/office/powerpoint/2010/main" val="2746468294"/>
+        <p14:creationId xmlns:p14="http://schemas.microsoft.com/office/powerpoint/2010/main" val="3233095748"/>
       </p:ext>
     </p:extLst>
   </p:cSld>
@@ -13875,7 +13927,7 @@
           <p:cNvPr id="2" name="Title 1">
             <a:extLst>
               <a:ext uri="{FF2B5EF4-FFF2-40B4-BE49-F238E27FC236}">
-                <a16:creationId xmlns:a16="http://schemas.microsoft.com/office/drawing/2014/main" id="{13817FC9-B5A7-43D3-BD41-64D241668E66}"/>
+                <a16:creationId xmlns:a16="http://schemas.microsoft.com/office/drawing/2014/main" id="{B3EC1257-FA62-4145-9B68-A6F65CE2A13C}"/>
               </a:ext>
             </a:extLst>
           </p:cNvPr>
@@ -13894,7 +13946,7 @@
             <a:pPr algn="ctr"/>
             <a:r>
               <a:rPr lang="en-US" dirty="0"/>
-              <a:t>HeapSort</a:t>
+              <a:t>MergeSort</a:t>
             </a:r>
           </a:p>
         </p:txBody>
@@ -13904,7 +13956,7 @@
           <p:cNvPr id="3" name="Content Placeholder 2">
             <a:extLst>
               <a:ext uri="{FF2B5EF4-FFF2-40B4-BE49-F238E27FC236}">
-                <a16:creationId xmlns:a16="http://schemas.microsoft.com/office/drawing/2014/main" id="{1505C56B-697C-43CA-BB82-D5D9BF14F469}"/>
+                <a16:creationId xmlns:a16="http://schemas.microsoft.com/office/drawing/2014/main" id="{CDA49867-B5BA-48E8-9F46-4345BF7E59E2}"/>
               </a:ext>
             </a:extLst>
           </p:cNvPr>
@@ -13917,13 +13969,13 @@
         </p:nvSpPr>
         <p:spPr>
           <a:xfrm>
-            <a:off x="590139" y="1486722"/>
-            <a:ext cx="11011722" cy="4538937"/>
+            <a:off x="838200" y="1549332"/>
+            <a:ext cx="10515600" cy="4351338"/>
           </a:xfrm>
         </p:spPr>
         <p:txBody>
           <a:bodyPr>
-            <a:normAutofit fontScale="55000" lnSpcReduction="20000"/>
+            <a:normAutofit fontScale="62500" lnSpcReduction="20000"/>
           </a:bodyPr>
           <a:lstStyle/>
           <a:p>
@@ -13936,7 +13988,7 @@
                   <a:schemeClr val="accent5"/>
                 </a:solidFill>
               </a:rPr>
-              <a:t>Heap sort is one of the most important sorting methods in java that one needs to learn to get into sorting. It combines the concepts of a tree as well as sorting, properly reinforcing the use of concepts from both. A heap is a complete binary search tree where items are stored in a special order depending on the requirement. A min-heap contains the minimum element at the root, and every child of the root must be greater than the root itself. The children at the level after that must be greater than these children, and so on. Similarly, a max-heap contains the maximum element at the root. For the sorting process, the heap is stored as an array where for every parent node at the index i, the left child is at index 2 * i + 1, and the right child is at index 2 * i + 2.</a:t>
+              <a:t>Merge sort is one of the most flexible sorting algorithms in java known to mankind (yes, no kidding). It uses the divide and conquers strategy for sorting elements in an array. It is also a stable sort, meaning that it will not change the order of the original elements in an array concerning each other. The underlying strategy breaks up the array into multiple smaller segments till segments of only two elements (or one element) are obtained. Now, elements in these segments are sorted and the segments are merged to form larger segments. This process continues till the entire array is sorted.</a:t>
             </a:r>
           </a:p>
           <a:p>
@@ -13959,7 +14011,7 @@
                   <a:schemeClr val="accent5"/>
                 </a:solidFill>
               </a:rPr>
-              <a:t>A max heap is built with the elements of the unsorted array, and then the maximum element is extracted from the root of the array and then exchanged with the last element of the array. Once done, the max heap is rebuilt for getting the next maximum element. This process continues till there is only one node present in the heap.</a:t>
+              <a:t>This algorithm has two main parts:</a:t>
             </a:r>
           </a:p>
           <a:p>
@@ -13982,43 +14034,20 @@
                   <a:schemeClr val="accent5"/>
                 </a:solidFill>
               </a:rPr>
-              <a:t>This algorithm has two main parts:-</a:t>
+              <a:t>mergeSort() – This function calculates the middle index for the subarray and then partitions the subarray into two halves. The first half runs from index left to middle, while the second half runs from index middle+1 to right. After the partitioning is done, this function automatically calls the merge() function for sorting the subarray being handled by the mergeSort() call.</a:t>
             </a:r>
           </a:p>
           <a:p>
             <a:pPr marL="0" indent="0">
               <a:buNone/>
             </a:pPr>
-            <a:endParaRPr lang="en-US" dirty="0">
-              <a:solidFill>
-                <a:schemeClr val="accent5"/>
-              </a:solidFill>
-            </a:endParaRPr>
-          </a:p>
-          <a:p>
-            <a:pPr marL="0" indent="0">
-              <a:buNone/>
-            </a:pPr>
             <a:r>
               <a:rPr lang="en-US" dirty="0">
                 <a:solidFill>
                   <a:schemeClr val="accent5"/>
                 </a:solidFill>
               </a:rPr>
-              <a:t>heapSort() – This function helps construct the max heap initially for use. Once done, every root element is extracted and sent to the end of the array. Once done, the max heap is reconstructed from the root. The root is again extracted and sent to the end of the array, and hence the process continues.</a:t>
-            </a:r>
-          </a:p>
-          <a:p>
-            <a:pPr marL="0" indent="0">
-              <a:buNone/>
-            </a:pPr>
-            <a:r>
-              <a:rPr lang="en-US" dirty="0">
-                <a:solidFill>
-                  <a:schemeClr val="accent5"/>
-                </a:solidFill>
-              </a:rPr>
-              <a:t>heap() – This function is the building block of the heap sort algorithm. This function determines the maximum from the element being examined as the root and its two children. If the maximum is among the children of the root, the root and its child are swapped. This process is then repeated for the new root. When the maximum element in the array is found (such that its children are smaller than it) the function stops. For the node at index i, the left child is at index 2 * i + 1, and the right child is at index 2 * i + 2 (indexing in an array starts from 0, so the root is at 0).</a:t>
+              <a:t>merge() – This function does the actual heavy lifting for the sorting process. It requires the input of four parameters – the array, the starting index (left), the middle index (middle), and the ending index (right). Once received, merge() will split the subarray into two subarrays – one left subarray and one right subarray. The left subarray runs from index left to middle, while the right subarray runs from index middle+1 to right. This function then merges the two subarrays to get the sorted subarray.</a:t>
             </a:r>
           </a:p>
         </p:txBody>
@@ -14026,7 +14055,7 @@
     </p:spTree>
     <p:extLst>
       <p:ext uri="{BB962C8B-B14F-4D97-AF65-F5344CB8AC3E}">
-        <p14:creationId xmlns:p14="http://schemas.microsoft.com/office/powerpoint/2010/main" val="2050851769"/>
+        <p14:creationId xmlns:p14="http://schemas.microsoft.com/office/powerpoint/2010/main" val="2746468294"/>
       </p:ext>
     </p:extLst>
   </p:cSld>
@@ -14070,7 +14099,7 @@
           <p:cNvPr id="2" name="Title 1">
             <a:extLst>
               <a:ext uri="{FF2B5EF4-FFF2-40B4-BE49-F238E27FC236}">
-                <a16:creationId xmlns:a16="http://schemas.microsoft.com/office/drawing/2014/main" id="{965AD3AF-F71A-40BA-932C-402AAF78E839}"/>
+                <a16:creationId xmlns:a16="http://schemas.microsoft.com/office/drawing/2014/main" id="{13817FC9-B5A7-43D3-BD41-64D241668E66}"/>
               </a:ext>
             </a:extLst>
           </p:cNvPr>
@@ -14081,12 +14110,7 @@
             <p:ph type="title"/>
           </p:nvPr>
         </p:nvSpPr>
-        <p:spPr>
-          <a:xfrm>
-            <a:off x="838200" y="266449"/>
-            <a:ext cx="10515600" cy="1325563"/>
-          </a:xfrm>
-        </p:spPr>
+        <p:spPr/>
         <p:txBody>
           <a:bodyPr/>
           <a:lstStyle/>
@@ -14094,7 +14118,7 @@
             <a:pPr algn="ctr"/>
             <a:r>
               <a:rPr lang="en-US" dirty="0"/>
-              <a:t>InsertionSort</a:t>
+              <a:t>HeapSort</a:t>
             </a:r>
           </a:p>
         </p:txBody>
@@ -14104,7 +14128,7 @@
           <p:cNvPr id="3" name="Content Placeholder 2">
             <a:extLst>
               <a:ext uri="{FF2B5EF4-FFF2-40B4-BE49-F238E27FC236}">
-                <a16:creationId xmlns:a16="http://schemas.microsoft.com/office/drawing/2014/main" id="{32DF87AE-72F9-463B-A9C6-4C48463BED13}"/>
+                <a16:creationId xmlns:a16="http://schemas.microsoft.com/office/drawing/2014/main" id="{1505C56B-697C-43CA-BB82-D5D9BF14F469}"/>
               </a:ext>
             </a:extLst>
           </p:cNvPr>
@@ -14117,145 +14141,116 @@
         </p:nvSpPr>
         <p:spPr>
           <a:xfrm>
-            <a:off x="838200" y="1444076"/>
-            <a:ext cx="10515600" cy="4575175"/>
+            <a:off x="590139" y="1486722"/>
+            <a:ext cx="11011722" cy="4538937"/>
           </a:xfrm>
         </p:spPr>
         <p:txBody>
           <a:bodyPr>
-            <a:normAutofit fontScale="92500" lnSpcReduction="10000"/>
+            <a:normAutofit fontScale="55000" lnSpcReduction="20000"/>
           </a:bodyPr>
           <a:lstStyle/>
           <a:p>
-            <a:pPr marL="0" indent="0" algn="l">
-              <a:buNone/>
-            </a:pPr>
-            <a:r>
-              <a:rPr lang="en-US" sz="2400" b="0" i="0" dirty="0">
-                <a:solidFill>
-                  <a:schemeClr val="accent5"/>
-                </a:solidFill>
-                <a:effectLst/>
-              </a:rPr>
-              <a:t>While insertion sort isn’t a much-optimized algorithm for sorting an array, it is one of the more easily understood ones. Implementation is pretty easy too. In insertion sort, one picks up an element and considers it to be the key. If the key is smaller than its predecessor, it is shifted to its correct location in the array.</a:t>
-            </a:r>
-          </a:p>
-          <a:p>
-            <a:pPr marL="0" indent="0" algn="l">
-              <a:buNone/>
-            </a:pPr>
-            <a:r>
-              <a:rPr lang="en-US" sz="2400" b="0" i="0" dirty="0">
-                <a:solidFill>
-                  <a:schemeClr val="accent5"/>
-                </a:solidFill>
-                <a:effectLst/>
-              </a:rPr>
-              <a:t>Algorithm:</a:t>
-            </a:r>
-          </a:p>
-          <a:p>
-            <a:pPr algn="l">
-              <a:buFont typeface="+mj-lt"/>
-              <a:buAutoNum type="arabicPeriod"/>
-            </a:pPr>
-            <a:r>
-              <a:rPr lang="en-US" sz="2400" b="0" i="0" dirty="0">
-                <a:solidFill>
-                  <a:schemeClr val="accent5"/>
-                </a:solidFill>
-                <a:effectLst/>
-              </a:rPr>
-              <a:t>START</a:t>
-            </a:r>
-          </a:p>
-          <a:p>
-            <a:pPr algn="l">
-              <a:buFont typeface="+mj-lt"/>
-              <a:buAutoNum type="arabicPeriod"/>
-            </a:pPr>
-            <a:r>
-              <a:rPr lang="en-US" sz="2400" b="0" i="0" dirty="0">
-                <a:solidFill>
-                  <a:schemeClr val="accent5"/>
-                </a:solidFill>
-                <a:effectLst/>
-              </a:rPr>
-              <a:t>Repeat steps 2 to 4 till the array end is reached.</a:t>
-            </a:r>
-          </a:p>
-          <a:p>
-            <a:pPr algn="l">
-              <a:buFont typeface="+mj-lt"/>
-              <a:buAutoNum type="arabicPeriod"/>
-            </a:pPr>
-            <a:r>
-              <a:rPr lang="en-US" sz="2400" b="0" i="0" dirty="0">
-                <a:solidFill>
-                  <a:schemeClr val="accent5"/>
-                </a:solidFill>
-                <a:effectLst/>
-              </a:rPr>
-              <a:t>Compare the element at current index i with its predecessor. If it is smaller, repeat step 3.</a:t>
-            </a:r>
-          </a:p>
-          <a:p>
-            <a:pPr algn="l">
-              <a:buFont typeface="+mj-lt"/>
-              <a:buAutoNum type="arabicPeriod"/>
-            </a:pPr>
-            <a:r>
-              <a:rPr lang="en-US" sz="2400" b="0" i="0" dirty="0">
-                <a:solidFill>
-                  <a:schemeClr val="accent5"/>
-                </a:solidFill>
-                <a:effectLst/>
-              </a:rPr>
-              <a:t>Keep shifting elements from the “sorted” section of the array till the correct location of the key is found.</a:t>
-            </a:r>
-          </a:p>
-          <a:p>
-            <a:pPr algn="l">
-              <a:buFont typeface="+mj-lt"/>
-              <a:buAutoNum type="arabicPeriod"/>
-            </a:pPr>
-            <a:r>
-              <a:rPr lang="en-US" sz="2400" b="0" i="0" dirty="0">
-                <a:solidFill>
-                  <a:schemeClr val="accent5"/>
-                </a:solidFill>
-                <a:effectLst/>
-              </a:rPr>
-              <a:t>Increment loop variable.</a:t>
-            </a:r>
-          </a:p>
-          <a:p>
-            <a:pPr algn="l">
-              <a:buFont typeface="+mj-lt"/>
-              <a:buAutoNum type="arabicPeriod"/>
-            </a:pPr>
-            <a:r>
-              <a:rPr lang="en-US" sz="2400" b="0" i="0" dirty="0">
-                <a:solidFill>
-                  <a:schemeClr val="accent5"/>
-                </a:solidFill>
-                <a:effectLst/>
-              </a:rPr>
-              <a:t>END</a:t>
-            </a:r>
-          </a:p>
-          <a:p>
             <a:pPr marL="0" indent="0">
               <a:buNone/>
             </a:pPr>
-            <a:endParaRPr lang="en-US" dirty="0"/>
+            <a:r>
+              <a:rPr lang="en-US" dirty="0">
+                <a:solidFill>
+                  <a:schemeClr val="accent5"/>
+                </a:solidFill>
+              </a:rPr>
+              <a:t>Heap sort is one of the most important sorting methods in java that one needs to learn to get into sorting. It combines the concepts of a tree as well as sorting, properly reinforcing the use of concepts from both. A heap is a complete binary search tree where items are stored in a special order depending on the requirement. A min-heap contains the minimum element at the root, and every child of the root must be greater than the root itself. The children at the level after that must be greater than these children, and so on. Similarly, a max-heap contains the maximum element at the root. For the sorting process, the heap is stored as an array where for every parent node at the index i, the left child is at index 2 * i + 1, and the right child is at index 2 * i + 2.</a:t>
+            </a:r>
+          </a:p>
+          <a:p>
+            <a:pPr marL="0" indent="0">
+              <a:buNone/>
+            </a:pPr>
+            <a:endParaRPr lang="en-US" dirty="0">
+              <a:solidFill>
+                <a:schemeClr val="accent5"/>
+              </a:solidFill>
+            </a:endParaRPr>
+          </a:p>
+          <a:p>
+            <a:pPr marL="0" indent="0">
+              <a:buNone/>
+            </a:pPr>
+            <a:r>
+              <a:rPr lang="en-US" dirty="0">
+                <a:solidFill>
+                  <a:schemeClr val="accent5"/>
+                </a:solidFill>
+              </a:rPr>
+              <a:t>A max heap is built with the elements of the unsorted array, and then the maximum element is extracted from the root of the array and then exchanged with the last element of the array. Once done, the max heap is rebuilt for getting the next maximum element. This process continues till there is only one node present in the heap.</a:t>
+            </a:r>
+          </a:p>
+          <a:p>
+            <a:pPr marL="0" indent="0">
+              <a:buNone/>
+            </a:pPr>
+            <a:endParaRPr lang="en-US" dirty="0">
+              <a:solidFill>
+                <a:schemeClr val="accent5"/>
+              </a:solidFill>
+            </a:endParaRPr>
+          </a:p>
+          <a:p>
+            <a:pPr marL="0" indent="0">
+              <a:buNone/>
+            </a:pPr>
+            <a:r>
+              <a:rPr lang="en-US" dirty="0">
+                <a:solidFill>
+                  <a:schemeClr val="accent5"/>
+                </a:solidFill>
+              </a:rPr>
+              <a:t>This algorithm has two main parts:-</a:t>
+            </a:r>
+          </a:p>
+          <a:p>
+            <a:pPr marL="0" indent="0">
+              <a:buNone/>
+            </a:pPr>
+            <a:endParaRPr lang="en-US" dirty="0">
+              <a:solidFill>
+                <a:schemeClr val="accent5"/>
+              </a:solidFill>
+            </a:endParaRPr>
+          </a:p>
+          <a:p>
+            <a:pPr marL="0" indent="0">
+              <a:buNone/>
+            </a:pPr>
+            <a:r>
+              <a:rPr lang="en-US" dirty="0">
+                <a:solidFill>
+                  <a:schemeClr val="accent5"/>
+                </a:solidFill>
+              </a:rPr>
+              <a:t>heapSort() – This function helps construct the max heap initially for use. Once done, every root element is extracted and sent to the end of the array. Once done, the max heap is reconstructed from the root. The root is again extracted and sent to the end of the array, and hence the process continues.</a:t>
+            </a:r>
+          </a:p>
+          <a:p>
+            <a:pPr marL="0" indent="0">
+              <a:buNone/>
+            </a:pPr>
+            <a:r>
+              <a:rPr lang="en-US" dirty="0">
+                <a:solidFill>
+                  <a:schemeClr val="accent5"/>
+                </a:solidFill>
+              </a:rPr>
+              <a:t>heap() – This function is the building block of the heap sort algorithm. This function determines the maximum from the element being examined as the root and its two children. If the maximum is among the children of the root, the root and its child are swapped. This process is then repeated for the new root. When the maximum element in the array is found (such that its children are smaller than it) the function stops. For the node at index i, the left child is at index 2 * i + 1, and the right child is at index 2 * i + 2 (indexing in an array starts from 0, so the root is at 0).</a:t>
+            </a:r>
           </a:p>
         </p:txBody>
       </p:sp>
     </p:spTree>
     <p:extLst>
       <p:ext uri="{BB962C8B-B14F-4D97-AF65-F5344CB8AC3E}">
-        <p14:creationId xmlns:p14="http://schemas.microsoft.com/office/powerpoint/2010/main" val="1146046080"/>
+        <p14:creationId xmlns:p14="http://schemas.microsoft.com/office/powerpoint/2010/main" val="2050851769"/>
       </p:ext>
     </p:extLst>
   </p:cSld>
@@ -14299,7 +14294,7 @@
           <p:cNvPr id="2" name="Title 1">
             <a:extLst>
               <a:ext uri="{FF2B5EF4-FFF2-40B4-BE49-F238E27FC236}">
-                <a16:creationId xmlns:a16="http://schemas.microsoft.com/office/drawing/2014/main" id="{AB2C446E-D1BB-4661-9846-0707E307151B}"/>
+                <a16:creationId xmlns:a16="http://schemas.microsoft.com/office/drawing/2014/main" id="{965AD3AF-F71A-40BA-932C-402AAF78E839}"/>
               </a:ext>
             </a:extLst>
           </p:cNvPr>
@@ -14310,7 +14305,12 @@
             <p:ph type="title"/>
           </p:nvPr>
         </p:nvSpPr>
-        <p:spPr/>
+        <p:spPr>
+          <a:xfrm>
+            <a:off x="838200" y="266449"/>
+            <a:ext cx="10515600" cy="1325563"/>
+          </a:xfrm>
+        </p:spPr>
         <p:txBody>
           <a:bodyPr/>
           <a:lstStyle/>
@@ -14318,7 +14318,7 @@
             <a:pPr algn="ctr"/>
             <a:r>
               <a:rPr lang="en-US" dirty="0"/>
-              <a:t>SelectionSort</a:t>
+              <a:t>InsertionSort</a:t>
             </a:r>
           </a:p>
         </p:txBody>
@@ -14328,7 +14328,7 @@
           <p:cNvPr id="3" name="Content Placeholder 2">
             <a:extLst>
               <a:ext uri="{FF2B5EF4-FFF2-40B4-BE49-F238E27FC236}">
-                <a16:creationId xmlns:a16="http://schemas.microsoft.com/office/drawing/2014/main" id="{D27E65AD-B43B-4D03-BF8B-87868C279585}"/>
+                <a16:creationId xmlns:a16="http://schemas.microsoft.com/office/drawing/2014/main" id="{32DF87AE-72F9-463B-A9C6-4C48463BED13}"/>
               </a:ext>
             </a:extLst>
           </p:cNvPr>
@@ -14339,155 +14339,147 @@
             <p:ph idx="1"/>
           </p:nvPr>
         </p:nvSpPr>
-        <p:spPr/>
+        <p:spPr>
+          <a:xfrm>
+            <a:off x="838200" y="1444076"/>
+            <a:ext cx="10515600" cy="4575175"/>
+          </a:xfrm>
+        </p:spPr>
         <p:txBody>
           <a:bodyPr>
-            <a:normAutofit fontScale="62500" lnSpcReduction="20000"/>
+            <a:normAutofit fontScale="92500" lnSpcReduction="10000"/>
           </a:bodyPr>
           <a:lstStyle/>
           <a:p>
+            <a:pPr marL="0" indent="0" algn="l">
+              <a:buNone/>
+            </a:pPr>
+            <a:r>
+              <a:rPr lang="en-US" sz="2400" b="0" i="0" dirty="0">
+                <a:solidFill>
+                  <a:schemeClr val="accent5"/>
+                </a:solidFill>
+                <a:effectLst/>
+              </a:rPr>
+              <a:t>While insertion sort isn’t a much-optimized algorithm for sorting an array, it is one of the more easily understood ones. Implementation is pretty easy too. In insertion sort, one picks up an element and considers it to be the key. If the key is smaller than its predecessor, it is shifted to its correct location in the array.</a:t>
+            </a:r>
+          </a:p>
+          <a:p>
+            <a:pPr marL="0" indent="0" algn="l">
+              <a:buNone/>
+            </a:pPr>
+            <a:r>
+              <a:rPr lang="en-US" sz="2400" b="0" i="0" dirty="0">
+                <a:solidFill>
+                  <a:schemeClr val="accent5"/>
+                </a:solidFill>
+                <a:effectLst/>
+              </a:rPr>
+              <a:t>Algorithm:</a:t>
+            </a:r>
+          </a:p>
+          <a:p>
+            <a:pPr algn="l">
+              <a:buFont typeface="+mj-lt"/>
+              <a:buAutoNum type="arabicPeriod"/>
+            </a:pPr>
+            <a:r>
+              <a:rPr lang="en-US" sz="2400" b="0" i="0" dirty="0">
+                <a:solidFill>
+                  <a:schemeClr val="accent5"/>
+                </a:solidFill>
+                <a:effectLst/>
+              </a:rPr>
+              <a:t>START</a:t>
+            </a:r>
+          </a:p>
+          <a:p>
+            <a:pPr algn="l">
+              <a:buFont typeface="+mj-lt"/>
+              <a:buAutoNum type="arabicPeriod"/>
+            </a:pPr>
+            <a:r>
+              <a:rPr lang="en-US" sz="2400" b="0" i="0" dirty="0">
+                <a:solidFill>
+                  <a:schemeClr val="accent5"/>
+                </a:solidFill>
+                <a:effectLst/>
+              </a:rPr>
+              <a:t>Repeat steps 2 to 4 till the array end is reached.</a:t>
+            </a:r>
+          </a:p>
+          <a:p>
+            <a:pPr algn="l">
+              <a:buFont typeface="+mj-lt"/>
+              <a:buAutoNum type="arabicPeriod"/>
+            </a:pPr>
+            <a:r>
+              <a:rPr lang="en-US" sz="2400" b="0" i="0" dirty="0">
+                <a:solidFill>
+                  <a:schemeClr val="accent5"/>
+                </a:solidFill>
+                <a:effectLst/>
+              </a:rPr>
+              <a:t>Compare the element at current index i with its predecessor. If it is smaller, repeat step 3.</a:t>
+            </a:r>
+          </a:p>
+          <a:p>
+            <a:pPr algn="l">
+              <a:buFont typeface="+mj-lt"/>
+              <a:buAutoNum type="arabicPeriod"/>
+            </a:pPr>
+            <a:r>
+              <a:rPr lang="en-US" sz="2400" b="0" i="0" dirty="0">
+                <a:solidFill>
+                  <a:schemeClr val="accent5"/>
+                </a:solidFill>
+                <a:effectLst/>
+              </a:rPr>
+              <a:t>Keep shifting elements from the “sorted” section of the array till the correct location of the key is found.</a:t>
+            </a:r>
+          </a:p>
+          <a:p>
+            <a:pPr algn="l">
+              <a:buFont typeface="+mj-lt"/>
+              <a:buAutoNum type="arabicPeriod"/>
+            </a:pPr>
+            <a:r>
+              <a:rPr lang="en-US" sz="2400" b="0" i="0" dirty="0">
+                <a:solidFill>
+                  <a:schemeClr val="accent5"/>
+                </a:solidFill>
+                <a:effectLst/>
+              </a:rPr>
+              <a:t>Increment loop variable.</a:t>
+            </a:r>
+          </a:p>
+          <a:p>
+            <a:pPr algn="l">
+              <a:buFont typeface="+mj-lt"/>
+              <a:buAutoNum type="arabicPeriod"/>
+            </a:pPr>
+            <a:r>
+              <a:rPr lang="en-US" sz="2400" b="0" i="0" dirty="0">
+                <a:solidFill>
+                  <a:schemeClr val="accent5"/>
+                </a:solidFill>
+                <a:effectLst/>
+              </a:rPr>
+              <a:t>END</a:t>
+            </a:r>
+          </a:p>
+          <a:p>
             <a:pPr marL="0" indent="0">
               <a:buNone/>
             </a:pPr>
-            <a:r>
-              <a:rPr lang="en-US" dirty="0">
-                <a:solidFill>
-                  <a:schemeClr val="accent5"/>
-                </a:solidFill>
-              </a:rPr>
-              <a:t>In selection sort, two loops are used. The inner loop one picks the minimum element from the array and shifts it to its correct index indicated by the outer loop. In every run of the outer loop, one element is shifted to its correct location in the array. It is a very popular sorting algorithm in python as well.</a:t>
-            </a:r>
-          </a:p>
-          <a:p>
-            <a:pPr marL="0" indent="0">
-              <a:buNone/>
-            </a:pPr>
-            <a:endParaRPr lang="en-US" dirty="0">
-              <a:solidFill>
-                <a:schemeClr val="accent5"/>
-              </a:solidFill>
-            </a:endParaRPr>
-          </a:p>
-          <a:p>
-            <a:pPr marL="0" indent="0">
-              <a:buNone/>
-            </a:pPr>
-            <a:r>
-              <a:rPr lang="en-US" dirty="0">
-                <a:solidFill>
-                  <a:schemeClr val="accent5"/>
-                </a:solidFill>
-              </a:rPr>
-              <a:t>Algorithm:</a:t>
-            </a:r>
-          </a:p>
-          <a:p>
-            <a:pPr marL="0" indent="0">
-              <a:buNone/>
-            </a:pPr>
-            <a:endParaRPr lang="en-US" dirty="0">
-              <a:solidFill>
-                <a:schemeClr val="accent5"/>
-              </a:solidFill>
-            </a:endParaRPr>
-          </a:p>
-          <a:p>
-            <a:pPr marL="0" indent="0">
-              <a:buNone/>
-            </a:pPr>
-            <a:r>
-              <a:rPr lang="en-US" dirty="0">
-                <a:solidFill>
-                  <a:schemeClr val="accent5"/>
-                </a:solidFill>
-              </a:rPr>
-              <a:t>START</a:t>
-            </a:r>
-          </a:p>
-          <a:p>
-            <a:pPr marL="0" indent="0">
-              <a:buNone/>
-            </a:pPr>
-            <a:r>
-              <a:rPr lang="en-US" dirty="0">
-                <a:solidFill>
-                  <a:schemeClr val="accent5"/>
-                </a:solidFill>
-              </a:rPr>
-              <a:t>Run two loops: an inner loop and an outer loop.</a:t>
-            </a:r>
-          </a:p>
-          <a:p>
-            <a:pPr marL="0" indent="0">
-              <a:buNone/>
-            </a:pPr>
-            <a:r>
-              <a:rPr lang="en-US" dirty="0">
-                <a:solidFill>
-                  <a:schemeClr val="accent5"/>
-                </a:solidFill>
-              </a:rPr>
-              <a:t>Repeat steps till the minimum element are found.</a:t>
-            </a:r>
-          </a:p>
-          <a:p>
-            <a:pPr marL="0" indent="0">
-              <a:buNone/>
-            </a:pPr>
-            <a:r>
-              <a:rPr lang="en-US" dirty="0">
-                <a:solidFill>
-                  <a:schemeClr val="accent5"/>
-                </a:solidFill>
-              </a:rPr>
-              <a:t>Mark the element marked by the outer loop variable as a minimum.</a:t>
-            </a:r>
-          </a:p>
-          <a:p>
-            <a:pPr marL="0" indent="0">
-              <a:buNone/>
-            </a:pPr>
-            <a:r>
-              <a:rPr lang="en-US" dirty="0">
-                <a:solidFill>
-                  <a:schemeClr val="accent5"/>
-                </a:solidFill>
-              </a:rPr>
-              <a:t>If the current element in the inner loop is smaller than the marked minimum element, change the value of the minimum element to the current element.</a:t>
-            </a:r>
-          </a:p>
-          <a:p>
-            <a:pPr marL="0" indent="0">
-              <a:buNone/>
-            </a:pPr>
-            <a:r>
-              <a:rPr lang="en-US" dirty="0">
-                <a:solidFill>
-                  <a:schemeClr val="accent5"/>
-                </a:solidFill>
-              </a:rPr>
-              <a:t>Swap the value of the minimum element with the element marked by the outer loop variable.</a:t>
-            </a:r>
-          </a:p>
-          <a:p>
-            <a:pPr marL="0" indent="0">
-              <a:buNone/>
-            </a:pPr>
-            <a:r>
-              <a:rPr lang="en-US" dirty="0">
-                <a:solidFill>
-                  <a:schemeClr val="accent5"/>
-                </a:solidFill>
-              </a:rPr>
-              <a:t>END</a:t>
-            </a:r>
+            <a:endParaRPr lang="en-US" dirty="0"/>
           </a:p>
         </p:txBody>
       </p:sp>
     </p:spTree>
     <p:extLst>
       <p:ext uri="{BB962C8B-B14F-4D97-AF65-F5344CB8AC3E}">
-        <p14:creationId xmlns:p14="http://schemas.microsoft.com/office/powerpoint/2010/main" val="2175372732"/>
+        <p14:creationId xmlns:p14="http://schemas.microsoft.com/office/powerpoint/2010/main" val="1146046080"/>
       </p:ext>
     </p:extLst>
   </p:cSld>
@@ -14531,7 +14523,7 @@
           <p:cNvPr id="2" name="Title 1">
             <a:extLst>
               <a:ext uri="{FF2B5EF4-FFF2-40B4-BE49-F238E27FC236}">
-                <a16:creationId xmlns:a16="http://schemas.microsoft.com/office/drawing/2014/main" id="{529E3F80-9F34-400D-A52E-51DAC38AC837}"/>
+                <a16:creationId xmlns:a16="http://schemas.microsoft.com/office/drawing/2014/main" id="{AB2C446E-D1BB-4661-9846-0707E307151B}"/>
               </a:ext>
             </a:extLst>
           </p:cNvPr>
@@ -14550,7 +14542,7 @@
             <a:pPr algn="ctr"/>
             <a:r>
               <a:rPr lang="en-US" dirty="0"/>
-              <a:t>BubbleSort</a:t>
+              <a:t>SelectionSort</a:t>
             </a:r>
           </a:p>
         </p:txBody>
@@ -14560,7 +14552,7 @@
           <p:cNvPr id="3" name="Content Placeholder 2">
             <a:extLst>
               <a:ext uri="{FF2B5EF4-FFF2-40B4-BE49-F238E27FC236}">
-                <a16:creationId xmlns:a16="http://schemas.microsoft.com/office/drawing/2014/main" id="{136A0165-12F9-41EF-8BE9-7C18ACFF06D1}"/>
+                <a16:creationId xmlns:a16="http://schemas.microsoft.com/office/drawing/2014/main" id="{D27E65AD-B43B-4D03-BF8B-87868C279585}"/>
               </a:ext>
             </a:extLst>
           </p:cNvPr>
@@ -14574,7 +14566,7 @@
         <p:spPr/>
         <p:txBody>
           <a:bodyPr>
-            <a:normAutofit fontScale="70000" lnSpcReduction="20000"/>
+            <a:normAutofit fontScale="62500" lnSpcReduction="20000"/>
           </a:bodyPr>
           <a:lstStyle/>
           <a:p>
@@ -14587,7 +14579,7 @@
                   <a:schemeClr val="accent5"/>
                 </a:solidFill>
               </a:rPr>
-              <a:t>The two algorithms that most beginners start their sorting career with would be bubble sort and selection sort. These sorting algorithms are not very efficient, but they provide a key insight into what sorting is and how a sorting algorithm works behind the scenes. Bubble sort relies on multiple swaps instead of a single like selection sort. The algorithm continues to go through the array repeatedly, swapping elements that are not in their correct location.</a:t>
+              <a:t>In selection sort, two loops are used. The inner loop one picks the minimum element from the array and shifts it to its correct index indicated by the outer loop. In every run of the outer loop, one element is shifted to its correct location in the array. It is a very popular sorting algorithm in python as well.</a:t>
             </a:r>
           </a:p>
           <a:p>
@@ -14646,7 +14638,7 @@
                   <a:schemeClr val="accent5"/>
                 </a:solidFill>
               </a:rPr>
-              <a:t>Run two loops – an inner loop and an outer loop.</a:t>
+              <a:t>Run two loops: an inner loop and an outer loop.</a:t>
             </a:r>
           </a:p>
           <a:p>
@@ -14659,7 +14651,7 @@
                   <a:schemeClr val="accent5"/>
                 </a:solidFill>
               </a:rPr>
-              <a:t>Repeat steps till the outer loop are exhausted.</a:t>
+              <a:t>Repeat steps till the minimum element are found.</a:t>
             </a:r>
           </a:p>
           <a:p>
@@ -14672,7 +14664,33 @@
                   <a:schemeClr val="accent5"/>
                 </a:solidFill>
               </a:rPr>
-              <a:t>If the current element in the inner loop is smaller than its next element, swap the values of the two elements.</a:t>
+              <a:t>Mark the element marked by the outer loop variable as a minimum.</a:t>
+            </a:r>
+          </a:p>
+          <a:p>
+            <a:pPr marL="0" indent="0">
+              <a:buNone/>
+            </a:pPr>
+            <a:r>
+              <a:rPr lang="en-US" dirty="0">
+                <a:solidFill>
+                  <a:schemeClr val="accent5"/>
+                </a:solidFill>
+              </a:rPr>
+              <a:t>If the current element in the inner loop is smaller than the marked minimum element, change the value of the minimum element to the current element.</a:t>
+            </a:r>
+          </a:p>
+          <a:p>
+            <a:pPr marL="0" indent="0">
+              <a:buNone/>
+            </a:pPr>
+            <a:r>
+              <a:rPr lang="en-US" dirty="0">
+                <a:solidFill>
+                  <a:schemeClr val="accent5"/>
+                </a:solidFill>
+              </a:rPr>
+              <a:t>Swap the value of the minimum element with the element marked by the outer loop variable.</a:t>
             </a:r>
           </a:p>
           <a:p>
@@ -14693,7 +14711,7 @@
     </p:spTree>
     <p:extLst>
       <p:ext uri="{BB962C8B-B14F-4D97-AF65-F5344CB8AC3E}">
-        <p14:creationId xmlns:p14="http://schemas.microsoft.com/office/powerpoint/2010/main" val="960758306"/>
+        <p14:creationId xmlns:p14="http://schemas.microsoft.com/office/powerpoint/2010/main" val="2175372732"/>
       </p:ext>
     </p:extLst>
   </p:cSld>
@@ -14737,7 +14755,7 @@
           <p:cNvPr id="2" name="Title 1">
             <a:extLst>
               <a:ext uri="{FF2B5EF4-FFF2-40B4-BE49-F238E27FC236}">
-                <a16:creationId xmlns:a16="http://schemas.microsoft.com/office/drawing/2014/main" id="{47D9FCD3-0A10-478B-8D26-4EC1AF1A4BB1}"/>
+                <a16:creationId xmlns:a16="http://schemas.microsoft.com/office/drawing/2014/main" id="{529E3F80-9F34-400D-A52E-51DAC38AC837}"/>
               </a:ext>
             </a:extLst>
           </p:cNvPr>
@@ -14748,65 +14766,150 @@
             <p:ph type="title"/>
           </p:nvPr>
         </p:nvSpPr>
-        <p:spPr>
-          <a:xfrm>
-            <a:off x="1295398" y="318515"/>
-            <a:ext cx="9601200" cy="883921"/>
-          </a:xfrm>
-        </p:spPr>
+        <p:spPr/>
         <p:txBody>
-          <a:bodyPr>
-            <a:normAutofit/>
-          </a:bodyPr>
+          <a:bodyPr/>
           <a:lstStyle/>
           <a:p>
             <a:pPr algn="ctr"/>
             <a:r>
-              <a:rPr lang="en-US" sz="4800" dirty="0">
-                <a:latin typeface="+mn-lt"/>
-              </a:rPr>
-              <a:t>Conclusion</a:t>
+              <a:rPr lang="en-US" dirty="0"/>
+              <a:t>BubbleSort</a:t>
             </a:r>
           </a:p>
         </p:txBody>
       </p:sp>
       <p:sp>
         <p:nvSpPr>
-          <p:cNvPr id="4" name="TextBox 3">
+          <p:cNvPr id="3" name="Content Placeholder 2">
             <a:extLst>
               <a:ext uri="{FF2B5EF4-FFF2-40B4-BE49-F238E27FC236}">
-                <a16:creationId xmlns:a16="http://schemas.microsoft.com/office/drawing/2014/main" id="{AA7ECE8B-9C07-4D3F-8F41-589A6C1E9A15}"/>
+                <a16:creationId xmlns:a16="http://schemas.microsoft.com/office/drawing/2014/main" id="{136A0165-12F9-41EF-8BE9-7C18ACFF06D1}"/>
               </a:ext>
             </a:extLst>
           </p:cNvPr>
-          <p:cNvSpPr txBox="1"/>
-          <p:nvPr/>
+          <p:cNvSpPr>
+            <a:spLocks noGrp="1"/>
+          </p:cNvSpPr>
+          <p:nvPr>
+            <p:ph idx="1"/>
+          </p:nvPr>
         </p:nvSpPr>
-        <p:spPr>
-          <a:xfrm>
-            <a:off x="286701" y="1265432"/>
-            <a:ext cx="11618595" cy="4832092"/>
-          </a:xfrm>
-          <a:prstGeom prst="rect">
-            <a:avLst/>
-          </a:prstGeom>
-          <a:noFill/>
-        </p:spPr>
+        <p:spPr/>
         <p:txBody>
-          <a:bodyPr wrap="square">
-            <a:spAutoFit/>
+          <a:bodyPr>
+            <a:normAutofit fontScale="70000" lnSpcReduction="20000"/>
           </a:bodyPr>
           <a:lstStyle/>
           <a:p>
-            <a:pPr algn="l" fontAlgn="base"/>
-            <a:r>
-              <a:rPr lang="en-US" sz="2800" b="0" i="0" dirty="0">
-                <a:solidFill>
-                  <a:schemeClr val="accent5"/>
-                </a:solidFill>
-                <a:effectLst/>
-              </a:rPr>
-              <a:t>It's also important to understand that Java is much different from JavaScript. JavaScript does not need to be compiled, while Java code does needs to be compiled. Also, JavaScript only runs on web browsers while Java can be run anywhere. New and improved software development tools are coming to market at a remarkable pace, displacing incumbent products once thought to be indispensable. In light of this continual turnover, Java’s longevity is impressive; more than two decades after its creation, Java is still the most popular language for application software development—developers continue to choose it over languages such as Python, Ruby, PHP, Swift, C++, and others. As a result, Java remains an important requirement for competing in the job market.</a:t>
+            <a:pPr marL="0" indent="0">
+              <a:buNone/>
+            </a:pPr>
+            <a:r>
+              <a:rPr lang="en-US" dirty="0">
+                <a:solidFill>
+                  <a:schemeClr val="accent5"/>
+                </a:solidFill>
+              </a:rPr>
+              <a:t>The two algorithms that most beginners start their sorting career with would be bubble sort and selection sort. These sorting algorithms are not very efficient, but they provide a key insight into what sorting is and how a sorting algorithm works behind the scenes. Bubble sort relies on multiple swaps instead of a single like selection sort. The algorithm continues to go through the array repeatedly, swapping elements that are not in their correct location.</a:t>
+            </a:r>
+          </a:p>
+          <a:p>
+            <a:pPr marL="0" indent="0">
+              <a:buNone/>
+            </a:pPr>
+            <a:endParaRPr lang="en-US" dirty="0">
+              <a:solidFill>
+                <a:schemeClr val="accent5"/>
+              </a:solidFill>
+            </a:endParaRPr>
+          </a:p>
+          <a:p>
+            <a:pPr marL="0" indent="0">
+              <a:buNone/>
+            </a:pPr>
+            <a:r>
+              <a:rPr lang="en-US" dirty="0">
+                <a:solidFill>
+                  <a:schemeClr val="accent5"/>
+                </a:solidFill>
+              </a:rPr>
+              <a:t>Algorithm:</a:t>
+            </a:r>
+          </a:p>
+          <a:p>
+            <a:pPr marL="0" indent="0">
+              <a:buNone/>
+            </a:pPr>
+            <a:endParaRPr lang="en-US" dirty="0">
+              <a:solidFill>
+                <a:schemeClr val="accent5"/>
+              </a:solidFill>
+            </a:endParaRPr>
+          </a:p>
+          <a:p>
+            <a:pPr marL="0" indent="0">
+              <a:buNone/>
+            </a:pPr>
+            <a:r>
+              <a:rPr lang="en-US" dirty="0">
+                <a:solidFill>
+                  <a:schemeClr val="accent5"/>
+                </a:solidFill>
+              </a:rPr>
+              <a:t>START</a:t>
+            </a:r>
+          </a:p>
+          <a:p>
+            <a:pPr marL="0" indent="0">
+              <a:buNone/>
+            </a:pPr>
+            <a:r>
+              <a:rPr lang="en-US" dirty="0">
+                <a:solidFill>
+                  <a:schemeClr val="accent5"/>
+                </a:solidFill>
+              </a:rPr>
+              <a:t>Run two loops – an inner loop and an outer loop.</a:t>
+            </a:r>
+          </a:p>
+          <a:p>
+            <a:pPr marL="0" indent="0">
+              <a:buNone/>
+            </a:pPr>
+            <a:r>
+              <a:rPr lang="en-US" dirty="0">
+                <a:solidFill>
+                  <a:schemeClr val="accent5"/>
+                </a:solidFill>
+              </a:rPr>
+              <a:t>Repeat steps till the outer loop are exhausted.</a:t>
+            </a:r>
+          </a:p>
+          <a:p>
+            <a:pPr marL="0" indent="0">
+              <a:buNone/>
+            </a:pPr>
+            <a:r>
+              <a:rPr lang="en-US" dirty="0">
+                <a:solidFill>
+                  <a:schemeClr val="accent5"/>
+                </a:solidFill>
+              </a:rPr>
+              <a:t>If the current element in the inner loop is smaller than its next element, swap the values of the two elements.</a:t>
+            </a:r>
+          </a:p>
+          <a:p>
+            <a:pPr marL="0" indent="0">
+              <a:buNone/>
+            </a:pPr>
+            <a:r>
+              <a:rPr lang="en-US" dirty="0">
+                <a:solidFill>
+                  <a:schemeClr val="accent5"/>
+                </a:solidFill>
+              </a:rPr>
+              <a:t>END</a:t>
             </a:r>
           </a:p>
         </p:txBody>
@@ -14814,7 +14917,7 @@
     </p:spTree>
     <p:extLst>
       <p:ext uri="{BB962C8B-B14F-4D97-AF65-F5344CB8AC3E}">
-        <p14:creationId xmlns:p14="http://schemas.microsoft.com/office/powerpoint/2010/main" val="1236591870"/>
+        <p14:creationId xmlns:p14="http://schemas.microsoft.com/office/powerpoint/2010/main" val="960758306"/>
       </p:ext>
     </p:extLst>
   </p:cSld>
@@ -14858,7 +14961,7 @@
           <p:cNvPr id="2" name="Title 1">
             <a:extLst>
               <a:ext uri="{FF2B5EF4-FFF2-40B4-BE49-F238E27FC236}">
-                <a16:creationId xmlns:a16="http://schemas.microsoft.com/office/drawing/2014/main" id="{B5E2773D-B7D7-4C0C-AD55-6F4CBBFB3A24}"/>
+                <a16:creationId xmlns:a16="http://schemas.microsoft.com/office/drawing/2014/main" id="{47D9FCD3-0A10-478B-8D26-4EC1AF1A4BB1}"/>
               </a:ext>
             </a:extLst>
           </p:cNvPr>
@@ -14869,129 +14972,73 @@
             <p:ph type="title"/>
           </p:nvPr>
         </p:nvSpPr>
-        <p:spPr/>
+        <p:spPr>
+          <a:xfrm>
+            <a:off x="1295398" y="318515"/>
+            <a:ext cx="9601200" cy="883921"/>
+          </a:xfrm>
+        </p:spPr>
         <p:txBody>
-          <a:bodyPr/>
+          <a:bodyPr>
+            <a:normAutofit/>
+          </a:bodyPr>
           <a:lstStyle/>
           <a:p>
             <a:pPr algn="ctr"/>
             <a:r>
-              <a:rPr lang="en-US" dirty="0"/>
-              <a:t>Java Interview Q&amp;A</a:t>
+              <a:rPr lang="en-US" sz="4800" dirty="0">
+                <a:latin typeface="+mn-lt"/>
+              </a:rPr>
+              <a:t>Conclusion</a:t>
             </a:r>
           </a:p>
         </p:txBody>
       </p:sp>
       <p:sp>
         <p:nvSpPr>
-          <p:cNvPr id="5" name="Content Placeholder 4">
+          <p:cNvPr id="4" name="TextBox 3">
             <a:extLst>
               <a:ext uri="{FF2B5EF4-FFF2-40B4-BE49-F238E27FC236}">
-                <a16:creationId xmlns:a16="http://schemas.microsoft.com/office/drawing/2014/main" id="{42761D7A-4796-45FD-8BC1-CD83E4020497}"/>
+                <a16:creationId xmlns:a16="http://schemas.microsoft.com/office/drawing/2014/main" id="{AA7ECE8B-9C07-4D3F-8F41-589A6C1E9A15}"/>
               </a:ext>
             </a:extLst>
           </p:cNvPr>
-          <p:cNvSpPr>
-            <a:spLocks noGrp="1"/>
-          </p:cNvSpPr>
-          <p:nvPr>
-            <p:ph idx="1"/>
-          </p:nvPr>
+          <p:cNvSpPr txBox="1"/>
+          <p:nvPr/>
         </p:nvSpPr>
         <p:spPr>
           <a:xfrm>
-            <a:off x="838200" y="1753262"/>
-            <a:ext cx="10515600" cy="4351338"/>
+            <a:off x="286701" y="1265432"/>
+            <a:ext cx="11618595" cy="4832092"/>
           </a:xfrm>
+          <a:prstGeom prst="rect">
+            <a:avLst/>
+          </a:prstGeom>
+          <a:noFill/>
         </p:spPr>
         <p:txBody>
-          <a:bodyPr/>
+          <a:bodyPr wrap="square">
+            <a:spAutoFit/>
+          </a:bodyPr>
           <a:lstStyle/>
           <a:p>
-            <a:pPr marL="0" indent="0">
-              <a:buNone/>
-            </a:pPr>
-            <a:r>
-              <a:rPr lang="en-US" b="1" i="0" dirty="0">
-                <a:solidFill>
-                  <a:schemeClr val="accent5"/>
-                </a:solidFill>
-                <a:effectLst/>
-              </a:rPr>
-              <a:t>What are the differences between Heap and Stack Memory in Java?</a:t>
-            </a:r>
-          </a:p>
-          <a:p>
-            <a:pPr marL="514350" indent="-514350">
-              <a:buFont typeface="+mj-lt"/>
-              <a:buAutoNum type="alphaUcPeriod"/>
-            </a:pPr>
-            <a:r>
-              <a:rPr lang="en-US" b="0" i="1" dirty="0">
-                <a:solidFill>
-                  <a:schemeClr val="accent5"/>
-                </a:solidFill>
-                <a:effectLst/>
-              </a:rPr>
-              <a:t>Stack is generally used to store the order of method execution and local variables. In contrast, Heap memory is used to store the objects. After storing, they use dynamic memory allocation and deallocation.</a:t>
-            </a:r>
-          </a:p>
-          <a:p>
-            <a:pPr marL="0" indent="0">
-              <a:buNone/>
-            </a:pPr>
-            <a:r>
-              <a:rPr lang="en-US" b="1" i="0" dirty="0">
-                <a:solidFill>
-                  <a:schemeClr val="accent5"/>
-                </a:solidFill>
-                <a:effectLst/>
-              </a:rPr>
-              <a:t>What is the default value stored in Local Variables?</a:t>
-            </a:r>
-          </a:p>
-          <a:p>
-            <a:pPr marL="514350" indent="-514350">
-              <a:buFont typeface="+mj-lt"/>
-              <a:buAutoNum type="alphaUcPeriod"/>
-            </a:pPr>
-            <a:r>
-              <a:rPr lang="en-US" b="0" i="1" dirty="0">
-                <a:solidFill>
-                  <a:schemeClr val="accent5"/>
-                </a:solidFill>
-                <a:effectLst/>
-              </a:rPr>
-              <a:t>In Java, when you make the constructor of a class private, that particular class can generate only one object. This type of class is popularly known as a Singleton Class.</a:t>
-            </a:r>
-            <a:endParaRPr lang="en-US" b="1" i="1" dirty="0">
-              <a:solidFill>
-                <a:schemeClr val="accent5"/>
-              </a:solidFill>
-              <a:effectLst/>
-            </a:endParaRPr>
-          </a:p>
-          <a:p>
-            <a:pPr marL="0" indent="0">
-              <a:buNone/>
-            </a:pPr>
-            <a:endParaRPr lang="en-US" b="0" dirty="0">
-              <a:solidFill>
-                <a:srgbClr val="272C37"/>
-              </a:solidFill>
-              <a:effectLst/>
-              <a:latin typeface="Roboto" panose="02000000000000000000" pitchFamily="2" charset="0"/>
-            </a:endParaRPr>
-          </a:p>
-          <a:p>
-            <a:endParaRPr lang="en-US" dirty="0"/>
+            <a:pPr algn="l" fontAlgn="base"/>
+            <a:r>
+              <a:rPr lang="en-US" sz="2800" b="0" i="0" dirty="0">
+                <a:solidFill>
+                  <a:schemeClr val="accent5"/>
+                </a:solidFill>
+                <a:effectLst/>
+              </a:rPr>
+              <a:t>It's also important to understand that Java is much different from JavaScript. JavaScript does not need to be compiled, while Java code does needs to be compiled. Also, JavaScript only runs on web browsers while Java can be run anywhere. New and improved software development tools are coming to market at a remarkable pace, displacing incumbent products once thought to be indispensable. In light of this continual turnover, Java’s longevity is impressive; more than two decades after its creation, Java is still the most popular language for application software development—developers continue to choose it over languages such as Python, Ruby, PHP, Swift, C++, and others. As a result, Java remains an important requirement for competing in the job market.</a:t>
+            </a:r>
           </a:p>
         </p:txBody>
       </p:sp>
     </p:spTree>
     <p:extLst>
       <p:ext uri="{BB962C8B-B14F-4D97-AF65-F5344CB8AC3E}">
-        <p14:creationId xmlns:p14="http://schemas.microsoft.com/office/powerpoint/2010/main" val="620989336"/>
+        <p14:creationId xmlns:p14="http://schemas.microsoft.com/office/powerpoint/2010/main" val="1236591870"/>
       </p:ext>
     </p:extLst>
   </p:cSld>
@@ -15035,7 +15082,7 @@
           <p:cNvPr id="2" name="Title 1">
             <a:extLst>
               <a:ext uri="{FF2B5EF4-FFF2-40B4-BE49-F238E27FC236}">
-                <a16:creationId xmlns:a16="http://schemas.microsoft.com/office/drawing/2014/main" id="{375A59B7-568B-4D58-86A5-0F5A973CE362}"/>
+                <a16:creationId xmlns:a16="http://schemas.microsoft.com/office/drawing/2014/main" id="{B5E2773D-B7D7-4C0C-AD55-6F4CBBFB3A24}"/>
               </a:ext>
             </a:extLst>
           </p:cNvPr>
@@ -15061,10 +15108,10 @@
       </p:sp>
       <p:sp>
         <p:nvSpPr>
-          <p:cNvPr id="3" name="Content Placeholder 2">
+          <p:cNvPr id="5" name="Content Placeholder 4">
             <a:extLst>
               <a:ext uri="{FF2B5EF4-FFF2-40B4-BE49-F238E27FC236}">
-                <a16:creationId xmlns:a16="http://schemas.microsoft.com/office/drawing/2014/main" id="{C4430901-1F8B-4919-A893-5D7580B63821}"/>
+                <a16:creationId xmlns:a16="http://schemas.microsoft.com/office/drawing/2014/main" id="{42761D7A-4796-45FD-8BC1-CD83E4020497}"/>
               </a:ext>
             </a:extLst>
           </p:cNvPr>
@@ -15077,193 +15124,84 @@
         </p:nvSpPr>
         <p:spPr>
           <a:xfrm>
-            <a:off x="838200" y="1759841"/>
+            <a:off x="838200" y="1753262"/>
             <a:ext cx="10515600" cy="4351338"/>
           </a:xfrm>
         </p:spPr>
         <p:txBody>
-          <a:bodyPr>
-            <a:normAutofit fontScale="92500" lnSpcReduction="10000"/>
-          </a:bodyPr>
+          <a:bodyPr/>
           <a:lstStyle/>
           <a:p>
-            <a:pPr marL="0" indent="0" algn="l">
-              <a:buNone/>
-            </a:pPr>
-            <a:r>
-              <a:rPr lang="en-US" sz="1800" b="1" i="0" dirty="0">
-                <a:solidFill>
-                  <a:schemeClr val="accent5"/>
-                </a:solidFill>
-                <a:effectLst/>
-              </a:rPr>
-              <a:t>Explain the expected output of the following code segment?</a:t>
-            </a:r>
-          </a:p>
-          <a:p>
-            <a:pPr marL="0" indent="0" algn="l">
-              <a:buNone/>
-            </a:pPr>
-            <a:r>
-              <a:rPr lang="en-US" sz="1800" b="1" i="0" dirty="0">
-                <a:solidFill>
-                  <a:schemeClr val="accent5"/>
-                </a:solidFill>
-                <a:effectLst/>
-              </a:rPr>
-              <a:t>public class Simplilearn   </a:t>
-            </a:r>
-          </a:p>
-          <a:p>
-            <a:pPr marL="0" indent="0" algn="l">
-              <a:buNone/>
-            </a:pPr>
-            <a:r>
-              <a:rPr lang="en-US" sz="1800" b="1" i="0" dirty="0">
-                <a:solidFill>
-                  <a:schemeClr val="accent5"/>
-                </a:solidFill>
-                <a:effectLst/>
-              </a:rPr>
-              <a:t>{  </a:t>
-            </a:r>
-          </a:p>
-          <a:p>
-            <a:pPr marL="0" indent="0" algn="l">
-              <a:buNone/>
-            </a:pPr>
-            <a:r>
-              <a:rPr lang="en-US" sz="1800" b="1" i="0" dirty="0">
-                <a:solidFill>
-                  <a:schemeClr val="accent5"/>
-                </a:solidFill>
-                <a:effectLst/>
-              </a:rPr>
-              <a:t>    public static void main (String args[])   </a:t>
-            </a:r>
-          </a:p>
-          <a:p>
-            <a:pPr marL="0" indent="0" algn="l">
-              <a:buNone/>
-            </a:pPr>
-            <a:r>
-              <a:rPr lang="en-US" sz="1800" b="1" i="0" dirty="0">
-                <a:solidFill>
-                  <a:schemeClr val="accent5"/>
-                </a:solidFill>
-                <a:effectLst/>
-              </a:rPr>
-              <a:t>    {  </a:t>
-            </a:r>
-          </a:p>
-          <a:p>
-            <a:pPr marL="0" indent="0" algn="l">
-              <a:buNone/>
-            </a:pPr>
-            <a:r>
-              <a:rPr lang="en-US" sz="1800" b="1" i="0" dirty="0">
-                <a:solidFill>
-                  <a:schemeClr val="accent5"/>
-                </a:solidFill>
-                <a:effectLst/>
-              </a:rPr>
-              <a:t>        System.out.println(100 + 100 +"Simplilearn");   </a:t>
-            </a:r>
-          </a:p>
-          <a:p>
-            <a:pPr marL="0" indent="0" algn="l">
-              <a:buNone/>
-            </a:pPr>
-            <a:r>
-              <a:rPr lang="en-US" sz="1800" b="1" i="0" dirty="0">
-                <a:solidFill>
-                  <a:schemeClr val="accent5"/>
-                </a:solidFill>
-                <a:effectLst/>
-              </a:rPr>
-              <a:t>        System.out.println("E-Learning Company" + 100 + 100);  </a:t>
-            </a:r>
-          </a:p>
-          <a:p>
-            <a:pPr marL="0" indent="0" algn="l">
-              <a:buNone/>
-            </a:pPr>
-            <a:r>
-              <a:rPr lang="en-US" sz="1800" b="1" i="0" dirty="0">
-                <a:solidFill>
-                  <a:schemeClr val="accent5"/>
-                </a:solidFill>
-                <a:effectLst/>
-              </a:rPr>
-              <a:t>    }  </a:t>
-            </a:r>
-          </a:p>
-          <a:p>
-            <a:pPr marL="0" indent="0" algn="l">
-              <a:buNone/>
-            </a:pPr>
-            <a:r>
-              <a:rPr lang="en-US" sz="1800" b="1" i="0" dirty="0">
-                <a:solidFill>
-                  <a:schemeClr val="accent5"/>
-                </a:solidFill>
-                <a:effectLst/>
-              </a:rPr>
-              <a:t>}</a:t>
-            </a:r>
-          </a:p>
-          <a:p>
-            <a:pPr marL="514350" indent="-514350" algn="l">
+            <a:pPr marL="0" indent="0">
+              <a:buNone/>
+            </a:pPr>
+            <a:r>
+              <a:rPr lang="en-US" b="1" i="0" dirty="0">
+                <a:solidFill>
+                  <a:schemeClr val="accent5"/>
+                </a:solidFill>
+                <a:effectLst/>
+              </a:rPr>
+              <a:t>What are the differences between Heap and Stack Memory in Java?</a:t>
+            </a:r>
+          </a:p>
+          <a:p>
+            <a:pPr marL="514350" indent="-514350">
               <a:buFont typeface="+mj-lt"/>
               <a:buAutoNum type="alphaUcPeriod"/>
             </a:pPr>
             <a:r>
-              <a:rPr lang="en-US" sz="2200" b="0" i="1" dirty="0">
-                <a:solidFill>
-                  <a:schemeClr val="accent5"/>
-                </a:solidFill>
-                <a:effectLst/>
-              </a:rPr>
-              <a:t>The code will print out</a:t>
-            </a:r>
-          </a:p>
-          <a:p>
-            <a:pPr marL="571500" indent="-571500" algn="l">
+              <a:rPr lang="en-US" b="0" i="1" dirty="0">
+                <a:solidFill>
+                  <a:schemeClr val="accent5"/>
+                </a:solidFill>
+                <a:effectLst/>
+              </a:rPr>
+              <a:t>Stack is generally used to store the order of method execution and local variables. In contrast, Heap memory is used to store the objects. After storing, they use dynamic memory allocation and deallocation.</a:t>
+            </a:r>
+          </a:p>
+          <a:p>
+            <a:pPr marL="0" indent="0">
+              <a:buNone/>
+            </a:pPr>
+            <a:r>
+              <a:rPr lang="en-US" b="1" i="0" dirty="0">
+                <a:solidFill>
+                  <a:schemeClr val="accent5"/>
+                </a:solidFill>
+                <a:effectLst/>
+              </a:rPr>
+              <a:t>What is the default value stored in Local Variables?</a:t>
+            </a:r>
+          </a:p>
+          <a:p>
+            <a:pPr marL="514350" indent="-514350">
               <a:buFont typeface="+mj-lt"/>
-              <a:buAutoNum type="romanUcPeriod"/>
-            </a:pPr>
-            <a:r>
-              <a:rPr lang="en-US" sz="2200" b="0" i="1" dirty="0">
-                <a:solidFill>
-                  <a:schemeClr val="accent5"/>
-                </a:solidFill>
-                <a:effectLst/>
-              </a:rPr>
-              <a:t>200Simplilearn</a:t>
-            </a:r>
-          </a:p>
-          <a:p>
-            <a:pPr marL="571500" indent="-571500" algn="l">
-              <a:buFont typeface="+mj-lt"/>
-              <a:buAutoNum type="romanUcPeriod"/>
-            </a:pPr>
-            <a:r>
-              <a:rPr lang="en-US" sz="2200" b="0" i="1" dirty="0">
-                <a:solidFill>
-                  <a:schemeClr val="accent5"/>
-                </a:solidFill>
-                <a:effectLst/>
-              </a:rPr>
-              <a:t>E-Learning Company100100</a:t>
-            </a:r>
-          </a:p>
-          <a:p>
-            <a:pPr marL="0" indent="0" algn="l">
-              <a:buNone/>
-            </a:pPr>
-            <a:endParaRPr lang="en-US" b="0" i="0" dirty="0">
+              <a:buAutoNum type="alphaUcPeriod"/>
+            </a:pPr>
+            <a:r>
+              <a:rPr lang="en-US" b="0" i="1" dirty="0">
+                <a:solidFill>
+                  <a:schemeClr val="accent5"/>
+                </a:solidFill>
+                <a:effectLst/>
+              </a:rPr>
+              <a:t>In Java, when you make the constructor of a class private, that particular class can generate only one object. This type of class is popularly known as a Singleton Class.</a:t>
+            </a:r>
+            <a:endParaRPr lang="en-US" b="1" i="1" dirty="0">
               <a:solidFill>
-                <a:srgbClr val="51565E"/>
+                <a:schemeClr val="accent5"/>
+              </a:solidFill>
+              <a:effectLst/>
+            </a:endParaRPr>
+          </a:p>
+          <a:p>
+            <a:pPr marL="0" indent="0">
+              <a:buNone/>
+            </a:pPr>
+            <a:endParaRPr lang="en-US" b="0" dirty="0">
+              <a:solidFill>
+                <a:srgbClr val="272C37"/>
               </a:solidFill>
               <a:effectLst/>
               <a:latin typeface="Roboto" panose="02000000000000000000" pitchFamily="2" charset="0"/>
@@ -15277,7 +15215,7 @@
     </p:spTree>
     <p:extLst>
       <p:ext uri="{BB962C8B-B14F-4D97-AF65-F5344CB8AC3E}">
-        <p14:creationId xmlns:p14="http://schemas.microsoft.com/office/powerpoint/2010/main" val="4164338285"/>
+        <p14:creationId xmlns:p14="http://schemas.microsoft.com/office/powerpoint/2010/main" val="620989336"/>
       </p:ext>
     </p:extLst>
   </p:cSld>
@@ -15321,7 +15259,7 @@
           <p:cNvPr id="2" name="Title 1">
             <a:extLst>
               <a:ext uri="{FF2B5EF4-FFF2-40B4-BE49-F238E27FC236}">
-                <a16:creationId xmlns:a16="http://schemas.microsoft.com/office/drawing/2014/main" id="{2964F35A-8E0F-42DA-BFD6-2E3E8BA24C95}"/>
+                <a16:creationId xmlns:a16="http://schemas.microsoft.com/office/drawing/2014/main" id="{375A59B7-568B-4D58-86A5-0F5A973CE362}"/>
               </a:ext>
             </a:extLst>
           </p:cNvPr>
@@ -15350,7 +15288,7 @@
           <p:cNvPr id="3" name="Content Placeholder 2">
             <a:extLst>
               <a:ext uri="{FF2B5EF4-FFF2-40B4-BE49-F238E27FC236}">
-                <a16:creationId xmlns:a16="http://schemas.microsoft.com/office/drawing/2014/main" id="{D0678A55-C8F5-48AE-9FE7-0F87FD04C138}"/>
+                <a16:creationId xmlns:a16="http://schemas.microsoft.com/office/drawing/2014/main" id="{C4430901-1F8B-4919-A893-5D7580B63821}"/>
               </a:ext>
             </a:extLst>
           </p:cNvPr>
@@ -15361,103 +15299,201 @@
             <p:ph idx="1"/>
           </p:nvPr>
         </p:nvSpPr>
-        <p:spPr/>
+        <p:spPr>
+          <a:xfrm>
+            <a:off x="838200" y="1759841"/>
+            <a:ext cx="10515600" cy="4351338"/>
+          </a:xfrm>
+        </p:spPr>
         <p:txBody>
           <a:bodyPr>
-            <a:normAutofit fontScale="92500" lnSpcReduction="20000"/>
+            <a:normAutofit fontScale="92500" lnSpcReduction="10000"/>
           </a:bodyPr>
           <a:lstStyle/>
           <a:p>
-            <a:pPr marL="0" indent="0">
-              <a:buNone/>
-            </a:pPr>
-            <a:r>
-              <a:rPr lang="en-US" b="1" i="0" dirty="0">
-                <a:solidFill>
-                  <a:schemeClr val="accent5"/>
-                </a:solidFill>
-                <a:effectLst/>
-              </a:rPr>
-              <a:t>Define Wrapper Classes in Java.</a:t>
-            </a:r>
-          </a:p>
-          <a:p>
-            <a:pPr marL="514350" indent="-514350">
+            <a:pPr marL="0" indent="0" algn="l">
+              <a:buNone/>
+            </a:pPr>
+            <a:r>
+              <a:rPr lang="en-US" sz="1800" b="1" i="0" dirty="0">
+                <a:solidFill>
+                  <a:schemeClr val="accent5"/>
+                </a:solidFill>
+                <a:effectLst/>
+              </a:rPr>
+              <a:t>Explain the expected output of the following code segment?</a:t>
+            </a:r>
+          </a:p>
+          <a:p>
+            <a:pPr marL="0" indent="0" algn="l">
+              <a:buNone/>
+            </a:pPr>
+            <a:r>
+              <a:rPr lang="en-US" sz="1800" b="1" i="0" dirty="0">
+                <a:solidFill>
+                  <a:schemeClr val="accent5"/>
+                </a:solidFill>
+                <a:effectLst/>
+              </a:rPr>
+              <a:t>public class Simplilearn   </a:t>
+            </a:r>
+          </a:p>
+          <a:p>
+            <a:pPr marL="0" indent="0" algn="l">
+              <a:buNone/>
+            </a:pPr>
+            <a:r>
+              <a:rPr lang="en-US" sz="1800" b="1" i="0" dirty="0">
+                <a:solidFill>
+                  <a:schemeClr val="accent5"/>
+                </a:solidFill>
+                <a:effectLst/>
+              </a:rPr>
+              <a:t>{  </a:t>
+            </a:r>
+          </a:p>
+          <a:p>
+            <a:pPr marL="0" indent="0" algn="l">
+              <a:buNone/>
+            </a:pPr>
+            <a:r>
+              <a:rPr lang="en-US" sz="1800" b="1" i="0" dirty="0">
+                <a:solidFill>
+                  <a:schemeClr val="accent5"/>
+                </a:solidFill>
+                <a:effectLst/>
+              </a:rPr>
+              <a:t>    public static void main (String args[])   </a:t>
+            </a:r>
+          </a:p>
+          <a:p>
+            <a:pPr marL="0" indent="0" algn="l">
+              <a:buNone/>
+            </a:pPr>
+            <a:r>
+              <a:rPr lang="en-US" sz="1800" b="1" i="0" dirty="0">
+                <a:solidFill>
+                  <a:schemeClr val="accent5"/>
+                </a:solidFill>
+                <a:effectLst/>
+              </a:rPr>
+              <a:t>    {  </a:t>
+            </a:r>
+          </a:p>
+          <a:p>
+            <a:pPr marL="0" indent="0" algn="l">
+              <a:buNone/>
+            </a:pPr>
+            <a:r>
+              <a:rPr lang="en-US" sz="1800" b="1" i="0" dirty="0">
+                <a:solidFill>
+                  <a:schemeClr val="accent5"/>
+                </a:solidFill>
+                <a:effectLst/>
+              </a:rPr>
+              <a:t>        System.out.println(100 + 100 +"Simplilearn");   </a:t>
+            </a:r>
+          </a:p>
+          <a:p>
+            <a:pPr marL="0" indent="0" algn="l">
+              <a:buNone/>
+            </a:pPr>
+            <a:r>
+              <a:rPr lang="en-US" sz="1800" b="1" i="0" dirty="0">
+                <a:solidFill>
+                  <a:schemeClr val="accent5"/>
+                </a:solidFill>
+                <a:effectLst/>
+              </a:rPr>
+              <a:t>        System.out.println("E-Learning Company" + 100 + 100);  </a:t>
+            </a:r>
+          </a:p>
+          <a:p>
+            <a:pPr marL="0" indent="0" algn="l">
+              <a:buNone/>
+            </a:pPr>
+            <a:r>
+              <a:rPr lang="en-US" sz="1800" b="1" i="0" dirty="0">
+                <a:solidFill>
+                  <a:schemeClr val="accent5"/>
+                </a:solidFill>
+                <a:effectLst/>
+              </a:rPr>
+              <a:t>    }  </a:t>
+            </a:r>
+          </a:p>
+          <a:p>
+            <a:pPr marL="0" indent="0" algn="l">
+              <a:buNone/>
+            </a:pPr>
+            <a:r>
+              <a:rPr lang="en-US" sz="1800" b="1" i="0" dirty="0">
+                <a:solidFill>
+                  <a:schemeClr val="accent5"/>
+                </a:solidFill>
+                <a:effectLst/>
+              </a:rPr>
+              <a:t>}</a:t>
+            </a:r>
+          </a:p>
+          <a:p>
+            <a:pPr marL="514350" indent="-514350" algn="l">
               <a:buFont typeface="+mj-lt"/>
               <a:buAutoNum type="alphaUcPeriod"/>
             </a:pPr>
             <a:r>
-              <a:rPr lang="en-US" b="0" i="1" dirty="0">
-                <a:solidFill>
-                  <a:schemeClr val="accent5"/>
-                </a:solidFill>
-                <a:effectLst/>
-              </a:rPr>
-              <a:t>In Java, when you declare primitive datatypes, then Wrapper classes are responsible for converting them into objects(Reference types)</a:t>
-            </a:r>
-          </a:p>
-          <a:p>
-            <a:pPr marL="0" indent="0">
-              <a:buNone/>
-            </a:pPr>
-            <a:r>
-              <a:rPr lang="en-US" b="1" i="0" dirty="0">
-                <a:solidFill>
-                  <a:schemeClr val="accent5"/>
-                </a:solidFill>
-                <a:effectLst/>
-              </a:rPr>
-              <a:t>Define package in Java.</a:t>
-            </a:r>
-          </a:p>
-          <a:p>
-            <a:pPr marL="514350" indent="-514350">
+              <a:rPr lang="en-US" sz="2200" b="0" i="1" dirty="0">
+                <a:solidFill>
+                  <a:schemeClr val="accent5"/>
+                </a:solidFill>
+                <a:effectLst/>
+              </a:rPr>
+              <a:t>The code will print out</a:t>
+            </a:r>
+          </a:p>
+          <a:p>
+            <a:pPr marL="571500" indent="-571500" algn="l">
               <a:buFont typeface="+mj-lt"/>
-              <a:buAutoNum type="alphaUcPeriod"/>
-            </a:pPr>
-            <a:r>
-              <a:rPr lang="en-US" b="0" i="1" dirty="0">
-                <a:solidFill>
-                  <a:schemeClr val="accent5"/>
-                </a:solidFill>
-                <a:effectLst/>
-              </a:rPr>
-              <a:t>The package is a collective bundle of classes and interfaces and the necessary libraries and JAR files. The use of packages helps in code reusability.</a:t>
-            </a:r>
-          </a:p>
-          <a:p>
-            <a:pPr marL="0" indent="0">
-              <a:buNone/>
-            </a:pPr>
-            <a:r>
-              <a:rPr lang="en-US" b="1" i="0" dirty="0">
-                <a:solidFill>
-                  <a:schemeClr val="accent5"/>
-                </a:solidFill>
-                <a:effectLst/>
-              </a:rPr>
-              <a:t>Can you implement pointers in a Java Program?</a:t>
-            </a:r>
-          </a:p>
-          <a:p>
-            <a:pPr marL="514350" indent="-514350">
+              <a:buAutoNum type="romanUcPeriod"/>
+            </a:pPr>
+            <a:r>
+              <a:rPr lang="en-US" sz="2200" b="0" i="1" dirty="0">
+                <a:solidFill>
+                  <a:schemeClr val="accent5"/>
+                </a:solidFill>
+                <a:effectLst/>
+              </a:rPr>
+              <a:t>200Simplilearn</a:t>
+            </a:r>
+          </a:p>
+          <a:p>
+            <a:pPr marL="571500" indent="-571500" algn="l">
               <a:buFont typeface="+mj-lt"/>
-              <a:buAutoNum type="alphaUcPeriod"/>
-            </a:pPr>
-            <a:r>
-              <a:rPr lang="en-US" b="0" i="1" dirty="0">
-                <a:solidFill>
-                  <a:schemeClr val="accent5"/>
-                </a:solidFill>
-                <a:effectLst/>
-              </a:rPr>
-              <a:t>Java Virtual Machine takes care of memory management implicitly. Java's primary motto was to keep programming simple. So, accessing memory directly through pointers is not a recommended action. Hence, pointers are eliminated in Java. </a:t>
-            </a:r>
-          </a:p>
-          <a:p>
-            <a:pPr marL="0" indent="0">
-              <a:buNone/>
-            </a:pPr>
+              <a:buAutoNum type="romanUcPeriod"/>
+            </a:pPr>
+            <a:r>
+              <a:rPr lang="en-US" sz="2200" b="0" i="1" dirty="0">
+                <a:solidFill>
+                  <a:schemeClr val="accent5"/>
+                </a:solidFill>
+                <a:effectLst/>
+              </a:rPr>
+              <a:t>E-Learning Company100100</a:t>
+            </a:r>
+          </a:p>
+          <a:p>
+            <a:pPr marL="0" indent="0" algn="l">
+              <a:buNone/>
+            </a:pPr>
+            <a:endParaRPr lang="en-US" b="0" i="0" dirty="0">
+              <a:solidFill>
+                <a:srgbClr val="51565E"/>
+              </a:solidFill>
+              <a:effectLst/>
+              <a:latin typeface="Roboto" panose="02000000000000000000" pitchFamily="2" charset="0"/>
+            </a:endParaRPr>
+          </a:p>
+          <a:p>
             <a:endParaRPr lang="en-US" dirty="0"/>
           </a:p>
         </p:txBody>
@@ -15465,7 +15501,7 @@
     </p:spTree>
     <p:extLst>
       <p:ext uri="{BB962C8B-B14F-4D97-AF65-F5344CB8AC3E}">
-        <p14:creationId xmlns:p14="http://schemas.microsoft.com/office/powerpoint/2010/main" val="2631316214"/>
+        <p14:creationId xmlns:p14="http://schemas.microsoft.com/office/powerpoint/2010/main" val="4164338285"/>
       </p:ext>
     </p:extLst>
   </p:cSld>
@@ -15509,7 +15545,7 @@
           <p:cNvPr id="2" name="Title 1">
             <a:extLst>
               <a:ext uri="{FF2B5EF4-FFF2-40B4-BE49-F238E27FC236}">
-                <a16:creationId xmlns:a16="http://schemas.microsoft.com/office/drawing/2014/main" id="{F7B27FE7-493A-4779-97D0-2CC0D1860EB2}"/>
+                <a16:creationId xmlns:a16="http://schemas.microsoft.com/office/drawing/2014/main" id="{2964F35A-8E0F-42DA-BFD6-2E3E8BA24C95}"/>
               </a:ext>
             </a:extLst>
           </p:cNvPr>
@@ -15538,7 +15574,7 @@
           <p:cNvPr id="3" name="Content Placeholder 2">
             <a:extLst>
               <a:ext uri="{FF2B5EF4-FFF2-40B4-BE49-F238E27FC236}">
-                <a16:creationId xmlns:a16="http://schemas.microsoft.com/office/drawing/2014/main" id="{F36D5D66-905E-45B0-A425-F6DBD6435755}"/>
+                <a16:creationId xmlns:a16="http://schemas.microsoft.com/office/drawing/2014/main" id="{D0678A55-C8F5-48AE-9FE7-0F87FD04C138}"/>
               </a:ext>
             </a:extLst>
           </p:cNvPr>
@@ -15552,7 +15588,7 @@
         <p:spPr/>
         <p:txBody>
           <a:bodyPr>
-            <a:normAutofit lnSpcReduction="10000"/>
+            <a:normAutofit fontScale="92500" lnSpcReduction="20000"/>
           </a:bodyPr>
           <a:lstStyle/>
           <a:p>
@@ -15566,73 +15602,85 @@
                 </a:solidFill>
                 <a:effectLst/>
               </a:rPr>
-              <a:t>What is the difference between JDK, JRE, and JVM?</a:t>
-            </a:r>
-          </a:p>
-          <a:p>
-            <a:pPr marL="514350" indent="-514350" algn="l">
-              <a:buFont typeface="+mj-lt"/>
-              <a:buAutoNum type="alphaUcPeriod"/>
-            </a:pPr>
-            <a:r>
-              <a:rPr lang="en-US" b="0" i="1" dirty="0">
-                <a:solidFill>
-                  <a:schemeClr val="accent5"/>
-                </a:solidFill>
-                <a:effectLst/>
-              </a:rPr>
-              <a:t>The difference between JDK, JRE &amp; JVM is that;</a:t>
-            </a:r>
-          </a:p>
-          <a:p>
-            <a:pPr marL="571500" indent="-571500" algn="l">
-              <a:buFont typeface="+mj-lt"/>
-              <a:buAutoNum type="romanUcPeriod"/>
-            </a:pPr>
-            <a:r>
-              <a:rPr lang="en-US" b="0" i="1" dirty="0">
-                <a:solidFill>
-                  <a:schemeClr val="accent5"/>
-                </a:solidFill>
-                <a:effectLst/>
-              </a:rPr>
-              <a:t>JVM has a Just in Time (JIT) compiler tool that converts all the Java source code into the low-level compatible machine language. Therefore, it runs faster than the regular application.</a:t>
-            </a:r>
-          </a:p>
-          <a:p>
-            <a:pPr marL="571500" indent="-571500" algn="l">
-              <a:buFont typeface="+mj-lt"/>
-              <a:buAutoNum type="romanUcPeriod"/>
-            </a:pPr>
-            <a:r>
-              <a:rPr lang="en-US" b="0" i="1" dirty="0">
-                <a:solidFill>
-                  <a:schemeClr val="accent5"/>
-                </a:solidFill>
-                <a:effectLst/>
-              </a:rPr>
-              <a:t>JRE has class libraries and other JVM supporting files. But it doesn’t have any tool for java development such as compiler or debugger.</a:t>
-            </a:r>
-          </a:p>
-          <a:p>
-            <a:pPr marL="571500" indent="-571500" algn="l">
-              <a:buFont typeface="+mj-lt"/>
-              <a:buAutoNum type="romanUcPeriod"/>
-            </a:pPr>
-            <a:r>
-              <a:rPr lang="en-US" b="0" i="1" dirty="0">
-                <a:solidFill>
-                  <a:schemeClr val="accent5"/>
-                </a:solidFill>
-                <a:effectLst/>
-              </a:rPr>
-              <a:t>JDK has tools that are required to write Java Programs and uses JRE to execute them. It has a compiler, Java application launcher, and an applet viewer.</a:t>
+              <a:t>Define Wrapper Classes in Java.</a:t>
             </a:r>
           </a:p>
           <a:p>
             <a:pPr marL="514350" indent="-514350">
               <a:buFont typeface="+mj-lt"/>
               <a:buAutoNum type="alphaUcPeriod"/>
+            </a:pPr>
+            <a:r>
+              <a:rPr lang="en-US" b="0" i="1" dirty="0">
+                <a:solidFill>
+                  <a:schemeClr val="accent5"/>
+                </a:solidFill>
+                <a:effectLst/>
+              </a:rPr>
+              <a:t>In Java, when you declare primitive datatypes, then Wrapper classes are responsible for converting them into objects(Reference types)</a:t>
+            </a:r>
+          </a:p>
+          <a:p>
+            <a:pPr marL="0" indent="0">
+              <a:buNone/>
+            </a:pPr>
+            <a:r>
+              <a:rPr lang="en-US" b="1" i="0" dirty="0">
+                <a:solidFill>
+                  <a:schemeClr val="accent5"/>
+                </a:solidFill>
+                <a:effectLst/>
+              </a:rPr>
+              <a:t>Define package in Java.</a:t>
+            </a:r>
+          </a:p>
+          <a:p>
+            <a:pPr marL="514350" indent="-514350">
+              <a:buFont typeface="+mj-lt"/>
+              <a:buAutoNum type="alphaUcPeriod"/>
+            </a:pPr>
+            <a:r>
+              <a:rPr lang="en-US" b="0" i="1" dirty="0">
+                <a:solidFill>
+                  <a:schemeClr val="accent5"/>
+                </a:solidFill>
+                <a:effectLst/>
+              </a:rPr>
+              <a:t>The package is a collective bundle of classes and interfaces and the necessary libraries and JAR files. The use of packages helps in code reusability.</a:t>
+            </a:r>
+          </a:p>
+          <a:p>
+            <a:pPr marL="0" indent="0">
+              <a:buNone/>
+            </a:pPr>
+            <a:r>
+              <a:rPr lang="en-US" b="1" i="0" dirty="0">
+                <a:solidFill>
+                  <a:schemeClr val="accent5"/>
+                </a:solidFill>
+                <a:effectLst/>
+              </a:rPr>
+              <a:t>Can you implement pointers in a Java Program?</a:t>
+            </a:r>
+          </a:p>
+          <a:p>
+            <a:pPr marL="514350" indent="-514350">
+              <a:buFont typeface="+mj-lt"/>
+              <a:buAutoNum type="alphaUcPeriod"/>
+            </a:pPr>
+            <a:r>
+              <a:rPr lang="en-US" b="0" i="1" dirty="0">
+                <a:solidFill>
+                  <a:schemeClr val="accent5"/>
+                </a:solidFill>
+                <a:effectLst/>
+              </a:rPr>
+              <a:t>Java Virtual Machine takes care of memory management implicitly. Java's primary motto was to keep programming simple. So, accessing memory directly through pointers is not a recommended action. Hence, pointers are eliminated in Java. </a:t>
+            </a:r>
+          </a:p>
+          <a:p>
+            <a:pPr marL="0" indent="0">
+              <a:buNone/>
             </a:pPr>
             <a:endParaRPr lang="en-US" dirty="0"/>
           </a:p>
@@ -15641,7 +15689,7 @@
     </p:spTree>
     <p:extLst>
       <p:ext uri="{BB962C8B-B14F-4D97-AF65-F5344CB8AC3E}">
-        <p14:creationId xmlns:p14="http://schemas.microsoft.com/office/powerpoint/2010/main" val="4011828788"/>
+        <p14:creationId xmlns:p14="http://schemas.microsoft.com/office/powerpoint/2010/main" val="2631316214"/>
       </p:ext>
     </p:extLst>
   </p:cSld>
@@ -15682,105 +15730,142 @@
       </p:grpSpPr>
       <p:sp>
         <p:nvSpPr>
-          <p:cNvPr id="3" name="TextBox 2">
+          <p:cNvPr id="2" name="Title 1">
             <a:extLst>
               <a:ext uri="{FF2B5EF4-FFF2-40B4-BE49-F238E27FC236}">
-                <a16:creationId xmlns:a16="http://schemas.microsoft.com/office/drawing/2014/main" id="{737DA50D-39FF-4D50-A591-E6924755AF1C}"/>
+                <a16:creationId xmlns:a16="http://schemas.microsoft.com/office/drawing/2014/main" id="{F7B27FE7-493A-4779-97D0-2CC0D1860EB2}"/>
               </a:ext>
             </a:extLst>
           </p:cNvPr>
-          <p:cNvSpPr txBox="1"/>
-          <p:nvPr/>
+          <p:cNvSpPr>
+            <a:spLocks noGrp="1"/>
+          </p:cNvSpPr>
+          <p:nvPr>
+            <p:ph type="title"/>
+          </p:nvPr>
         </p:nvSpPr>
-        <p:spPr>
-          <a:xfrm>
-            <a:off x="1295400" y="1795360"/>
-            <a:ext cx="9601200" cy="1143000"/>
-          </a:xfrm>
-          <a:prstGeom prst="rect">
-            <a:avLst/>
-          </a:prstGeom>
-        </p:spPr>
+        <p:spPr/>
         <p:txBody>
-          <a:bodyPr vert="horz" lIns="91440" tIns="45720" rIns="91440" bIns="45720" rtlCol="0" anchor="b">
-            <a:normAutofit/>
+          <a:bodyPr/>
+          <a:lstStyle/>
+          <a:p>
+            <a:pPr algn="ctr"/>
+            <a:r>
+              <a:rPr lang="en-US" dirty="0"/>
+              <a:t>Java Interview Q&amp;A</a:t>
+            </a:r>
+          </a:p>
+        </p:txBody>
+      </p:sp>
+      <p:sp>
+        <p:nvSpPr>
+          <p:cNvPr id="3" name="Content Placeholder 2">
+            <a:extLst>
+              <a:ext uri="{FF2B5EF4-FFF2-40B4-BE49-F238E27FC236}">
+                <a16:creationId xmlns:a16="http://schemas.microsoft.com/office/drawing/2014/main" id="{F36D5D66-905E-45B0-A425-F6DBD6435755}"/>
+              </a:ext>
+            </a:extLst>
+          </p:cNvPr>
+          <p:cNvSpPr>
+            <a:spLocks noGrp="1"/>
+          </p:cNvSpPr>
+          <p:nvPr>
+            <p:ph idx="1"/>
+          </p:nvPr>
+        </p:nvSpPr>
+        <p:spPr/>
+        <p:txBody>
+          <a:bodyPr>
+            <a:normAutofit lnSpcReduction="10000"/>
           </a:bodyPr>
           <a:lstStyle/>
           <a:p>
-            <a:pPr algn="ctr">
-              <a:lnSpc>
-                <a:spcPct val="90000"/>
-              </a:lnSpc>
-              <a:spcBef>
-                <a:spcPct val="0"/>
-              </a:spcBef>
-              <a:spcAft>
-                <a:spcPts val="600"/>
-              </a:spcAft>
-            </a:pPr>
-            <a:r>
-              <a:rPr lang="en-US" sz="6000" b="1" kern="1200" cap="all" baseline="0" dirty="0">
-                <a:solidFill>
-                  <a:schemeClr val="accent1"/>
-                </a:solidFill>
-                <a:effectLst>
-                  <a:outerShdw blurRad="38100" dist="25400" dir="18900000" algn="bl" rotWithShape="0">
-                    <a:schemeClr val="bg1">
-                      <a:alpha val="80000"/>
-                    </a:schemeClr>
-                  </a:outerShdw>
-                </a:effectLst>
-                <a:ea typeface="+mj-ea"/>
-                <a:cs typeface="+mj-cs"/>
-              </a:rPr>
-              <a:t>Thank You!</a:t>
-            </a:r>
+            <a:pPr marL="0" indent="0">
+              <a:buNone/>
+            </a:pPr>
+            <a:r>
+              <a:rPr lang="en-US" b="1" i="0" dirty="0">
+                <a:solidFill>
+                  <a:schemeClr val="accent5"/>
+                </a:solidFill>
+                <a:effectLst/>
+              </a:rPr>
+              <a:t>What is the difference between JDK, JRE, and JVM?</a:t>
+            </a:r>
+          </a:p>
+          <a:p>
+            <a:pPr marL="514350" indent="-514350" algn="l">
+              <a:buFont typeface="+mj-lt"/>
+              <a:buAutoNum type="alphaUcPeriod"/>
+            </a:pPr>
+            <a:r>
+              <a:rPr lang="en-US" b="0" i="1" dirty="0">
+                <a:solidFill>
+                  <a:schemeClr val="accent5"/>
+                </a:solidFill>
+                <a:effectLst/>
+              </a:rPr>
+              <a:t>The difference between JDK, JRE &amp; JVM is that;</a:t>
+            </a:r>
+          </a:p>
+          <a:p>
+            <a:pPr marL="571500" indent="-571500" algn="l">
+              <a:buFont typeface="+mj-lt"/>
+              <a:buAutoNum type="romanUcPeriod"/>
+            </a:pPr>
+            <a:r>
+              <a:rPr lang="en-US" b="0" i="1" dirty="0">
+                <a:solidFill>
+                  <a:schemeClr val="accent5"/>
+                </a:solidFill>
+                <a:effectLst/>
+              </a:rPr>
+              <a:t>JVM has a Just in Time (JIT) compiler tool that converts all the Java source code into the low-level compatible machine language. Therefore, it runs faster than the regular application.</a:t>
+            </a:r>
+          </a:p>
+          <a:p>
+            <a:pPr marL="571500" indent="-571500" algn="l">
+              <a:buFont typeface="+mj-lt"/>
+              <a:buAutoNum type="romanUcPeriod"/>
+            </a:pPr>
+            <a:r>
+              <a:rPr lang="en-US" b="0" i="1" dirty="0">
+                <a:solidFill>
+                  <a:schemeClr val="accent5"/>
+                </a:solidFill>
+                <a:effectLst/>
+              </a:rPr>
+              <a:t>JRE has class libraries and other JVM supporting files. But it doesn’t have any tool for java development such as compiler or debugger.</a:t>
+            </a:r>
+          </a:p>
+          <a:p>
+            <a:pPr marL="571500" indent="-571500" algn="l">
+              <a:buFont typeface="+mj-lt"/>
+              <a:buAutoNum type="romanUcPeriod"/>
+            </a:pPr>
+            <a:r>
+              <a:rPr lang="en-US" b="0" i="1" dirty="0">
+                <a:solidFill>
+                  <a:schemeClr val="accent5"/>
+                </a:solidFill>
+                <a:effectLst/>
+              </a:rPr>
+              <a:t>JDK has tools that are required to write Java Programs and uses JRE to execute them. It has a compiler, Java application launcher, and an applet viewer.</a:t>
+            </a:r>
+          </a:p>
+          <a:p>
+            <a:pPr marL="514350" indent="-514350">
+              <a:buFont typeface="+mj-lt"/>
+              <a:buAutoNum type="alphaUcPeriod"/>
+            </a:pPr>
+            <a:endParaRPr lang="en-US" dirty="0"/>
           </a:p>
         </p:txBody>
       </p:sp>
-      <p:pic>
-        <p:nvPicPr>
-          <p:cNvPr id="8" name="Picture 7" descr="A picture containing clipart, light&#10;&#10;Description automatically generated">
-            <a:extLst>
-              <a:ext uri="{FF2B5EF4-FFF2-40B4-BE49-F238E27FC236}">
-                <a16:creationId xmlns:a16="http://schemas.microsoft.com/office/drawing/2014/main" id="{6355922F-3B2E-4EFA-856F-CAD794D3C99C}"/>
-              </a:ext>
-            </a:extLst>
-          </p:cNvPr>
-          <p:cNvPicPr>
-            <a:picLocks noChangeAspect="1"/>
-          </p:cNvPicPr>
-          <p:nvPr/>
-        </p:nvPicPr>
-        <p:blipFill>
-          <a:blip r:embed="rId2">
-            <a:extLst>
-              <a:ext uri="{28A0092B-C50C-407E-A947-70E740481C1C}">
-                <a14:useLocalDpi xmlns:a14="http://schemas.microsoft.com/office/drawing/2010/main" val="0"/>
-              </a:ext>
-              <a:ext uri="{837473B0-CC2E-450A-ABE3-18F120FF3D39}">
-                <a1611:picAttrSrcUrl xmlns:a1611="http://schemas.microsoft.com/office/drawing/2016/11/main" r:id="rId3"/>
-              </a:ext>
-            </a:extLst>
-          </a:blip>
-          <a:stretch>
-            <a:fillRect/>
-          </a:stretch>
-        </p:blipFill>
-        <p:spPr>
-          <a:xfrm>
-            <a:off x="5238857" y="3324570"/>
-            <a:ext cx="1714286" cy="1714286"/>
-          </a:xfrm>
-          <a:prstGeom prst="rect">
-            <a:avLst/>
-          </a:prstGeom>
-        </p:spPr>
-      </p:pic>
     </p:spTree>
     <p:extLst>
       <p:ext uri="{BB962C8B-B14F-4D97-AF65-F5344CB8AC3E}">
-        <p14:creationId xmlns:p14="http://schemas.microsoft.com/office/powerpoint/2010/main" val="2653652383"/>
+        <p14:creationId xmlns:p14="http://schemas.microsoft.com/office/powerpoint/2010/main" val="4011828788"/>
       </p:ext>
     </p:extLst>
   </p:cSld>
@@ -16004,6 +16089,145 @@
     <p:extLst>
       <p:ext uri="{BB962C8B-B14F-4D97-AF65-F5344CB8AC3E}">
         <p14:creationId xmlns:p14="http://schemas.microsoft.com/office/powerpoint/2010/main" val="1298696359"/>
+      </p:ext>
+    </p:extLst>
+  </p:cSld>
+  <p:clrMapOvr>
+    <a:masterClrMapping/>
+  </p:clrMapOvr>
+  <mc:AlternateContent xmlns:mc="http://schemas.openxmlformats.org/markup-compatibility/2006" xmlns:p14="http://schemas.microsoft.com/office/powerpoint/2010/main">
+    <mc:Choice Requires="p14">
+      <p:transition spd="med" p14:dur="700">
+        <p:fade/>
+      </p:transition>
+    </mc:Choice>
+    <mc:Fallback xmlns="">
+      <p:transition spd="med">
+        <p:fade/>
+      </p:transition>
+    </mc:Fallback>
+  </mc:AlternateContent>
+</p:sld>
+</file>
+
+<file path=ppt/slides/slide50.xml><?xml version="1.0" encoding="utf-8"?>
+<p:sld xmlns:a="http://schemas.openxmlformats.org/drawingml/2006/main" xmlns:r="http://schemas.openxmlformats.org/officeDocument/2006/relationships" xmlns:p="http://schemas.openxmlformats.org/presentationml/2006/main">
+  <p:cSld>
+    <p:spTree>
+      <p:nvGrpSpPr>
+        <p:cNvPr id="1" name=""/>
+        <p:cNvGrpSpPr/>
+        <p:nvPr/>
+      </p:nvGrpSpPr>
+      <p:grpSpPr>
+        <a:xfrm>
+          <a:off x="0" y="0"/>
+          <a:ext cx="0" cy="0"/>
+          <a:chOff x="0" y="0"/>
+          <a:chExt cx="0" cy="0"/>
+        </a:xfrm>
+      </p:grpSpPr>
+      <p:sp>
+        <p:nvSpPr>
+          <p:cNvPr id="3" name="TextBox 2">
+            <a:extLst>
+              <a:ext uri="{FF2B5EF4-FFF2-40B4-BE49-F238E27FC236}">
+                <a16:creationId xmlns:a16="http://schemas.microsoft.com/office/drawing/2014/main" id="{737DA50D-39FF-4D50-A591-E6924755AF1C}"/>
+              </a:ext>
+            </a:extLst>
+          </p:cNvPr>
+          <p:cNvSpPr txBox="1"/>
+          <p:nvPr/>
+        </p:nvSpPr>
+        <p:spPr>
+          <a:xfrm>
+            <a:off x="1295400" y="1795360"/>
+            <a:ext cx="9601200" cy="1143000"/>
+          </a:xfrm>
+          <a:prstGeom prst="rect">
+            <a:avLst/>
+          </a:prstGeom>
+        </p:spPr>
+        <p:txBody>
+          <a:bodyPr vert="horz" lIns="91440" tIns="45720" rIns="91440" bIns="45720" rtlCol="0" anchor="b">
+            <a:normAutofit/>
+          </a:bodyPr>
+          <a:lstStyle/>
+          <a:p>
+            <a:pPr algn="ctr">
+              <a:lnSpc>
+                <a:spcPct val="90000"/>
+              </a:lnSpc>
+              <a:spcBef>
+                <a:spcPct val="0"/>
+              </a:spcBef>
+              <a:spcAft>
+                <a:spcPts val="600"/>
+              </a:spcAft>
+            </a:pPr>
+            <a:r>
+              <a:rPr lang="en-US" sz="6000" b="1" kern="1200" cap="all" baseline="0" dirty="0">
+                <a:solidFill>
+                  <a:schemeClr val="accent1"/>
+                </a:solidFill>
+                <a:effectLst>
+                  <a:outerShdw blurRad="38100" dist="25400" dir="18900000" algn="bl" rotWithShape="0">
+                    <a:schemeClr val="bg1">
+                      <a:alpha val="80000"/>
+                    </a:schemeClr>
+                  </a:outerShdw>
+                </a:effectLst>
+                <a:ea typeface="+mj-ea"/>
+                <a:cs typeface="+mj-cs"/>
+              </a:rPr>
+              <a:t>Thank You!</a:t>
+            </a:r>
+          </a:p>
+        </p:txBody>
+      </p:sp>
+      <p:pic>
+        <p:nvPicPr>
+          <p:cNvPr id="8" name="Picture 7" descr="A picture containing clipart, light&#10;&#10;Description automatically generated">
+            <a:extLst>
+              <a:ext uri="{FF2B5EF4-FFF2-40B4-BE49-F238E27FC236}">
+                <a16:creationId xmlns:a16="http://schemas.microsoft.com/office/drawing/2014/main" id="{6355922F-3B2E-4EFA-856F-CAD794D3C99C}"/>
+              </a:ext>
+            </a:extLst>
+          </p:cNvPr>
+          <p:cNvPicPr>
+            <a:picLocks noChangeAspect="1"/>
+          </p:cNvPicPr>
+          <p:nvPr/>
+        </p:nvPicPr>
+        <p:blipFill>
+          <a:blip r:embed="rId2">
+            <a:extLst>
+              <a:ext uri="{28A0092B-C50C-407E-A947-70E740481C1C}">
+                <a14:useLocalDpi xmlns:a14="http://schemas.microsoft.com/office/drawing/2010/main" val="0"/>
+              </a:ext>
+              <a:ext uri="{837473B0-CC2E-450A-ABE3-18F120FF3D39}">
+                <a1611:picAttrSrcUrl xmlns:a1611="http://schemas.microsoft.com/office/drawing/2016/11/main" r:id="rId3"/>
+              </a:ext>
+            </a:extLst>
+          </a:blip>
+          <a:stretch>
+            <a:fillRect/>
+          </a:stretch>
+        </p:blipFill>
+        <p:spPr>
+          <a:xfrm>
+            <a:off x="5238857" y="3324570"/>
+            <a:ext cx="1714286" cy="1714286"/>
+          </a:xfrm>
+          <a:prstGeom prst="rect">
+            <a:avLst/>
+          </a:prstGeom>
+        </p:spPr>
+      </p:pic>
+    </p:spTree>
+    <p:extLst>
+      <p:ext uri="{BB962C8B-B14F-4D97-AF65-F5344CB8AC3E}">
+        <p14:creationId xmlns:p14="http://schemas.microsoft.com/office/powerpoint/2010/main" val="2653652383"/>
       </p:ext>
     </p:extLst>
   </p:cSld>

--- a/Java_Mentoring_Revised.pptx
+++ b/Java_Mentoring_Revised.pptx
@@ -5,10 +5,10 @@
     <p:sldMasterId id="2147483660" r:id="rId1"/>
   </p:sldMasterIdLst>
   <p:notesMasterIdLst>
-    <p:notesMasterId r:id="rId52"/>
+    <p:notesMasterId r:id="rId46"/>
   </p:notesMasterIdLst>
   <p:handoutMasterIdLst>
-    <p:handoutMasterId r:id="rId53"/>
+    <p:handoutMasterId r:id="rId47"/>
   </p:handoutMasterIdLst>
   <p:sldIdLst>
     <p:sldId id="341" r:id="rId2"/>
@@ -49,18 +49,12 @@
     <p:sldId id="340" r:id="rId37"/>
     <p:sldId id="303" r:id="rId38"/>
     <p:sldId id="304" r:id="rId39"/>
-    <p:sldId id="352" r:id="rId40"/>
-    <p:sldId id="353" r:id="rId41"/>
-    <p:sldId id="354" r:id="rId42"/>
-    <p:sldId id="355" r:id="rId43"/>
-    <p:sldId id="356" r:id="rId44"/>
-    <p:sldId id="357" r:id="rId45"/>
-    <p:sldId id="281" r:id="rId46"/>
-    <p:sldId id="348" r:id="rId47"/>
-    <p:sldId id="349" r:id="rId48"/>
-    <p:sldId id="350" r:id="rId49"/>
-    <p:sldId id="351" r:id="rId50"/>
-    <p:sldId id="311" r:id="rId51"/>
+    <p:sldId id="281" r:id="rId40"/>
+    <p:sldId id="348" r:id="rId41"/>
+    <p:sldId id="349" r:id="rId42"/>
+    <p:sldId id="350" r:id="rId43"/>
+    <p:sldId id="351" r:id="rId44"/>
+    <p:sldId id="311" r:id="rId45"/>
   </p:sldIdLst>
   <p:sldSz cx="12192000" cy="6858000"/>
   <p:notesSz cx="6858000" cy="9144000"/>
@@ -202,12 +196,6 @@
             <p14:sldId id="340"/>
             <p14:sldId id="303"/>
             <p14:sldId id="304"/>
-            <p14:sldId id="352"/>
-            <p14:sldId id="353"/>
-            <p14:sldId id="354"/>
-            <p14:sldId id="355"/>
-            <p14:sldId id="356"/>
-            <p14:sldId id="357"/>
             <p14:sldId id="281"/>
             <p14:sldId id="348"/>
             <p14:sldId id="349"/>
@@ -321,7 +309,7 @@
           <a:p>
             <a:fld id="{65DD71D7-55AC-46BD-81B3-09AB2F9EFBD8}" type="datetimeFigureOut">
               <a:rPr lang="en-US" smtClean="0"/>
-              <a:t>5/6/2023</a:t>
+              <a:t>5/7/2023</a:t>
             </a:fld>
             <a:endParaRPr lang="en-US"/>
           </a:p>
@@ -486,7 +474,7 @@
           <a:p>
             <a:fld id="{1F89424F-BB59-4F4E-9822-4CA3E770FFD2}" type="datetimeFigureOut">
               <a:rPr lang="en-US" smtClean="0"/>
-              <a:t>5/6/2023</a:t>
+              <a:t>5/7/2023</a:t>
             </a:fld>
             <a:endParaRPr lang="en-US"/>
           </a:p>
@@ -900,7 +888,7 @@
           <a:p>
             <a:fld id="{78BFB28C-BD7D-423C-9158-5BE24283DC10}" type="datetimeFigureOut">
               <a:rPr lang="en-US" smtClean="0"/>
-              <a:t>5/6/2023</a:t>
+              <a:t>5/7/2023</a:t>
             </a:fld>
             <a:endParaRPr lang="en-US"/>
           </a:p>
@@ -1167,7 +1155,7 @@
             <a:fld id="{C9872EE9-AF66-483C-961F-59B9F002993E}" type="datetime1">
               <a:rPr lang="en-US" smtClean="0"/>
               <a:pPr/>
-              <a:t>5/6/2023</a:t>
+              <a:t>5/7/2023</a:t>
             </a:fld>
             <a:endParaRPr lang="en-US" dirty="0"/>
           </a:p>
@@ -1392,7 +1380,7 @@
             <a:fld id="{C7BEAFD5-7FA3-40FB-875B-457FB46B25A4}" type="datetime1">
               <a:rPr lang="en-US" smtClean="0"/>
               <a:pPr/>
-              <a:t>5/6/2023</a:t>
+              <a:t>5/7/2023</a:t>
             </a:fld>
             <a:endParaRPr lang="en-US" dirty="0"/>
           </a:p>
@@ -1607,7 +1595,7 @@
             <a:fld id="{89AD63E2-E931-4653-BB33-A910E07D11B2}" type="datetime1">
               <a:rPr lang="en-US" smtClean="0"/>
               <a:pPr/>
-              <a:t>5/6/2023</a:t>
+              <a:t>5/7/2023</a:t>
             </a:fld>
             <a:endParaRPr lang="en-US" dirty="0"/>
           </a:p>
@@ -1903,7 +1891,7 @@
           <a:p>
             <a:fld id="{78BFB28C-BD7D-423C-9158-5BE24283DC10}" type="datetimeFigureOut">
               <a:rPr lang="en-US" smtClean="0"/>
-              <a:t>5/6/2023</a:t>
+              <a:t>5/7/2023</a:t>
             </a:fld>
             <a:endParaRPr lang="en-US"/>
           </a:p>
@@ -2272,7 +2260,7 @@
             <a:fld id="{C9EA1F43-559A-4B47-A959-EFB6142CA3A9}" type="datetime1">
               <a:rPr lang="en-US" smtClean="0"/>
               <a:pPr/>
-              <a:t>5/6/2023</a:t>
+              <a:t>5/7/2023</a:t>
             </a:fld>
             <a:endParaRPr lang="en-US" dirty="0"/>
           </a:p>
@@ -2701,7 +2689,7 @@
             <a:fld id="{F1261AED-24AE-4AC7-940D-F7106D2788A3}" type="datetime1">
               <a:rPr lang="en-US" smtClean="0"/>
               <a:pPr/>
-              <a:t>5/6/2023</a:t>
+              <a:t>5/7/2023</a:t>
             </a:fld>
             <a:endParaRPr lang="en-US" dirty="0"/>
           </a:p>
@@ -2859,7 +2847,7 @@
             <a:fld id="{EC425771-5E10-4A19-AB0E-909293152332}" type="datetime1">
               <a:rPr lang="en-US" smtClean="0"/>
               <a:pPr/>
-              <a:t>5/6/2023</a:t>
+              <a:t>5/7/2023</a:t>
             </a:fld>
             <a:endParaRPr lang="en-US" dirty="0"/>
           </a:p>
@@ -2989,7 +2977,7 @@
             <a:fld id="{03606FD5-B03F-45D5-A178-114C548C0032}" type="datetime1">
               <a:rPr lang="en-US" smtClean="0"/>
               <a:pPr/>
-              <a:t>5/6/2023</a:t>
+              <a:t>5/7/2023</a:t>
             </a:fld>
             <a:endParaRPr lang="en-US" dirty="0"/>
           </a:p>
@@ -3317,7 +3305,7 @@
             <a:fld id="{E8B012C0-B102-441D-AA86-2C80DFA84E68}" type="datetime1">
               <a:rPr lang="en-US" smtClean="0"/>
               <a:pPr/>
-              <a:t>5/6/2023</a:t>
+              <a:t>5/7/2023</a:t>
             </a:fld>
             <a:endParaRPr lang="en-US" dirty="0"/>
           </a:p>
@@ -3713,7 +3701,7 @@
             <a:fld id="{601E0B12-F9DE-47EF-A076-CF602073F1B2}" type="datetime1">
               <a:rPr lang="en-US" smtClean="0"/>
               <a:pPr/>
-              <a:t>5/6/2023</a:t>
+              <a:t>5/7/2023</a:t>
             </a:fld>
             <a:endParaRPr lang="en-US" dirty="0"/>
           </a:p>
@@ -4027,7 +4015,7 @@
             <a:fld id="{C8B93266-8FB4-430B-8AE3-3A53F50E1A0B}" type="datetime1">
               <a:rPr lang="en-US" smtClean="0"/>
               <a:pPr/>
-              <a:t>5/6/2023</a:t>
+              <a:t>5/7/2023</a:t>
             </a:fld>
             <a:endParaRPr lang="en-US" dirty="0"/>
           </a:p>
@@ -10445,7 +10433,7 @@
                 </a:solidFill>
                 <a:effectLst/>
               </a:rPr>
-              <a:t> cart= new </a:t>
+              <a:t> cart = new </a:t>
             </a:r>
             <a:r>
               <a:rPr lang="en-US" sz="2200" b="0" i="0" dirty="0" err="1">
@@ -13514,7 +13502,7 @@
           <p:cNvPr id="2" name="Title 1">
             <a:extLst>
               <a:ext uri="{FF2B5EF4-FFF2-40B4-BE49-F238E27FC236}">
-                <a16:creationId xmlns:a16="http://schemas.microsoft.com/office/drawing/2014/main" id="{0E9D16C4-AA87-4BBB-8581-2E43F43BF11C}"/>
+                <a16:creationId xmlns:a16="http://schemas.microsoft.com/office/drawing/2014/main" id="{47D9FCD3-0A10-478B-8D26-4EC1AF1A4BB1}"/>
               </a:ext>
             </a:extLst>
           </p:cNvPr>
@@ -13525,143 +13513,65 @@
             <p:ph type="title"/>
           </p:nvPr>
         </p:nvSpPr>
-        <p:spPr/>
+        <p:spPr>
+          <a:xfrm>
+            <a:off x="1295398" y="318515"/>
+            <a:ext cx="9601200" cy="883921"/>
+          </a:xfrm>
+        </p:spPr>
         <p:txBody>
-          <a:bodyPr/>
+          <a:bodyPr>
+            <a:normAutofit/>
+          </a:bodyPr>
           <a:lstStyle/>
           <a:p>
             <a:pPr algn="ctr"/>
             <a:r>
-              <a:rPr lang="en-US" dirty="0"/>
-              <a:t>Sorting in Java</a:t>
+              <a:rPr lang="en-US" sz="4800" dirty="0">
+                <a:latin typeface="+mn-lt"/>
+              </a:rPr>
+              <a:t>Conclusion</a:t>
             </a:r>
           </a:p>
         </p:txBody>
       </p:sp>
       <p:sp>
         <p:nvSpPr>
-          <p:cNvPr id="3" name="Content Placeholder 2">
+          <p:cNvPr id="4" name="TextBox 3">
             <a:extLst>
               <a:ext uri="{FF2B5EF4-FFF2-40B4-BE49-F238E27FC236}">
-                <a16:creationId xmlns:a16="http://schemas.microsoft.com/office/drawing/2014/main" id="{FE46D9F7-C90A-4681-A2B6-55AF576291C0}"/>
+                <a16:creationId xmlns:a16="http://schemas.microsoft.com/office/drawing/2014/main" id="{AA7ECE8B-9C07-4D3F-8F41-589A6C1E9A15}"/>
               </a:ext>
             </a:extLst>
           </p:cNvPr>
-          <p:cNvSpPr>
-            <a:spLocks noGrp="1"/>
-          </p:cNvSpPr>
-          <p:nvPr>
-            <p:ph idx="1"/>
-          </p:nvPr>
+          <p:cNvSpPr txBox="1"/>
+          <p:nvPr/>
         </p:nvSpPr>
         <p:spPr>
           <a:xfrm>
-            <a:off x="838200" y="1536175"/>
-            <a:ext cx="10515600" cy="4351338"/>
+            <a:off x="286701" y="1265432"/>
+            <a:ext cx="11618595" cy="4832092"/>
           </a:xfrm>
+          <a:prstGeom prst="rect">
+            <a:avLst/>
+          </a:prstGeom>
+          <a:noFill/>
         </p:spPr>
         <p:txBody>
-          <a:bodyPr/>
+          <a:bodyPr wrap="square">
+            <a:spAutoFit/>
+          </a:bodyPr>
           <a:lstStyle/>
           <a:p>
-            <a:pPr marL="0" indent="0">
-              <a:buNone/>
-            </a:pPr>
-            <a:r>
-              <a:rPr lang="en-US" dirty="0">
-                <a:solidFill>
-                  <a:schemeClr val="accent5"/>
-                </a:solidFill>
-              </a:rPr>
-              <a:t>What is sorting? Well its exactly what you would expect it to be. Arranging data. You can use various ordering criteria, common ones being sorting numbers from least to greatest or vice-versa.</a:t>
-            </a:r>
-          </a:p>
-          <a:p>
-            <a:pPr marL="0" indent="0">
-              <a:buNone/>
-            </a:pPr>
-            <a:r>
-              <a:rPr lang="en-US" dirty="0">
-                <a:solidFill>
-                  <a:schemeClr val="accent5"/>
-                </a:solidFill>
-              </a:rPr>
-              <a:t>There are 5 main sorting methods in Java:</a:t>
-            </a:r>
-          </a:p>
-          <a:p>
-            <a:pPr algn="l">
-              <a:buFont typeface="+mj-lt"/>
-              <a:buAutoNum type="arabicPeriod"/>
-            </a:pPr>
-            <a:r>
-              <a:rPr lang="en-US" b="0" i="0" dirty="0">
-                <a:solidFill>
-                  <a:schemeClr val="accent5"/>
-                </a:solidFill>
-                <a:effectLst/>
-              </a:rPr>
-              <a:t>Merge Sort</a:t>
-            </a:r>
-          </a:p>
-          <a:p>
-            <a:pPr algn="l">
-              <a:buFont typeface="+mj-lt"/>
-              <a:buAutoNum type="arabicPeriod"/>
-            </a:pPr>
-            <a:r>
-              <a:rPr lang="en-US" b="0" i="0" dirty="0">
-                <a:solidFill>
-                  <a:schemeClr val="accent5"/>
-                </a:solidFill>
-                <a:effectLst/>
-              </a:rPr>
-              <a:t>Heap Sort</a:t>
-            </a:r>
-          </a:p>
-          <a:p>
-            <a:pPr algn="l">
-              <a:buFont typeface="+mj-lt"/>
-              <a:buAutoNum type="arabicPeriod"/>
-            </a:pPr>
-            <a:r>
-              <a:rPr lang="en-US" b="0" i="0" dirty="0">
-                <a:solidFill>
-                  <a:schemeClr val="accent5"/>
-                </a:solidFill>
-                <a:effectLst/>
-              </a:rPr>
-              <a:t>Insertion Sort</a:t>
-            </a:r>
-          </a:p>
-          <a:p>
-            <a:pPr algn="l">
-              <a:buFont typeface="+mj-lt"/>
-              <a:buAutoNum type="arabicPeriod"/>
-            </a:pPr>
-            <a:r>
-              <a:rPr lang="en-US" b="0" i="0" dirty="0">
-                <a:solidFill>
-                  <a:schemeClr val="accent5"/>
-                </a:solidFill>
-                <a:effectLst/>
-              </a:rPr>
-              <a:t>Selection Sort</a:t>
-            </a:r>
-          </a:p>
-          <a:p>
-            <a:pPr algn="l">
-              <a:buFont typeface="+mj-lt"/>
-              <a:buAutoNum type="arabicPeriod"/>
-            </a:pPr>
-            <a:r>
-              <a:rPr lang="en-US" b="0" i="0" dirty="0">
-                <a:solidFill>
-                  <a:schemeClr val="accent5"/>
-                </a:solidFill>
-                <a:effectLst/>
-              </a:rPr>
-              <a:t>Bubble Sort</a:t>
+            <a:pPr algn="l" fontAlgn="base"/>
+            <a:r>
+              <a:rPr lang="en-US" sz="2800" b="0" i="0" dirty="0">
+                <a:solidFill>
+                  <a:schemeClr val="accent5"/>
+                </a:solidFill>
+                <a:effectLst/>
+              </a:rPr>
+              <a:t>It's also important to understand that Java is much different from JavaScript. JavaScript does not need to be compiled, while Java code does needs to be compiled. Also, JavaScript only runs on web browsers while Java can be run anywhere. New and improved software development tools are coming to market at a remarkable pace, displacing incumbent products once thought to be indispensable. In light of this continual turnover, Java’s longevity is impressive; more than two decades after its creation, Java is still the most popular language for application software development—developers continue to choose it over languages such as Python, Ruby, PHP, Swift, C++, and others. As a result, Java remains an important requirement for competing in the job market.</a:t>
             </a:r>
           </a:p>
         </p:txBody>
@@ -13669,7 +13579,7 @@
     </p:spTree>
     <p:extLst>
       <p:ext uri="{BB962C8B-B14F-4D97-AF65-F5344CB8AC3E}">
-        <p14:creationId xmlns:p14="http://schemas.microsoft.com/office/powerpoint/2010/main" val="3233095748"/>
+        <p14:creationId xmlns:p14="http://schemas.microsoft.com/office/powerpoint/2010/main" val="1236591870"/>
       </p:ext>
     </p:extLst>
   </p:cSld>
@@ -13927,7 +13837,7 @@
           <p:cNvPr id="2" name="Title 1">
             <a:extLst>
               <a:ext uri="{FF2B5EF4-FFF2-40B4-BE49-F238E27FC236}">
-                <a16:creationId xmlns:a16="http://schemas.microsoft.com/office/drawing/2014/main" id="{B3EC1257-FA62-4145-9B68-A6F65CE2A13C}"/>
+                <a16:creationId xmlns:a16="http://schemas.microsoft.com/office/drawing/2014/main" id="{B5E2773D-B7D7-4C0C-AD55-6F4CBBFB3A24}"/>
               </a:ext>
             </a:extLst>
           </p:cNvPr>
@@ -13946,17 +13856,17 @@
             <a:pPr algn="ctr"/>
             <a:r>
               <a:rPr lang="en-US" dirty="0"/>
-              <a:t>MergeSort</a:t>
+              <a:t>Java Interview Q&amp;A</a:t>
             </a:r>
           </a:p>
         </p:txBody>
       </p:sp>
       <p:sp>
         <p:nvSpPr>
-          <p:cNvPr id="3" name="Content Placeholder 2">
+          <p:cNvPr id="5" name="Content Placeholder 4">
             <a:extLst>
               <a:ext uri="{FF2B5EF4-FFF2-40B4-BE49-F238E27FC236}">
-                <a16:creationId xmlns:a16="http://schemas.microsoft.com/office/drawing/2014/main" id="{CDA49867-B5BA-48E8-9F46-4345BF7E59E2}"/>
+                <a16:creationId xmlns:a16="http://schemas.microsoft.com/office/drawing/2014/main" id="{42761D7A-4796-45FD-8BC1-CD83E4020497}"/>
               </a:ext>
             </a:extLst>
           </p:cNvPr>
@@ -13969,93 +13879,98 @@
         </p:nvSpPr>
         <p:spPr>
           <a:xfrm>
-            <a:off x="838200" y="1549332"/>
+            <a:off x="838200" y="1753262"/>
             <a:ext cx="10515600" cy="4351338"/>
           </a:xfrm>
         </p:spPr>
         <p:txBody>
-          <a:bodyPr>
-            <a:normAutofit fontScale="62500" lnSpcReduction="20000"/>
-          </a:bodyPr>
+          <a:bodyPr/>
           <a:lstStyle/>
           <a:p>
             <a:pPr marL="0" indent="0">
               <a:buNone/>
             </a:pPr>
             <a:r>
-              <a:rPr lang="en-US" dirty="0">
-                <a:solidFill>
-                  <a:schemeClr val="accent5"/>
-                </a:solidFill>
-              </a:rPr>
-              <a:t>Merge sort is one of the most flexible sorting algorithms in java known to mankind (yes, no kidding). It uses the divide and conquers strategy for sorting elements in an array. It is also a stable sort, meaning that it will not change the order of the original elements in an array concerning each other. The underlying strategy breaks up the array into multiple smaller segments till segments of only two elements (or one element) are obtained. Now, elements in these segments are sorted and the segments are merged to form larger segments. This process continues till the entire array is sorted.</a:t>
+              <a:rPr lang="en-US" b="1" i="0" dirty="0">
+                <a:solidFill>
+                  <a:schemeClr val="accent5"/>
+                </a:solidFill>
+                <a:effectLst/>
+              </a:rPr>
+              <a:t>What are the differences between Heap and Stack Memory in Java?</a:t>
+            </a:r>
+          </a:p>
+          <a:p>
+            <a:pPr marL="514350" indent="-514350">
+              <a:buFont typeface="+mj-lt"/>
+              <a:buAutoNum type="alphaUcPeriod"/>
+            </a:pPr>
+            <a:r>
+              <a:rPr lang="en-US" b="0" i="1" dirty="0">
+                <a:solidFill>
+                  <a:schemeClr val="accent5"/>
+                </a:solidFill>
+                <a:effectLst/>
+              </a:rPr>
+              <a:t>Stack is generally used to store the order of method execution and local variables. In contrast, Heap memory is used to store the objects. After storing, they use dynamic memory allocation and deallocation.</a:t>
             </a:r>
           </a:p>
           <a:p>
             <a:pPr marL="0" indent="0">
               <a:buNone/>
             </a:pPr>
-            <a:endParaRPr lang="en-US" dirty="0">
+            <a:r>
+              <a:rPr lang="en-US" b="1" i="0" dirty="0">
+                <a:solidFill>
+                  <a:schemeClr val="accent5"/>
+                </a:solidFill>
+                <a:effectLst/>
+              </a:rPr>
+              <a:t>What is the default value stored in Local Variables?</a:t>
+            </a:r>
+          </a:p>
+          <a:p>
+            <a:pPr marL="514350" indent="-514350">
+              <a:buFont typeface="+mj-lt"/>
+              <a:buAutoNum type="alphaUcPeriod"/>
+            </a:pPr>
+            <a:r>
+              <a:rPr lang="en-US" b="0" i="1" dirty="0">
+                <a:solidFill>
+                  <a:schemeClr val="accent5"/>
+                </a:solidFill>
+                <a:effectLst/>
+              </a:rPr>
+              <a:t>In Java, when you make the constructor of a class private, that particular class can generate only one object. This type of class is popularly known as a Singleton Class.</a:t>
+            </a:r>
+            <a:endParaRPr lang="en-US" b="1" i="1" dirty="0">
               <a:solidFill>
                 <a:schemeClr val="accent5"/>
               </a:solidFill>
+              <a:effectLst/>
             </a:endParaRPr>
           </a:p>
           <a:p>
             <a:pPr marL="0" indent="0">
               <a:buNone/>
             </a:pPr>
-            <a:r>
-              <a:rPr lang="en-US" dirty="0">
-                <a:solidFill>
-                  <a:schemeClr val="accent5"/>
-                </a:solidFill>
-              </a:rPr>
-              <a:t>This algorithm has two main parts:</a:t>
-            </a:r>
-          </a:p>
-          <a:p>
-            <a:pPr marL="0" indent="0">
-              <a:buNone/>
-            </a:pPr>
-            <a:endParaRPr lang="en-US" dirty="0">
+            <a:endParaRPr lang="en-US" b="0" dirty="0">
               <a:solidFill>
-                <a:schemeClr val="accent5"/>
+                <a:srgbClr val="272C37"/>
               </a:solidFill>
+              <a:effectLst/>
+              <a:latin typeface="Roboto" panose="02000000000000000000" pitchFamily="2" charset="0"/>
             </a:endParaRPr>
           </a:p>
           <a:p>
-            <a:pPr marL="0" indent="0">
-              <a:buNone/>
-            </a:pPr>
-            <a:r>
-              <a:rPr lang="en-US" dirty="0">
-                <a:solidFill>
-                  <a:schemeClr val="accent5"/>
-                </a:solidFill>
-              </a:rPr>
-              <a:t>mergeSort() – This function calculates the middle index for the subarray and then partitions the subarray into two halves. The first half runs from index left to middle, while the second half runs from index middle+1 to right. After the partitioning is done, this function automatically calls the merge() function for sorting the subarray being handled by the mergeSort() call.</a:t>
-            </a:r>
-          </a:p>
-          <a:p>
-            <a:pPr marL="0" indent="0">
-              <a:buNone/>
-            </a:pPr>
-            <a:r>
-              <a:rPr lang="en-US" dirty="0">
-                <a:solidFill>
-                  <a:schemeClr val="accent5"/>
-                </a:solidFill>
-              </a:rPr>
-              <a:t>merge() – This function does the actual heavy lifting for the sorting process. It requires the input of four parameters – the array, the starting index (left), the middle index (middle), and the ending index (right). Once received, merge() will split the subarray into two subarrays – one left subarray and one right subarray. The left subarray runs from index left to middle, while the right subarray runs from index middle+1 to right. This function then merges the two subarrays to get the sorted subarray.</a:t>
-            </a:r>
+            <a:endParaRPr lang="en-US" dirty="0"/>
           </a:p>
         </p:txBody>
       </p:sp>
     </p:spTree>
     <p:extLst>
       <p:ext uri="{BB962C8B-B14F-4D97-AF65-F5344CB8AC3E}">
-        <p14:creationId xmlns:p14="http://schemas.microsoft.com/office/powerpoint/2010/main" val="2746468294"/>
+        <p14:creationId xmlns:p14="http://schemas.microsoft.com/office/powerpoint/2010/main" val="620989336"/>
       </p:ext>
     </p:extLst>
   </p:cSld>
@@ -14099,7 +14014,7 @@
           <p:cNvPr id="2" name="Title 1">
             <a:extLst>
               <a:ext uri="{FF2B5EF4-FFF2-40B4-BE49-F238E27FC236}">
-                <a16:creationId xmlns:a16="http://schemas.microsoft.com/office/drawing/2014/main" id="{13817FC9-B5A7-43D3-BD41-64D241668E66}"/>
+                <a16:creationId xmlns:a16="http://schemas.microsoft.com/office/drawing/2014/main" id="{375A59B7-568B-4D58-86A5-0F5A973CE362}"/>
               </a:ext>
             </a:extLst>
           </p:cNvPr>
@@ -14118,7 +14033,7 @@
             <a:pPr algn="ctr"/>
             <a:r>
               <a:rPr lang="en-US" dirty="0"/>
-              <a:t>HeapSort</a:t>
+              <a:t>Java Interview Q&amp;A</a:t>
             </a:r>
           </a:p>
         </p:txBody>
@@ -14128,7 +14043,7 @@
           <p:cNvPr id="3" name="Content Placeholder 2">
             <a:extLst>
               <a:ext uri="{FF2B5EF4-FFF2-40B4-BE49-F238E27FC236}">
-                <a16:creationId xmlns:a16="http://schemas.microsoft.com/office/drawing/2014/main" id="{1505C56B-697C-43CA-BB82-D5D9BF14F469}"/>
+                <a16:creationId xmlns:a16="http://schemas.microsoft.com/office/drawing/2014/main" id="{C4430901-1F8B-4919-A893-5D7580B63821}"/>
               </a:ext>
             </a:extLst>
           </p:cNvPr>
@@ -14141,116 +14056,207 @@
         </p:nvSpPr>
         <p:spPr>
           <a:xfrm>
-            <a:off x="590139" y="1486722"/>
-            <a:ext cx="11011722" cy="4538937"/>
+            <a:off x="838200" y="1759841"/>
+            <a:ext cx="10515600" cy="4351338"/>
           </a:xfrm>
         </p:spPr>
         <p:txBody>
           <a:bodyPr>
-            <a:normAutofit fontScale="55000" lnSpcReduction="20000"/>
+            <a:normAutofit fontScale="92500" lnSpcReduction="10000"/>
           </a:bodyPr>
           <a:lstStyle/>
           <a:p>
-            <a:pPr marL="0" indent="0">
-              <a:buNone/>
-            </a:pPr>
-            <a:r>
-              <a:rPr lang="en-US" dirty="0">
-                <a:solidFill>
-                  <a:schemeClr val="accent5"/>
-                </a:solidFill>
-              </a:rPr>
-              <a:t>Heap sort is one of the most important sorting methods in java that one needs to learn to get into sorting. It combines the concepts of a tree as well as sorting, properly reinforcing the use of concepts from both. A heap is a complete binary search tree where items are stored in a special order depending on the requirement. A min-heap contains the minimum element at the root, and every child of the root must be greater than the root itself. The children at the level after that must be greater than these children, and so on. Similarly, a max-heap contains the maximum element at the root. For the sorting process, the heap is stored as an array where for every parent node at the index i, the left child is at index 2 * i + 1, and the right child is at index 2 * i + 2.</a:t>
-            </a:r>
-          </a:p>
-          <a:p>
-            <a:pPr marL="0" indent="0">
-              <a:buNone/>
-            </a:pPr>
-            <a:endParaRPr lang="en-US" dirty="0">
+            <a:pPr marL="0" indent="0" algn="l">
+              <a:buNone/>
+            </a:pPr>
+            <a:r>
+              <a:rPr lang="en-US" sz="1800" b="1" i="0" dirty="0">
+                <a:solidFill>
+                  <a:schemeClr val="accent5"/>
+                </a:solidFill>
+                <a:effectLst/>
+              </a:rPr>
+              <a:t>Explain the expected output of the following code segment?</a:t>
+            </a:r>
+          </a:p>
+          <a:p>
+            <a:pPr marL="0" indent="0" algn="l">
+              <a:buNone/>
+            </a:pPr>
+            <a:r>
+              <a:rPr lang="en-US" sz="1800" b="1" i="0" dirty="0">
+                <a:solidFill>
+                  <a:schemeClr val="accent5"/>
+                </a:solidFill>
+                <a:effectLst/>
+              </a:rPr>
+              <a:t>public class Simplilearn   </a:t>
+            </a:r>
+          </a:p>
+          <a:p>
+            <a:pPr marL="0" indent="0" algn="l">
+              <a:buNone/>
+            </a:pPr>
+            <a:r>
+              <a:rPr lang="en-US" sz="1800" b="1" i="0" dirty="0">
+                <a:solidFill>
+                  <a:schemeClr val="accent5"/>
+                </a:solidFill>
+                <a:effectLst/>
+              </a:rPr>
+              <a:t>{  </a:t>
+            </a:r>
+          </a:p>
+          <a:p>
+            <a:pPr marL="0" indent="0" algn="l">
+              <a:buNone/>
+            </a:pPr>
+            <a:r>
+              <a:rPr lang="en-US" sz="1800" b="1" i="0" dirty="0">
+                <a:solidFill>
+                  <a:schemeClr val="accent5"/>
+                </a:solidFill>
+                <a:effectLst/>
+              </a:rPr>
+              <a:t>    public static void main (String args[])   </a:t>
+            </a:r>
+          </a:p>
+          <a:p>
+            <a:pPr marL="0" indent="0" algn="l">
+              <a:buNone/>
+            </a:pPr>
+            <a:r>
+              <a:rPr lang="en-US" sz="1800" b="1" i="0" dirty="0">
+                <a:solidFill>
+                  <a:schemeClr val="accent5"/>
+                </a:solidFill>
+                <a:effectLst/>
+              </a:rPr>
+              <a:t>    {  </a:t>
+            </a:r>
+          </a:p>
+          <a:p>
+            <a:pPr marL="0" indent="0" algn="l">
+              <a:buNone/>
+            </a:pPr>
+            <a:r>
+              <a:rPr lang="en-US" sz="1800" b="1" i="0" dirty="0">
+                <a:solidFill>
+                  <a:schemeClr val="accent5"/>
+                </a:solidFill>
+                <a:effectLst/>
+              </a:rPr>
+              <a:t>        System.out.println(100 + 100 +"Simplilearn");   </a:t>
+            </a:r>
+          </a:p>
+          <a:p>
+            <a:pPr marL="0" indent="0" algn="l">
+              <a:buNone/>
+            </a:pPr>
+            <a:r>
+              <a:rPr lang="en-US" sz="1800" b="1" i="0" dirty="0">
+                <a:solidFill>
+                  <a:schemeClr val="accent5"/>
+                </a:solidFill>
+                <a:effectLst/>
+              </a:rPr>
+              <a:t>        System.out.println("E-Learning Company" + 100 + 100);  </a:t>
+            </a:r>
+          </a:p>
+          <a:p>
+            <a:pPr marL="0" indent="0" algn="l">
+              <a:buNone/>
+            </a:pPr>
+            <a:r>
+              <a:rPr lang="en-US" sz="1800" b="1" i="0" dirty="0">
+                <a:solidFill>
+                  <a:schemeClr val="accent5"/>
+                </a:solidFill>
+                <a:effectLst/>
+              </a:rPr>
+              <a:t>    }  </a:t>
+            </a:r>
+          </a:p>
+          <a:p>
+            <a:pPr marL="0" indent="0" algn="l">
+              <a:buNone/>
+            </a:pPr>
+            <a:r>
+              <a:rPr lang="en-US" sz="1800" b="1" i="0" dirty="0">
+                <a:solidFill>
+                  <a:schemeClr val="accent5"/>
+                </a:solidFill>
+                <a:effectLst/>
+              </a:rPr>
+              <a:t>}</a:t>
+            </a:r>
+          </a:p>
+          <a:p>
+            <a:pPr marL="514350" indent="-514350" algn="l">
+              <a:buFont typeface="+mj-lt"/>
+              <a:buAutoNum type="alphaUcPeriod"/>
+            </a:pPr>
+            <a:r>
+              <a:rPr lang="en-US" sz="2200" b="0" i="1" dirty="0">
+                <a:solidFill>
+                  <a:schemeClr val="accent5"/>
+                </a:solidFill>
+                <a:effectLst/>
+              </a:rPr>
+              <a:t>The code will print out</a:t>
+            </a:r>
+          </a:p>
+          <a:p>
+            <a:pPr marL="571500" indent="-571500" algn="l">
+              <a:buFont typeface="+mj-lt"/>
+              <a:buAutoNum type="romanUcPeriod"/>
+            </a:pPr>
+            <a:r>
+              <a:rPr lang="en-US" sz="2200" b="0" i="1" dirty="0">
+                <a:solidFill>
+                  <a:schemeClr val="accent5"/>
+                </a:solidFill>
+                <a:effectLst/>
+              </a:rPr>
+              <a:t>200Simplilearn</a:t>
+            </a:r>
+          </a:p>
+          <a:p>
+            <a:pPr marL="571500" indent="-571500" algn="l">
+              <a:buFont typeface="+mj-lt"/>
+              <a:buAutoNum type="romanUcPeriod"/>
+            </a:pPr>
+            <a:r>
+              <a:rPr lang="en-US" sz="2200" b="0" i="1" dirty="0">
+                <a:solidFill>
+                  <a:schemeClr val="accent5"/>
+                </a:solidFill>
+                <a:effectLst/>
+              </a:rPr>
+              <a:t>E-Learning Company100100</a:t>
+            </a:r>
+          </a:p>
+          <a:p>
+            <a:pPr marL="0" indent="0" algn="l">
+              <a:buNone/>
+            </a:pPr>
+            <a:endParaRPr lang="en-US" b="0" i="0" dirty="0">
               <a:solidFill>
-                <a:schemeClr val="accent5"/>
+                <a:srgbClr val="51565E"/>
               </a:solidFill>
+              <a:effectLst/>
+              <a:latin typeface="Roboto" panose="02000000000000000000" pitchFamily="2" charset="0"/>
             </a:endParaRPr>
           </a:p>
           <a:p>
-            <a:pPr marL="0" indent="0">
-              <a:buNone/>
-            </a:pPr>
-            <a:r>
-              <a:rPr lang="en-US" dirty="0">
-                <a:solidFill>
-                  <a:schemeClr val="accent5"/>
-                </a:solidFill>
-              </a:rPr>
-              <a:t>A max heap is built with the elements of the unsorted array, and then the maximum element is extracted from the root of the array and then exchanged with the last element of the array. Once done, the max heap is rebuilt for getting the next maximum element. This process continues till there is only one node present in the heap.</a:t>
-            </a:r>
-          </a:p>
-          <a:p>
-            <a:pPr marL="0" indent="0">
-              <a:buNone/>
-            </a:pPr>
-            <a:endParaRPr lang="en-US" dirty="0">
-              <a:solidFill>
-                <a:schemeClr val="accent5"/>
-              </a:solidFill>
-            </a:endParaRPr>
-          </a:p>
-          <a:p>
-            <a:pPr marL="0" indent="0">
-              <a:buNone/>
-            </a:pPr>
-            <a:r>
-              <a:rPr lang="en-US" dirty="0">
-                <a:solidFill>
-                  <a:schemeClr val="accent5"/>
-                </a:solidFill>
-              </a:rPr>
-              <a:t>This algorithm has two main parts:-</a:t>
-            </a:r>
-          </a:p>
-          <a:p>
-            <a:pPr marL="0" indent="0">
-              <a:buNone/>
-            </a:pPr>
-            <a:endParaRPr lang="en-US" dirty="0">
-              <a:solidFill>
-                <a:schemeClr val="accent5"/>
-              </a:solidFill>
-            </a:endParaRPr>
-          </a:p>
-          <a:p>
-            <a:pPr marL="0" indent="0">
-              <a:buNone/>
-            </a:pPr>
-            <a:r>
-              <a:rPr lang="en-US" dirty="0">
-                <a:solidFill>
-                  <a:schemeClr val="accent5"/>
-                </a:solidFill>
-              </a:rPr>
-              <a:t>heapSort() – This function helps construct the max heap initially for use. Once done, every root element is extracted and sent to the end of the array. Once done, the max heap is reconstructed from the root. The root is again extracted and sent to the end of the array, and hence the process continues.</a:t>
-            </a:r>
-          </a:p>
-          <a:p>
-            <a:pPr marL="0" indent="0">
-              <a:buNone/>
-            </a:pPr>
-            <a:r>
-              <a:rPr lang="en-US" dirty="0">
-                <a:solidFill>
-                  <a:schemeClr val="accent5"/>
-                </a:solidFill>
-              </a:rPr>
-              <a:t>heap() – This function is the building block of the heap sort algorithm. This function determines the maximum from the element being examined as the root and its two children. If the maximum is among the children of the root, the root and its child are swapped. This process is then repeated for the new root. When the maximum element in the array is found (such that its children are smaller than it) the function stops. For the node at index i, the left child is at index 2 * i + 1, and the right child is at index 2 * i + 2 (indexing in an array starts from 0, so the root is at 0).</a:t>
-            </a:r>
+            <a:endParaRPr lang="en-US" dirty="0"/>
           </a:p>
         </p:txBody>
       </p:sp>
     </p:spTree>
     <p:extLst>
       <p:ext uri="{BB962C8B-B14F-4D97-AF65-F5344CB8AC3E}">
-        <p14:creationId xmlns:p14="http://schemas.microsoft.com/office/powerpoint/2010/main" val="2050851769"/>
+        <p14:creationId xmlns:p14="http://schemas.microsoft.com/office/powerpoint/2010/main" val="4164338285"/>
       </p:ext>
     </p:extLst>
   </p:cSld>
@@ -14294,7 +14300,7 @@
           <p:cNvPr id="2" name="Title 1">
             <a:extLst>
               <a:ext uri="{FF2B5EF4-FFF2-40B4-BE49-F238E27FC236}">
-                <a16:creationId xmlns:a16="http://schemas.microsoft.com/office/drawing/2014/main" id="{965AD3AF-F71A-40BA-932C-402AAF78E839}"/>
+                <a16:creationId xmlns:a16="http://schemas.microsoft.com/office/drawing/2014/main" id="{2964F35A-8E0F-42DA-BFD6-2E3E8BA24C95}"/>
               </a:ext>
             </a:extLst>
           </p:cNvPr>
@@ -14305,12 +14311,7 @@
             <p:ph type="title"/>
           </p:nvPr>
         </p:nvSpPr>
-        <p:spPr>
-          <a:xfrm>
-            <a:off x="838200" y="266449"/>
-            <a:ext cx="10515600" cy="1325563"/>
-          </a:xfrm>
-        </p:spPr>
+        <p:spPr/>
         <p:txBody>
           <a:bodyPr/>
           <a:lstStyle/>
@@ -14318,7 +14319,7 @@
             <a:pPr algn="ctr"/>
             <a:r>
               <a:rPr lang="en-US" dirty="0"/>
-              <a:t>InsertionSort</a:t>
+              <a:t>Java Interview Q&amp;A</a:t>
             </a:r>
           </a:p>
         </p:txBody>
@@ -14328,7 +14329,7 @@
           <p:cNvPr id="3" name="Content Placeholder 2">
             <a:extLst>
               <a:ext uri="{FF2B5EF4-FFF2-40B4-BE49-F238E27FC236}">
-                <a16:creationId xmlns:a16="http://schemas.microsoft.com/office/drawing/2014/main" id="{32DF87AE-72F9-463B-A9C6-4C48463BED13}"/>
+                <a16:creationId xmlns:a16="http://schemas.microsoft.com/office/drawing/2014/main" id="{D0678A55-C8F5-48AE-9FE7-0F87FD04C138}"/>
               </a:ext>
             </a:extLst>
           </p:cNvPr>
@@ -14339,133 +14340,97 @@
             <p:ph idx="1"/>
           </p:nvPr>
         </p:nvSpPr>
-        <p:spPr>
-          <a:xfrm>
-            <a:off x="838200" y="1444076"/>
-            <a:ext cx="10515600" cy="4575175"/>
-          </a:xfrm>
-        </p:spPr>
+        <p:spPr/>
         <p:txBody>
           <a:bodyPr>
-            <a:normAutofit fontScale="92500" lnSpcReduction="10000"/>
+            <a:normAutofit fontScale="92500" lnSpcReduction="20000"/>
           </a:bodyPr>
           <a:lstStyle/>
           <a:p>
-            <a:pPr marL="0" indent="0" algn="l">
-              <a:buNone/>
-            </a:pPr>
-            <a:r>
-              <a:rPr lang="en-US" sz="2400" b="0" i="0" dirty="0">
-                <a:solidFill>
-                  <a:schemeClr val="accent5"/>
-                </a:solidFill>
-                <a:effectLst/>
-              </a:rPr>
-              <a:t>While insertion sort isn’t a much-optimized algorithm for sorting an array, it is one of the more easily understood ones. Implementation is pretty easy too. In insertion sort, one picks up an element and considers it to be the key. If the key is smaller than its predecessor, it is shifted to its correct location in the array.</a:t>
-            </a:r>
-          </a:p>
-          <a:p>
-            <a:pPr marL="0" indent="0" algn="l">
-              <a:buNone/>
-            </a:pPr>
-            <a:r>
-              <a:rPr lang="en-US" sz="2400" b="0" i="0" dirty="0">
-                <a:solidFill>
-                  <a:schemeClr val="accent5"/>
-                </a:solidFill>
-                <a:effectLst/>
-              </a:rPr>
-              <a:t>Algorithm:</a:t>
-            </a:r>
-          </a:p>
-          <a:p>
-            <a:pPr algn="l">
+            <a:pPr marL="0" indent="0">
+              <a:buNone/>
+            </a:pPr>
+            <a:r>
+              <a:rPr lang="en-US" b="1" i="0" dirty="0">
+                <a:solidFill>
+                  <a:schemeClr val="accent5"/>
+                </a:solidFill>
+                <a:effectLst/>
+              </a:rPr>
+              <a:t>Define Wrapper Classes in Java.</a:t>
+            </a:r>
+          </a:p>
+          <a:p>
+            <a:pPr marL="514350" indent="-514350">
               <a:buFont typeface="+mj-lt"/>
-              <a:buAutoNum type="arabicPeriod"/>
-            </a:pPr>
-            <a:r>
-              <a:rPr lang="en-US" sz="2400" b="0" i="0" dirty="0">
-                <a:solidFill>
-                  <a:schemeClr val="accent5"/>
-                </a:solidFill>
-                <a:effectLst/>
-              </a:rPr>
-              <a:t>START</a:t>
-            </a:r>
-          </a:p>
-          <a:p>
-            <a:pPr algn="l">
+              <a:buAutoNum type="alphaUcPeriod"/>
+            </a:pPr>
+            <a:r>
+              <a:rPr lang="en-US" b="0" i="1" dirty="0">
+                <a:solidFill>
+                  <a:schemeClr val="accent5"/>
+                </a:solidFill>
+                <a:effectLst/>
+              </a:rPr>
+              <a:t>In Java, when you declare primitive datatypes, then Wrapper classes are responsible for converting them into objects(Reference types)</a:t>
+            </a:r>
+          </a:p>
+          <a:p>
+            <a:pPr marL="0" indent="0">
+              <a:buNone/>
+            </a:pPr>
+            <a:r>
+              <a:rPr lang="en-US" b="1" i="0" dirty="0">
+                <a:solidFill>
+                  <a:schemeClr val="accent5"/>
+                </a:solidFill>
+                <a:effectLst/>
+              </a:rPr>
+              <a:t>Define package in Java.</a:t>
+            </a:r>
+          </a:p>
+          <a:p>
+            <a:pPr marL="514350" indent="-514350">
               <a:buFont typeface="+mj-lt"/>
-              <a:buAutoNum type="arabicPeriod"/>
-            </a:pPr>
-            <a:r>
-              <a:rPr lang="en-US" sz="2400" b="0" i="0" dirty="0">
-                <a:solidFill>
-                  <a:schemeClr val="accent5"/>
-                </a:solidFill>
-                <a:effectLst/>
-              </a:rPr>
-              <a:t>Repeat steps 2 to 4 till the array end is reached.</a:t>
-            </a:r>
-          </a:p>
-          <a:p>
-            <a:pPr algn="l">
+              <a:buAutoNum type="alphaUcPeriod"/>
+            </a:pPr>
+            <a:r>
+              <a:rPr lang="en-US" b="0" i="1" dirty="0">
+                <a:solidFill>
+                  <a:schemeClr val="accent5"/>
+                </a:solidFill>
+                <a:effectLst/>
+              </a:rPr>
+              <a:t>The package is a collective bundle of classes and interfaces and the necessary libraries and JAR files. The use of packages helps in code reusability.</a:t>
+            </a:r>
+          </a:p>
+          <a:p>
+            <a:pPr marL="0" indent="0">
+              <a:buNone/>
+            </a:pPr>
+            <a:r>
+              <a:rPr lang="en-US" b="1" i="0" dirty="0">
+                <a:solidFill>
+                  <a:schemeClr val="accent5"/>
+                </a:solidFill>
+                <a:effectLst/>
+              </a:rPr>
+              <a:t>Can you implement pointers in a Java Program?</a:t>
+            </a:r>
+          </a:p>
+          <a:p>
+            <a:pPr marL="514350" indent="-514350">
               <a:buFont typeface="+mj-lt"/>
-              <a:buAutoNum type="arabicPeriod"/>
-            </a:pPr>
-            <a:r>
-              <a:rPr lang="en-US" sz="2400" b="0" i="0" dirty="0">
-                <a:solidFill>
-                  <a:schemeClr val="accent5"/>
-                </a:solidFill>
-                <a:effectLst/>
-              </a:rPr>
-              <a:t>Compare the element at current index i with its predecessor. If it is smaller, repeat step 3.</a:t>
-            </a:r>
-          </a:p>
-          <a:p>
-            <a:pPr algn="l">
-              <a:buFont typeface="+mj-lt"/>
-              <a:buAutoNum type="arabicPeriod"/>
-            </a:pPr>
-            <a:r>
-              <a:rPr lang="en-US" sz="2400" b="0" i="0" dirty="0">
-                <a:solidFill>
-                  <a:schemeClr val="accent5"/>
-                </a:solidFill>
-                <a:effectLst/>
-              </a:rPr>
-              <a:t>Keep shifting elements from the “sorted” section of the array till the correct location of the key is found.</a:t>
-            </a:r>
-          </a:p>
-          <a:p>
-            <a:pPr algn="l">
-              <a:buFont typeface="+mj-lt"/>
-              <a:buAutoNum type="arabicPeriod"/>
-            </a:pPr>
-            <a:r>
-              <a:rPr lang="en-US" sz="2400" b="0" i="0" dirty="0">
-                <a:solidFill>
-                  <a:schemeClr val="accent5"/>
-                </a:solidFill>
-                <a:effectLst/>
-              </a:rPr>
-              <a:t>Increment loop variable.</a:t>
-            </a:r>
-          </a:p>
-          <a:p>
-            <a:pPr algn="l">
-              <a:buFont typeface="+mj-lt"/>
-              <a:buAutoNum type="arabicPeriod"/>
-            </a:pPr>
-            <a:r>
-              <a:rPr lang="en-US" sz="2400" b="0" i="0" dirty="0">
-                <a:solidFill>
-                  <a:schemeClr val="accent5"/>
-                </a:solidFill>
-                <a:effectLst/>
-              </a:rPr>
-              <a:t>END</a:t>
+              <a:buAutoNum type="alphaUcPeriod"/>
+            </a:pPr>
+            <a:r>
+              <a:rPr lang="en-US" b="0" i="1" dirty="0">
+                <a:solidFill>
+                  <a:schemeClr val="accent5"/>
+                </a:solidFill>
+                <a:effectLst/>
+              </a:rPr>
+              <a:t>Java Virtual Machine takes care of memory management implicitly. Java's primary motto was to keep programming simple. So, accessing memory directly through pointers is not a recommended action. Hence, pointers are eliminated in Java. </a:t>
             </a:r>
           </a:p>
           <a:p>
@@ -14479,7 +14444,7 @@
     </p:spTree>
     <p:extLst>
       <p:ext uri="{BB962C8B-B14F-4D97-AF65-F5344CB8AC3E}">
-        <p14:creationId xmlns:p14="http://schemas.microsoft.com/office/powerpoint/2010/main" val="1146046080"/>
+        <p14:creationId xmlns:p14="http://schemas.microsoft.com/office/powerpoint/2010/main" val="2631316214"/>
       </p:ext>
     </p:extLst>
   </p:cSld>
@@ -14523,7 +14488,7 @@
           <p:cNvPr id="2" name="Title 1">
             <a:extLst>
               <a:ext uri="{FF2B5EF4-FFF2-40B4-BE49-F238E27FC236}">
-                <a16:creationId xmlns:a16="http://schemas.microsoft.com/office/drawing/2014/main" id="{AB2C446E-D1BB-4661-9846-0707E307151B}"/>
+                <a16:creationId xmlns:a16="http://schemas.microsoft.com/office/drawing/2014/main" id="{F7B27FE7-493A-4779-97D0-2CC0D1860EB2}"/>
               </a:ext>
             </a:extLst>
           </p:cNvPr>
@@ -14542,7 +14507,7 @@
             <a:pPr algn="ctr"/>
             <a:r>
               <a:rPr lang="en-US" dirty="0"/>
-              <a:t>SelectionSort</a:t>
+              <a:t>Java Interview Q&amp;A</a:t>
             </a:r>
           </a:p>
         </p:txBody>
@@ -14552,7 +14517,7 @@
           <p:cNvPr id="3" name="Content Placeholder 2">
             <a:extLst>
               <a:ext uri="{FF2B5EF4-FFF2-40B4-BE49-F238E27FC236}">
-                <a16:creationId xmlns:a16="http://schemas.microsoft.com/office/drawing/2014/main" id="{D27E65AD-B43B-4D03-BF8B-87868C279585}"/>
+                <a16:creationId xmlns:a16="http://schemas.microsoft.com/office/drawing/2014/main" id="{F36D5D66-905E-45B0-A425-F6DBD6435755}"/>
               </a:ext>
             </a:extLst>
           </p:cNvPr>
@@ -14566,7 +14531,7 @@
         <p:spPr/>
         <p:txBody>
           <a:bodyPr>
-            <a:normAutofit fontScale="62500" lnSpcReduction="20000"/>
+            <a:normAutofit lnSpcReduction="10000"/>
           </a:bodyPr>
           <a:lstStyle/>
           <a:p>
@@ -14574,144 +14539,88 @@
               <a:buNone/>
             </a:pPr>
             <a:r>
-              <a:rPr lang="en-US" dirty="0">
-                <a:solidFill>
-                  <a:schemeClr val="accent5"/>
-                </a:solidFill>
-              </a:rPr>
-              <a:t>In selection sort, two loops are used. The inner loop one picks the minimum element from the array and shifts it to its correct index indicated by the outer loop. In every run of the outer loop, one element is shifted to its correct location in the array. It is a very popular sorting algorithm in python as well.</a:t>
-            </a:r>
-          </a:p>
-          <a:p>
-            <a:pPr marL="0" indent="0">
-              <a:buNone/>
-            </a:pPr>
-            <a:endParaRPr lang="en-US" dirty="0">
-              <a:solidFill>
-                <a:schemeClr val="accent5"/>
-              </a:solidFill>
-            </a:endParaRPr>
-          </a:p>
-          <a:p>
-            <a:pPr marL="0" indent="0">
-              <a:buNone/>
-            </a:pPr>
-            <a:r>
-              <a:rPr lang="en-US" dirty="0">
-                <a:solidFill>
-                  <a:schemeClr val="accent5"/>
-                </a:solidFill>
-              </a:rPr>
-              <a:t>Algorithm:</a:t>
-            </a:r>
-          </a:p>
-          <a:p>
-            <a:pPr marL="0" indent="0">
-              <a:buNone/>
-            </a:pPr>
-            <a:endParaRPr lang="en-US" dirty="0">
-              <a:solidFill>
-                <a:schemeClr val="accent5"/>
-              </a:solidFill>
-            </a:endParaRPr>
-          </a:p>
-          <a:p>
-            <a:pPr marL="0" indent="0">
-              <a:buNone/>
-            </a:pPr>
-            <a:r>
-              <a:rPr lang="en-US" dirty="0">
-                <a:solidFill>
-                  <a:schemeClr val="accent5"/>
-                </a:solidFill>
-              </a:rPr>
-              <a:t>START</a:t>
-            </a:r>
-          </a:p>
-          <a:p>
-            <a:pPr marL="0" indent="0">
-              <a:buNone/>
-            </a:pPr>
-            <a:r>
-              <a:rPr lang="en-US" dirty="0">
-                <a:solidFill>
-                  <a:schemeClr val="accent5"/>
-                </a:solidFill>
-              </a:rPr>
-              <a:t>Run two loops: an inner loop and an outer loop.</a:t>
-            </a:r>
-          </a:p>
-          <a:p>
-            <a:pPr marL="0" indent="0">
-              <a:buNone/>
-            </a:pPr>
-            <a:r>
-              <a:rPr lang="en-US" dirty="0">
-                <a:solidFill>
-                  <a:schemeClr val="accent5"/>
-                </a:solidFill>
-              </a:rPr>
-              <a:t>Repeat steps till the minimum element are found.</a:t>
-            </a:r>
-          </a:p>
-          <a:p>
-            <a:pPr marL="0" indent="0">
-              <a:buNone/>
-            </a:pPr>
-            <a:r>
-              <a:rPr lang="en-US" dirty="0">
-                <a:solidFill>
-                  <a:schemeClr val="accent5"/>
-                </a:solidFill>
-              </a:rPr>
-              <a:t>Mark the element marked by the outer loop variable as a minimum.</a:t>
-            </a:r>
-          </a:p>
-          <a:p>
-            <a:pPr marL="0" indent="0">
-              <a:buNone/>
-            </a:pPr>
-            <a:r>
-              <a:rPr lang="en-US" dirty="0">
-                <a:solidFill>
-                  <a:schemeClr val="accent5"/>
-                </a:solidFill>
-              </a:rPr>
-              <a:t>If the current element in the inner loop is smaller than the marked minimum element, change the value of the minimum element to the current element.</a:t>
-            </a:r>
-          </a:p>
-          <a:p>
-            <a:pPr marL="0" indent="0">
-              <a:buNone/>
-            </a:pPr>
-            <a:r>
-              <a:rPr lang="en-US" dirty="0">
-                <a:solidFill>
-                  <a:schemeClr val="accent5"/>
-                </a:solidFill>
-              </a:rPr>
-              <a:t>Swap the value of the minimum element with the element marked by the outer loop variable.</a:t>
-            </a:r>
-          </a:p>
-          <a:p>
-            <a:pPr marL="0" indent="0">
-              <a:buNone/>
-            </a:pPr>
-            <a:r>
-              <a:rPr lang="en-US" dirty="0">
-                <a:solidFill>
-                  <a:schemeClr val="accent5"/>
-                </a:solidFill>
-              </a:rPr>
-              <a:t>END</a:t>
-            </a:r>
+              <a:rPr lang="en-US" b="1" i="0" dirty="0">
+                <a:solidFill>
+                  <a:schemeClr val="accent5"/>
+                </a:solidFill>
+                <a:effectLst/>
+              </a:rPr>
+              <a:t>What is the difference between JDK, JRE, and JVM?</a:t>
+            </a:r>
+          </a:p>
+          <a:p>
+            <a:pPr marL="514350" indent="-514350" algn="l">
+              <a:buFont typeface="+mj-lt"/>
+              <a:buAutoNum type="alphaUcPeriod"/>
+            </a:pPr>
+            <a:r>
+              <a:rPr lang="en-US" b="0" i="1" dirty="0">
+                <a:solidFill>
+                  <a:schemeClr val="accent5"/>
+                </a:solidFill>
+                <a:effectLst/>
+              </a:rPr>
+              <a:t>The difference between JDK, JRE &amp; JVM is that;</a:t>
+            </a:r>
+          </a:p>
+          <a:p>
+            <a:pPr marL="571500" indent="-571500" algn="l">
+              <a:buFont typeface="+mj-lt"/>
+              <a:buAutoNum type="romanUcPeriod"/>
+            </a:pPr>
+            <a:r>
+              <a:rPr lang="en-US" b="0" i="1" dirty="0">
+                <a:solidFill>
+                  <a:schemeClr val="accent5"/>
+                </a:solidFill>
+                <a:effectLst/>
+              </a:rPr>
+              <a:t>JVM has a Just in Time (JIT) compiler tool that converts all the Java source code into the low-level compatible machine language. Therefore, it runs faster than the regular application.</a:t>
+            </a:r>
+          </a:p>
+          <a:p>
+            <a:pPr marL="571500" indent="-571500" algn="l">
+              <a:buFont typeface="+mj-lt"/>
+              <a:buAutoNum type="romanUcPeriod"/>
+            </a:pPr>
+            <a:r>
+              <a:rPr lang="en-US" b="0" i="1" dirty="0">
+                <a:solidFill>
+                  <a:schemeClr val="accent5"/>
+                </a:solidFill>
+                <a:effectLst/>
+              </a:rPr>
+              <a:t>JRE has class libraries and other JVM supporting files. But it doesn’t have any tool for java development such as compiler or debugger.</a:t>
+            </a:r>
+          </a:p>
+          <a:p>
+            <a:pPr marL="571500" indent="-571500" algn="l">
+              <a:buFont typeface="+mj-lt"/>
+              <a:buAutoNum type="romanUcPeriod"/>
+            </a:pPr>
+            <a:r>
+              <a:rPr lang="en-US" b="0" i="1" dirty="0">
+                <a:solidFill>
+                  <a:schemeClr val="accent5"/>
+                </a:solidFill>
+                <a:effectLst/>
+              </a:rPr>
+              <a:t>JDK has tools that are required to write Java Programs and uses JRE to execute them. It has a compiler, Java application launcher, and an applet viewer.</a:t>
+            </a:r>
+          </a:p>
+          <a:p>
+            <a:pPr marL="514350" indent="-514350">
+              <a:buFont typeface="+mj-lt"/>
+              <a:buAutoNum type="alphaUcPeriod"/>
+            </a:pPr>
+            <a:endParaRPr lang="en-US" dirty="0"/>
           </a:p>
         </p:txBody>
       </p:sp>
     </p:spTree>
     <p:extLst>
       <p:ext uri="{BB962C8B-B14F-4D97-AF65-F5344CB8AC3E}">
-        <p14:creationId xmlns:p14="http://schemas.microsoft.com/office/powerpoint/2010/main" val="2175372732"/>
+        <p14:creationId xmlns:p14="http://schemas.microsoft.com/office/powerpoint/2010/main" val="4011828788"/>
       </p:ext>
     </p:extLst>
   </p:cSld>
@@ -14752,254 +14661,10 @@
       </p:grpSpPr>
       <p:sp>
         <p:nvSpPr>
-          <p:cNvPr id="2" name="Title 1">
+          <p:cNvPr id="3" name="TextBox 2">
             <a:extLst>
               <a:ext uri="{FF2B5EF4-FFF2-40B4-BE49-F238E27FC236}">
-                <a16:creationId xmlns:a16="http://schemas.microsoft.com/office/drawing/2014/main" id="{529E3F80-9F34-400D-A52E-51DAC38AC837}"/>
-              </a:ext>
-            </a:extLst>
-          </p:cNvPr>
-          <p:cNvSpPr>
-            <a:spLocks noGrp="1"/>
-          </p:cNvSpPr>
-          <p:nvPr>
-            <p:ph type="title"/>
-          </p:nvPr>
-        </p:nvSpPr>
-        <p:spPr/>
-        <p:txBody>
-          <a:bodyPr/>
-          <a:lstStyle/>
-          <a:p>
-            <a:pPr algn="ctr"/>
-            <a:r>
-              <a:rPr lang="en-US" dirty="0"/>
-              <a:t>BubbleSort</a:t>
-            </a:r>
-          </a:p>
-        </p:txBody>
-      </p:sp>
-      <p:sp>
-        <p:nvSpPr>
-          <p:cNvPr id="3" name="Content Placeholder 2">
-            <a:extLst>
-              <a:ext uri="{FF2B5EF4-FFF2-40B4-BE49-F238E27FC236}">
-                <a16:creationId xmlns:a16="http://schemas.microsoft.com/office/drawing/2014/main" id="{136A0165-12F9-41EF-8BE9-7C18ACFF06D1}"/>
-              </a:ext>
-            </a:extLst>
-          </p:cNvPr>
-          <p:cNvSpPr>
-            <a:spLocks noGrp="1"/>
-          </p:cNvSpPr>
-          <p:nvPr>
-            <p:ph idx="1"/>
-          </p:nvPr>
-        </p:nvSpPr>
-        <p:spPr/>
-        <p:txBody>
-          <a:bodyPr>
-            <a:normAutofit fontScale="70000" lnSpcReduction="20000"/>
-          </a:bodyPr>
-          <a:lstStyle/>
-          <a:p>
-            <a:pPr marL="0" indent="0">
-              <a:buNone/>
-            </a:pPr>
-            <a:r>
-              <a:rPr lang="en-US" dirty="0">
-                <a:solidFill>
-                  <a:schemeClr val="accent5"/>
-                </a:solidFill>
-              </a:rPr>
-              <a:t>The two algorithms that most beginners start their sorting career with would be bubble sort and selection sort. These sorting algorithms are not very efficient, but they provide a key insight into what sorting is and how a sorting algorithm works behind the scenes. Bubble sort relies on multiple swaps instead of a single like selection sort. The algorithm continues to go through the array repeatedly, swapping elements that are not in their correct location.</a:t>
-            </a:r>
-          </a:p>
-          <a:p>
-            <a:pPr marL="0" indent="0">
-              <a:buNone/>
-            </a:pPr>
-            <a:endParaRPr lang="en-US" dirty="0">
-              <a:solidFill>
-                <a:schemeClr val="accent5"/>
-              </a:solidFill>
-            </a:endParaRPr>
-          </a:p>
-          <a:p>
-            <a:pPr marL="0" indent="0">
-              <a:buNone/>
-            </a:pPr>
-            <a:r>
-              <a:rPr lang="en-US" dirty="0">
-                <a:solidFill>
-                  <a:schemeClr val="accent5"/>
-                </a:solidFill>
-              </a:rPr>
-              <a:t>Algorithm:</a:t>
-            </a:r>
-          </a:p>
-          <a:p>
-            <a:pPr marL="0" indent="0">
-              <a:buNone/>
-            </a:pPr>
-            <a:endParaRPr lang="en-US" dirty="0">
-              <a:solidFill>
-                <a:schemeClr val="accent5"/>
-              </a:solidFill>
-            </a:endParaRPr>
-          </a:p>
-          <a:p>
-            <a:pPr marL="0" indent="0">
-              <a:buNone/>
-            </a:pPr>
-            <a:r>
-              <a:rPr lang="en-US" dirty="0">
-                <a:solidFill>
-                  <a:schemeClr val="accent5"/>
-                </a:solidFill>
-              </a:rPr>
-              <a:t>START</a:t>
-            </a:r>
-          </a:p>
-          <a:p>
-            <a:pPr marL="0" indent="0">
-              <a:buNone/>
-            </a:pPr>
-            <a:r>
-              <a:rPr lang="en-US" dirty="0">
-                <a:solidFill>
-                  <a:schemeClr val="accent5"/>
-                </a:solidFill>
-              </a:rPr>
-              <a:t>Run two loops – an inner loop and an outer loop.</a:t>
-            </a:r>
-          </a:p>
-          <a:p>
-            <a:pPr marL="0" indent="0">
-              <a:buNone/>
-            </a:pPr>
-            <a:r>
-              <a:rPr lang="en-US" dirty="0">
-                <a:solidFill>
-                  <a:schemeClr val="accent5"/>
-                </a:solidFill>
-              </a:rPr>
-              <a:t>Repeat steps till the outer loop are exhausted.</a:t>
-            </a:r>
-          </a:p>
-          <a:p>
-            <a:pPr marL="0" indent="0">
-              <a:buNone/>
-            </a:pPr>
-            <a:r>
-              <a:rPr lang="en-US" dirty="0">
-                <a:solidFill>
-                  <a:schemeClr val="accent5"/>
-                </a:solidFill>
-              </a:rPr>
-              <a:t>If the current element in the inner loop is smaller than its next element, swap the values of the two elements.</a:t>
-            </a:r>
-          </a:p>
-          <a:p>
-            <a:pPr marL="0" indent="0">
-              <a:buNone/>
-            </a:pPr>
-            <a:r>
-              <a:rPr lang="en-US" dirty="0">
-                <a:solidFill>
-                  <a:schemeClr val="accent5"/>
-                </a:solidFill>
-              </a:rPr>
-              <a:t>END</a:t>
-            </a:r>
-          </a:p>
-        </p:txBody>
-      </p:sp>
-    </p:spTree>
-    <p:extLst>
-      <p:ext uri="{BB962C8B-B14F-4D97-AF65-F5344CB8AC3E}">
-        <p14:creationId xmlns:p14="http://schemas.microsoft.com/office/powerpoint/2010/main" val="960758306"/>
-      </p:ext>
-    </p:extLst>
-  </p:cSld>
-  <p:clrMapOvr>
-    <a:masterClrMapping/>
-  </p:clrMapOvr>
-  <mc:AlternateContent xmlns:mc="http://schemas.openxmlformats.org/markup-compatibility/2006" xmlns:p14="http://schemas.microsoft.com/office/powerpoint/2010/main">
-    <mc:Choice Requires="p14">
-      <p:transition spd="med" p14:dur="700">
-        <p:fade/>
-      </p:transition>
-    </mc:Choice>
-    <mc:Fallback xmlns="">
-      <p:transition spd="med">
-        <p:fade/>
-      </p:transition>
-    </mc:Fallback>
-  </mc:AlternateContent>
-</p:sld>
-</file>
-
-<file path=ppt/slides/slide45.xml><?xml version="1.0" encoding="utf-8"?>
-<p:sld xmlns:a="http://schemas.openxmlformats.org/drawingml/2006/main" xmlns:r="http://schemas.openxmlformats.org/officeDocument/2006/relationships" xmlns:p="http://schemas.openxmlformats.org/presentationml/2006/main">
-  <p:cSld>
-    <p:spTree>
-      <p:nvGrpSpPr>
-        <p:cNvPr id="1" name=""/>
-        <p:cNvGrpSpPr/>
-        <p:nvPr/>
-      </p:nvGrpSpPr>
-      <p:grpSpPr>
-        <a:xfrm>
-          <a:off x="0" y="0"/>
-          <a:ext cx="0" cy="0"/>
-          <a:chOff x="0" y="0"/>
-          <a:chExt cx="0" cy="0"/>
-        </a:xfrm>
-      </p:grpSpPr>
-      <p:sp>
-        <p:nvSpPr>
-          <p:cNvPr id="2" name="Title 1">
-            <a:extLst>
-              <a:ext uri="{FF2B5EF4-FFF2-40B4-BE49-F238E27FC236}">
-                <a16:creationId xmlns:a16="http://schemas.microsoft.com/office/drawing/2014/main" id="{47D9FCD3-0A10-478B-8D26-4EC1AF1A4BB1}"/>
-              </a:ext>
-            </a:extLst>
-          </p:cNvPr>
-          <p:cNvSpPr>
-            <a:spLocks noGrp="1"/>
-          </p:cNvSpPr>
-          <p:nvPr>
-            <p:ph type="title"/>
-          </p:nvPr>
-        </p:nvSpPr>
-        <p:spPr>
-          <a:xfrm>
-            <a:off x="1295398" y="318515"/>
-            <a:ext cx="9601200" cy="883921"/>
-          </a:xfrm>
-        </p:spPr>
-        <p:txBody>
-          <a:bodyPr>
-            <a:normAutofit/>
-          </a:bodyPr>
-          <a:lstStyle/>
-          <a:p>
-            <a:pPr algn="ctr"/>
-            <a:r>
-              <a:rPr lang="en-US" sz="4800" dirty="0">
-                <a:latin typeface="+mn-lt"/>
-              </a:rPr>
-              <a:t>Conclusion</a:t>
-            </a:r>
-          </a:p>
-        </p:txBody>
-      </p:sp>
-      <p:sp>
-        <p:nvSpPr>
-          <p:cNvPr id="4" name="TextBox 3">
-            <a:extLst>
-              <a:ext uri="{FF2B5EF4-FFF2-40B4-BE49-F238E27FC236}">
-                <a16:creationId xmlns:a16="http://schemas.microsoft.com/office/drawing/2014/main" id="{AA7ECE8B-9C07-4D3F-8F41-589A6C1E9A15}"/>
+                <a16:creationId xmlns:a16="http://schemas.microsoft.com/office/drawing/2014/main" id="{737DA50D-39FF-4D50-A591-E6924755AF1C}"/>
               </a:ext>
             </a:extLst>
           </p:cNvPr>
@@ -15008,864 +14673,93 @@
         </p:nvSpPr>
         <p:spPr>
           <a:xfrm>
-            <a:off x="286701" y="1265432"/>
-            <a:ext cx="11618595" cy="4832092"/>
+            <a:off x="1295400" y="1795360"/>
+            <a:ext cx="9601200" cy="1143000"/>
           </a:xfrm>
           <a:prstGeom prst="rect">
             <a:avLst/>
           </a:prstGeom>
-          <a:noFill/>
         </p:spPr>
         <p:txBody>
-          <a:bodyPr wrap="square">
-            <a:spAutoFit/>
+          <a:bodyPr vert="horz" lIns="91440" tIns="45720" rIns="91440" bIns="45720" rtlCol="0" anchor="b">
+            <a:normAutofit/>
           </a:bodyPr>
           <a:lstStyle/>
           <a:p>
-            <a:pPr algn="l" fontAlgn="base"/>
-            <a:r>
-              <a:rPr lang="en-US" sz="2800" b="0" i="0" dirty="0">
-                <a:solidFill>
-                  <a:schemeClr val="accent5"/>
-                </a:solidFill>
-                <a:effectLst/>
-              </a:rPr>
-              <a:t>It's also important to understand that Java is much different from JavaScript. JavaScript does not need to be compiled, while Java code does needs to be compiled. Also, JavaScript only runs on web browsers while Java can be run anywhere. New and improved software development tools are coming to market at a remarkable pace, displacing incumbent products once thought to be indispensable. In light of this continual turnover, Java’s longevity is impressive; more than two decades after its creation, Java is still the most popular language for application software development—developers continue to choose it over languages such as Python, Ruby, PHP, Swift, C++, and others. As a result, Java remains an important requirement for competing in the job market.</a:t>
+            <a:pPr algn="ctr">
+              <a:lnSpc>
+                <a:spcPct val="90000"/>
+              </a:lnSpc>
+              <a:spcBef>
+                <a:spcPct val="0"/>
+              </a:spcBef>
+              <a:spcAft>
+                <a:spcPts val="600"/>
+              </a:spcAft>
+            </a:pPr>
+            <a:r>
+              <a:rPr lang="en-US" sz="6000" b="1" kern="1200" cap="all" baseline="0" dirty="0">
+                <a:solidFill>
+                  <a:schemeClr val="accent1"/>
+                </a:solidFill>
+                <a:effectLst>
+                  <a:outerShdw blurRad="38100" dist="25400" dir="18900000" algn="bl" rotWithShape="0">
+                    <a:schemeClr val="bg1">
+                      <a:alpha val="80000"/>
+                    </a:schemeClr>
+                  </a:outerShdw>
+                </a:effectLst>
+                <a:ea typeface="+mj-ea"/>
+                <a:cs typeface="+mj-cs"/>
+              </a:rPr>
+              <a:t>Thank You!</a:t>
             </a:r>
           </a:p>
         </p:txBody>
       </p:sp>
+      <p:pic>
+        <p:nvPicPr>
+          <p:cNvPr id="8" name="Picture 7" descr="A picture containing clipart, light&#10;&#10;Description automatically generated">
+            <a:extLst>
+              <a:ext uri="{FF2B5EF4-FFF2-40B4-BE49-F238E27FC236}">
+                <a16:creationId xmlns:a16="http://schemas.microsoft.com/office/drawing/2014/main" id="{6355922F-3B2E-4EFA-856F-CAD794D3C99C}"/>
+              </a:ext>
+            </a:extLst>
+          </p:cNvPr>
+          <p:cNvPicPr>
+            <a:picLocks noChangeAspect="1"/>
+          </p:cNvPicPr>
+          <p:nvPr/>
+        </p:nvPicPr>
+        <p:blipFill>
+          <a:blip r:embed="rId2">
+            <a:extLst>
+              <a:ext uri="{28A0092B-C50C-407E-A947-70E740481C1C}">
+                <a14:useLocalDpi xmlns:a14="http://schemas.microsoft.com/office/drawing/2010/main" val="0"/>
+              </a:ext>
+              <a:ext uri="{837473B0-CC2E-450A-ABE3-18F120FF3D39}">
+                <a1611:picAttrSrcUrl xmlns:a1611="http://schemas.microsoft.com/office/drawing/2016/11/main" r:id="rId3"/>
+              </a:ext>
+            </a:extLst>
+          </a:blip>
+          <a:stretch>
+            <a:fillRect/>
+          </a:stretch>
+        </p:blipFill>
+        <p:spPr>
+          <a:xfrm>
+            <a:off x="5238857" y="3324570"/>
+            <a:ext cx="1714286" cy="1714286"/>
+          </a:xfrm>
+          <a:prstGeom prst="rect">
+            <a:avLst/>
+          </a:prstGeom>
+        </p:spPr>
+      </p:pic>
     </p:spTree>
     <p:extLst>
       <p:ext uri="{BB962C8B-B14F-4D97-AF65-F5344CB8AC3E}">
-        <p14:creationId xmlns:p14="http://schemas.microsoft.com/office/powerpoint/2010/main" val="1236591870"/>
-      </p:ext>
-    </p:extLst>
-  </p:cSld>
-  <p:clrMapOvr>
-    <a:masterClrMapping/>
-  </p:clrMapOvr>
-  <mc:AlternateContent xmlns:mc="http://schemas.openxmlformats.org/markup-compatibility/2006" xmlns:p14="http://schemas.microsoft.com/office/powerpoint/2010/main">
-    <mc:Choice Requires="p14">
-      <p:transition spd="med" p14:dur="700">
-        <p:fade/>
-      </p:transition>
-    </mc:Choice>
-    <mc:Fallback xmlns="">
-      <p:transition spd="med">
-        <p:fade/>
-      </p:transition>
-    </mc:Fallback>
-  </mc:AlternateContent>
-</p:sld>
-</file>
-
-<file path=ppt/slides/slide46.xml><?xml version="1.0" encoding="utf-8"?>
-<p:sld xmlns:a="http://schemas.openxmlformats.org/drawingml/2006/main" xmlns:r="http://schemas.openxmlformats.org/officeDocument/2006/relationships" xmlns:p="http://schemas.openxmlformats.org/presentationml/2006/main">
-  <p:cSld>
-    <p:spTree>
-      <p:nvGrpSpPr>
-        <p:cNvPr id="1" name=""/>
-        <p:cNvGrpSpPr/>
-        <p:nvPr/>
-      </p:nvGrpSpPr>
-      <p:grpSpPr>
-        <a:xfrm>
-          <a:off x="0" y="0"/>
-          <a:ext cx="0" cy="0"/>
-          <a:chOff x="0" y="0"/>
-          <a:chExt cx="0" cy="0"/>
-        </a:xfrm>
-      </p:grpSpPr>
-      <p:sp>
-        <p:nvSpPr>
-          <p:cNvPr id="2" name="Title 1">
-            <a:extLst>
-              <a:ext uri="{FF2B5EF4-FFF2-40B4-BE49-F238E27FC236}">
-                <a16:creationId xmlns:a16="http://schemas.microsoft.com/office/drawing/2014/main" id="{B5E2773D-B7D7-4C0C-AD55-6F4CBBFB3A24}"/>
-              </a:ext>
-            </a:extLst>
-          </p:cNvPr>
-          <p:cNvSpPr>
-            <a:spLocks noGrp="1"/>
-          </p:cNvSpPr>
-          <p:nvPr>
-            <p:ph type="title"/>
-          </p:nvPr>
-        </p:nvSpPr>
-        <p:spPr/>
-        <p:txBody>
-          <a:bodyPr/>
-          <a:lstStyle/>
-          <a:p>
-            <a:pPr algn="ctr"/>
-            <a:r>
-              <a:rPr lang="en-US" dirty="0"/>
-              <a:t>Java Interview Q&amp;A</a:t>
-            </a:r>
-          </a:p>
-        </p:txBody>
-      </p:sp>
-      <p:sp>
-        <p:nvSpPr>
-          <p:cNvPr id="5" name="Content Placeholder 4">
-            <a:extLst>
-              <a:ext uri="{FF2B5EF4-FFF2-40B4-BE49-F238E27FC236}">
-                <a16:creationId xmlns:a16="http://schemas.microsoft.com/office/drawing/2014/main" id="{42761D7A-4796-45FD-8BC1-CD83E4020497}"/>
-              </a:ext>
-            </a:extLst>
-          </p:cNvPr>
-          <p:cNvSpPr>
-            <a:spLocks noGrp="1"/>
-          </p:cNvSpPr>
-          <p:nvPr>
-            <p:ph idx="1"/>
-          </p:nvPr>
-        </p:nvSpPr>
-        <p:spPr>
-          <a:xfrm>
-            <a:off x="838200" y="1753262"/>
-            <a:ext cx="10515600" cy="4351338"/>
-          </a:xfrm>
-        </p:spPr>
-        <p:txBody>
-          <a:bodyPr/>
-          <a:lstStyle/>
-          <a:p>
-            <a:pPr marL="0" indent="0">
-              <a:buNone/>
-            </a:pPr>
-            <a:r>
-              <a:rPr lang="en-US" b="1" i="0" dirty="0">
-                <a:solidFill>
-                  <a:schemeClr val="accent5"/>
-                </a:solidFill>
-                <a:effectLst/>
-              </a:rPr>
-              <a:t>What are the differences between Heap and Stack Memory in Java?</a:t>
-            </a:r>
-          </a:p>
-          <a:p>
-            <a:pPr marL="514350" indent="-514350">
-              <a:buFont typeface="+mj-lt"/>
-              <a:buAutoNum type="alphaUcPeriod"/>
-            </a:pPr>
-            <a:r>
-              <a:rPr lang="en-US" b="0" i="1" dirty="0">
-                <a:solidFill>
-                  <a:schemeClr val="accent5"/>
-                </a:solidFill>
-                <a:effectLst/>
-              </a:rPr>
-              <a:t>Stack is generally used to store the order of method execution and local variables. In contrast, Heap memory is used to store the objects. After storing, they use dynamic memory allocation and deallocation.</a:t>
-            </a:r>
-          </a:p>
-          <a:p>
-            <a:pPr marL="0" indent="0">
-              <a:buNone/>
-            </a:pPr>
-            <a:r>
-              <a:rPr lang="en-US" b="1" i="0" dirty="0">
-                <a:solidFill>
-                  <a:schemeClr val="accent5"/>
-                </a:solidFill>
-                <a:effectLst/>
-              </a:rPr>
-              <a:t>What is the default value stored in Local Variables?</a:t>
-            </a:r>
-          </a:p>
-          <a:p>
-            <a:pPr marL="514350" indent="-514350">
-              <a:buFont typeface="+mj-lt"/>
-              <a:buAutoNum type="alphaUcPeriod"/>
-            </a:pPr>
-            <a:r>
-              <a:rPr lang="en-US" b="0" i="1" dirty="0">
-                <a:solidFill>
-                  <a:schemeClr val="accent5"/>
-                </a:solidFill>
-                <a:effectLst/>
-              </a:rPr>
-              <a:t>In Java, when you make the constructor of a class private, that particular class can generate only one object. This type of class is popularly known as a Singleton Class.</a:t>
-            </a:r>
-            <a:endParaRPr lang="en-US" b="1" i="1" dirty="0">
-              <a:solidFill>
-                <a:schemeClr val="accent5"/>
-              </a:solidFill>
-              <a:effectLst/>
-            </a:endParaRPr>
-          </a:p>
-          <a:p>
-            <a:pPr marL="0" indent="0">
-              <a:buNone/>
-            </a:pPr>
-            <a:endParaRPr lang="en-US" b="0" dirty="0">
-              <a:solidFill>
-                <a:srgbClr val="272C37"/>
-              </a:solidFill>
-              <a:effectLst/>
-              <a:latin typeface="Roboto" panose="02000000000000000000" pitchFamily="2" charset="0"/>
-            </a:endParaRPr>
-          </a:p>
-          <a:p>
-            <a:endParaRPr lang="en-US" dirty="0"/>
-          </a:p>
-        </p:txBody>
-      </p:sp>
-    </p:spTree>
-    <p:extLst>
-      <p:ext uri="{BB962C8B-B14F-4D97-AF65-F5344CB8AC3E}">
-        <p14:creationId xmlns:p14="http://schemas.microsoft.com/office/powerpoint/2010/main" val="620989336"/>
-      </p:ext>
-    </p:extLst>
-  </p:cSld>
-  <p:clrMapOvr>
-    <a:masterClrMapping/>
-  </p:clrMapOvr>
-  <mc:AlternateContent xmlns:mc="http://schemas.openxmlformats.org/markup-compatibility/2006" xmlns:p14="http://schemas.microsoft.com/office/powerpoint/2010/main">
-    <mc:Choice Requires="p14">
-      <p:transition spd="med" p14:dur="700">
-        <p:fade/>
-      </p:transition>
-    </mc:Choice>
-    <mc:Fallback xmlns="">
-      <p:transition spd="med">
-        <p:fade/>
-      </p:transition>
-    </mc:Fallback>
-  </mc:AlternateContent>
-</p:sld>
-</file>
-
-<file path=ppt/slides/slide47.xml><?xml version="1.0" encoding="utf-8"?>
-<p:sld xmlns:a="http://schemas.openxmlformats.org/drawingml/2006/main" xmlns:r="http://schemas.openxmlformats.org/officeDocument/2006/relationships" xmlns:p="http://schemas.openxmlformats.org/presentationml/2006/main">
-  <p:cSld>
-    <p:spTree>
-      <p:nvGrpSpPr>
-        <p:cNvPr id="1" name=""/>
-        <p:cNvGrpSpPr/>
-        <p:nvPr/>
-      </p:nvGrpSpPr>
-      <p:grpSpPr>
-        <a:xfrm>
-          <a:off x="0" y="0"/>
-          <a:ext cx="0" cy="0"/>
-          <a:chOff x="0" y="0"/>
-          <a:chExt cx="0" cy="0"/>
-        </a:xfrm>
-      </p:grpSpPr>
-      <p:sp>
-        <p:nvSpPr>
-          <p:cNvPr id="2" name="Title 1">
-            <a:extLst>
-              <a:ext uri="{FF2B5EF4-FFF2-40B4-BE49-F238E27FC236}">
-                <a16:creationId xmlns:a16="http://schemas.microsoft.com/office/drawing/2014/main" id="{375A59B7-568B-4D58-86A5-0F5A973CE362}"/>
-              </a:ext>
-            </a:extLst>
-          </p:cNvPr>
-          <p:cNvSpPr>
-            <a:spLocks noGrp="1"/>
-          </p:cNvSpPr>
-          <p:nvPr>
-            <p:ph type="title"/>
-          </p:nvPr>
-        </p:nvSpPr>
-        <p:spPr/>
-        <p:txBody>
-          <a:bodyPr/>
-          <a:lstStyle/>
-          <a:p>
-            <a:pPr algn="ctr"/>
-            <a:r>
-              <a:rPr lang="en-US" dirty="0"/>
-              <a:t>Java Interview Q&amp;A</a:t>
-            </a:r>
-          </a:p>
-        </p:txBody>
-      </p:sp>
-      <p:sp>
-        <p:nvSpPr>
-          <p:cNvPr id="3" name="Content Placeholder 2">
-            <a:extLst>
-              <a:ext uri="{FF2B5EF4-FFF2-40B4-BE49-F238E27FC236}">
-                <a16:creationId xmlns:a16="http://schemas.microsoft.com/office/drawing/2014/main" id="{C4430901-1F8B-4919-A893-5D7580B63821}"/>
-              </a:ext>
-            </a:extLst>
-          </p:cNvPr>
-          <p:cNvSpPr>
-            <a:spLocks noGrp="1"/>
-          </p:cNvSpPr>
-          <p:nvPr>
-            <p:ph idx="1"/>
-          </p:nvPr>
-        </p:nvSpPr>
-        <p:spPr>
-          <a:xfrm>
-            <a:off x="838200" y="1759841"/>
-            <a:ext cx="10515600" cy="4351338"/>
-          </a:xfrm>
-        </p:spPr>
-        <p:txBody>
-          <a:bodyPr>
-            <a:normAutofit fontScale="92500" lnSpcReduction="10000"/>
-          </a:bodyPr>
-          <a:lstStyle/>
-          <a:p>
-            <a:pPr marL="0" indent="0" algn="l">
-              <a:buNone/>
-            </a:pPr>
-            <a:r>
-              <a:rPr lang="en-US" sz="1800" b="1" i="0" dirty="0">
-                <a:solidFill>
-                  <a:schemeClr val="accent5"/>
-                </a:solidFill>
-                <a:effectLst/>
-              </a:rPr>
-              <a:t>Explain the expected output of the following code segment?</a:t>
-            </a:r>
-          </a:p>
-          <a:p>
-            <a:pPr marL="0" indent="0" algn="l">
-              <a:buNone/>
-            </a:pPr>
-            <a:r>
-              <a:rPr lang="en-US" sz="1800" b="1" i="0" dirty="0">
-                <a:solidFill>
-                  <a:schemeClr val="accent5"/>
-                </a:solidFill>
-                <a:effectLst/>
-              </a:rPr>
-              <a:t>public class Simplilearn   </a:t>
-            </a:r>
-          </a:p>
-          <a:p>
-            <a:pPr marL="0" indent="0" algn="l">
-              <a:buNone/>
-            </a:pPr>
-            <a:r>
-              <a:rPr lang="en-US" sz="1800" b="1" i="0" dirty="0">
-                <a:solidFill>
-                  <a:schemeClr val="accent5"/>
-                </a:solidFill>
-                <a:effectLst/>
-              </a:rPr>
-              <a:t>{  </a:t>
-            </a:r>
-          </a:p>
-          <a:p>
-            <a:pPr marL="0" indent="0" algn="l">
-              <a:buNone/>
-            </a:pPr>
-            <a:r>
-              <a:rPr lang="en-US" sz="1800" b="1" i="0" dirty="0">
-                <a:solidFill>
-                  <a:schemeClr val="accent5"/>
-                </a:solidFill>
-                <a:effectLst/>
-              </a:rPr>
-              <a:t>    public static void main (String args[])   </a:t>
-            </a:r>
-          </a:p>
-          <a:p>
-            <a:pPr marL="0" indent="0" algn="l">
-              <a:buNone/>
-            </a:pPr>
-            <a:r>
-              <a:rPr lang="en-US" sz="1800" b="1" i="0" dirty="0">
-                <a:solidFill>
-                  <a:schemeClr val="accent5"/>
-                </a:solidFill>
-                <a:effectLst/>
-              </a:rPr>
-              <a:t>    {  </a:t>
-            </a:r>
-          </a:p>
-          <a:p>
-            <a:pPr marL="0" indent="0" algn="l">
-              <a:buNone/>
-            </a:pPr>
-            <a:r>
-              <a:rPr lang="en-US" sz="1800" b="1" i="0" dirty="0">
-                <a:solidFill>
-                  <a:schemeClr val="accent5"/>
-                </a:solidFill>
-                <a:effectLst/>
-              </a:rPr>
-              <a:t>        System.out.println(100 + 100 +"Simplilearn");   </a:t>
-            </a:r>
-          </a:p>
-          <a:p>
-            <a:pPr marL="0" indent="0" algn="l">
-              <a:buNone/>
-            </a:pPr>
-            <a:r>
-              <a:rPr lang="en-US" sz="1800" b="1" i="0" dirty="0">
-                <a:solidFill>
-                  <a:schemeClr val="accent5"/>
-                </a:solidFill>
-                <a:effectLst/>
-              </a:rPr>
-              <a:t>        System.out.println("E-Learning Company" + 100 + 100);  </a:t>
-            </a:r>
-          </a:p>
-          <a:p>
-            <a:pPr marL="0" indent="0" algn="l">
-              <a:buNone/>
-            </a:pPr>
-            <a:r>
-              <a:rPr lang="en-US" sz="1800" b="1" i="0" dirty="0">
-                <a:solidFill>
-                  <a:schemeClr val="accent5"/>
-                </a:solidFill>
-                <a:effectLst/>
-              </a:rPr>
-              <a:t>    }  </a:t>
-            </a:r>
-          </a:p>
-          <a:p>
-            <a:pPr marL="0" indent="0" algn="l">
-              <a:buNone/>
-            </a:pPr>
-            <a:r>
-              <a:rPr lang="en-US" sz="1800" b="1" i="0" dirty="0">
-                <a:solidFill>
-                  <a:schemeClr val="accent5"/>
-                </a:solidFill>
-                <a:effectLst/>
-              </a:rPr>
-              <a:t>}</a:t>
-            </a:r>
-          </a:p>
-          <a:p>
-            <a:pPr marL="514350" indent="-514350" algn="l">
-              <a:buFont typeface="+mj-lt"/>
-              <a:buAutoNum type="alphaUcPeriod"/>
-            </a:pPr>
-            <a:r>
-              <a:rPr lang="en-US" sz="2200" b="0" i="1" dirty="0">
-                <a:solidFill>
-                  <a:schemeClr val="accent5"/>
-                </a:solidFill>
-                <a:effectLst/>
-              </a:rPr>
-              <a:t>The code will print out</a:t>
-            </a:r>
-          </a:p>
-          <a:p>
-            <a:pPr marL="571500" indent="-571500" algn="l">
-              <a:buFont typeface="+mj-lt"/>
-              <a:buAutoNum type="romanUcPeriod"/>
-            </a:pPr>
-            <a:r>
-              <a:rPr lang="en-US" sz="2200" b="0" i="1" dirty="0">
-                <a:solidFill>
-                  <a:schemeClr val="accent5"/>
-                </a:solidFill>
-                <a:effectLst/>
-              </a:rPr>
-              <a:t>200Simplilearn</a:t>
-            </a:r>
-          </a:p>
-          <a:p>
-            <a:pPr marL="571500" indent="-571500" algn="l">
-              <a:buFont typeface="+mj-lt"/>
-              <a:buAutoNum type="romanUcPeriod"/>
-            </a:pPr>
-            <a:r>
-              <a:rPr lang="en-US" sz="2200" b="0" i="1" dirty="0">
-                <a:solidFill>
-                  <a:schemeClr val="accent5"/>
-                </a:solidFill>
-                <a:effectLst/>
-              </a:rPr>
-              <a:t>E-Learning Company100100</a:t>
-            </a:r>
-          </a:p>
-          <a:p>
-            <a:pPr marL="0" indent="0" algn="l">
-              <a:buNone/>
-            </a:pPr>
-            <a:endParaRPr lang="en-US" b="0" i="0" dirty="0">
-              <a:solidFill>
-                <a:srgbClr val="51565E"/>
-              </a:solidFill>
-              <a:effectLst/>
-              <a:latin typeface="Roboto" panose="02000000000000000000" pitchFamily="2" charset="0"/>
-            </a:endParaRPr>
-          </a:p>
-          <a:p>
-            <a:endParaRPr lang="en-US" dirty="0"/>
-          </a:p>
-        </p:txBody>
-      </p:sp>
-    </p:spTree>
-    <p:extLst>
-      <p:ext uri="{BB962C8B-B14F-4D97-AF65-F5344CB8AC3E}">
-        <p14:creationId xmlns:p14="http://schemas.microsoft.com/office/powerpoint/2010/main" val="4164338285"/>
-      </p:ext>
-    </p:extLst>
-  </p:cSld>
-  <p:clrMapOvr>
-    <a:masterClrMapping/>
-  </p:clrMapOvr>
-  <mc:AlternateContent xmlns:mc="http://schemas.openxmlformats.org/markup-compatibility/2006" xmlns:p14="http://schemas.microsoft.com/office/powerpoint/2010/main">
-    <mc:Choice Requires="p14">
-      <p:transition spd="med" p14:dur="700">
-        <p:fade/>
-      </p:transition>
-    </mc:Choice>
-    <mc:Fallback xmlns="">
-      <p:transition spd="med">
-        <p:fade/>
-      </p:transition>
-    </mc:Fallback>
-  </mc:AlternateContent>
-</p:sld>
-</file>
-
-<file path=ppt/slides/slide48.xml><?xml version="1.0" encoding="utf-8"?>
-<p:sld xmlns:a="http://schemas.openxmlformats.org/drawingml/2006/main" xmlns:r="http://schemas.openxmlformats.org/officeDocument/2006/relationships" xmlns:p="http://schemas.openxmlformats.org/presentationml/2006/main">
-  <p:cSld>
-    <p:spTree>
-      <p:nvGrpSpPr>
-        <p:cNvPr id="1" name=""/>
-        <p:cNvGrpSpPr/>
-        <p:nvPr/>
-      </p:nvGrpSpPr>
-      <p:grpSpPr>
-        <a:xfrm>
-          <a:off x="0" y="0"/>
-          <a:ext cx="0" cy="0"/>
-          <a:chOff x="0" y="0"/>
-          <a:chExt cx="0" cy="0"/>
-        </a:xfrm>
-      </p:grpSpPr>
-      <p:sp>
-        <p:nvSpPr>
-          <p:cNvPr id="2" name="Title 1">
-            <a:extLst>
-              <a:ext uri="{FF2B5EF4-FFF2-40B4-BE49-F238E27FC236}">
-                <a16:creationId xmlns:a16="http://schemas.microsoft.com/office/drawing/2014/main" id="{2964F35A-8E0F-42DA-BFD6-2E3E8BA24C95}"/>
-              </a:ext>
-            </a:extLst>
-          </p:cNvPr>
-          <p:cNvSpPr>
-            <a:spLocks noGrp="1"/>
-          </p:cNvSpPr>
-          <p:nvPr>
-            <p:ph type="title"/>
-          </p:nvPr>
-        </p:nvSpPr>
-        <p:spPr/>
-        <p:txBody>
-          <a:bodyPr/>
-          <a:lstStyle/>
-          <a:p>
-            <a:pPr algn="ctr"/>
-            <a:r>
-              <a:rPr lang="en-US" dirty="0"/>
-              <a:t>Java Interview Q&amp;A</a:t>
-            </a:r>
-          </a:p>
-        </p:txBody>
-      </p:sp>
-      <p:sp>
-        <p:nvSpPr>
-          <p:cNvPr id="3" name="Content Placeholder 2">
-            <a:extLst>
-              <a:ext uri="{FF2B5EF4-FFF2-40B4-BE49-F238E27FC236}">
-                <a16:creationId xmlns:a16="http://schemas.microsoft.com/office/drawing/2014/main" id="{D0678A55-C8F5-48AE-9FE7-0F87FD04C138}"/>
-              </a:ext>
-            </a:extLst>
-          </p:cNvPr>
-          <p:cNvSpPr>
-            <a:spLocks noGrp="1"/>
-          </p:cNvSpPr>
-          <p:nvPr>
-            <p:ph idx="1"/>
-          </p:nvPr>
-        </p:nvSpPr>
-        <p:spPr/>
-        <p:txBody>
-          <a:bodyPr>
-            <a:normAutofit fontScale="92500" lnSpcReduction="20000"/>
-          </a:bodyPr>
-          <a:lstStyle/>
-          <a:p>
-            <a:pPr marL="0" indent="0">
-              <a:buNone/>
-            </a:pPr>
-            <a:r>
-              <a:rPr lang="en-US" b="1" i="0" dirty="0">
-                <a:solidFill>
-                  <a:schemeClr val="accent5"/>
-                </a:solidFill>
-                <a:effectLst/>
-              </a:rPr>
-              <a:t>Define Wrapper Classes in Java.</a:t>
-            </a:r>
-          </a:p>
-          <a:p>
-            <a:pPr marL="514350" indent="-514350">
-              <a:buFont typeface="+mj-lt"/>
-              <a:buAutoNum type="alphaUcPeriod"/>
-            </a:pPr>
-            <a:r>
-              <a:rPr lang="en-US" b="0" i="1" dirty="0">
-                <a:solidFill>
-                  <a:schemeClr val="accent5"/>
-                </a:solidFill>
-                <a:effectLst/>
-              </a:rPr>
-              <a:t>In Java, when you declare primitive datatypes, then Wrapper classes are responsible for converting them into objects(Reference types)</a:t>
-            </a:r>
-          </a:p>
-          <a:p>
-            <a:pPr marL="0" indent="0">
-              <a:buNone/>
-            </a:pPr>
-            <a:r>
-              <a:rPr lang="en-US" b="1" i="0" dirty="0">
-                <a:solidFill>
-                  <a:schemeClr val="accent5"/>
-                </a:solidFill>
-                <a:effectLst/>
-              </a:rPr>
-              <a:t>Define package in Java.</a:t>
-            </a:r>
-          </a:p>
-          <a:p>
-            <a:pPr marL="514350" indent="-514350">
-              <a:buFont typeface="+mj-lt"/>
-              <a:buAutoNum type="alphaUcPeriod"/>
-            </a:pPr>
-            <a:r>
-              <a:rPr lang="en-US" b="0" i="1" dirty="0">
-                <a:solidFill>
-                  <a:schemeClr val="accent5"/>
-                </a:solidFill>
-                <a:effectLst/>
-              </a:rPr>
-              <a:t>The package is a collective bundle of classes and interfaces and the necessary libraries and JAR files. The use of packages helps in code reusability.</a:t>
-            </a:r>
-          </a:p>
-          <a:p>
-            <a:pPr marL="0" indent="0">
-              <a:buNone/>
-            </a:pPr>
-            <a:r>
-              <a:rPr lang="en-US" b="1" i="0" dirty="0">
-                <a:solidFill>
-                  <a:schemeClr val="accent5"/>
-                </a:solidFill>
-                <a:effectLst/>
-              </a:rPr>
-              <a:t>Can you implement pointers in a Java Program?</a:t>
-            </a:r>
-          </a:p>
-          <a:p>
-            <a:pPr marL="514350" indent="-514350">
-              <a:buFont typeface="+mj-lt"/>
-              <a:buAutoNum type="alphaUcPeriod"/>
-            </a:pPr>
-            <a:r>
-              <a:rPr lang="en-US" b="0" i="1" dirty="0">
-                <a:solidFill>
-                  <a:schemeClr val="accent5"/>
-                </a:solidFill>
-                <a:effectLst/>
-              </a:rPr>
-              <a:t>Java Virtual Machine takes care of memory management implicitly. Java's primary motto was to keep programming simple. So, accessing memory directly through pointers is not a recommended action. Hence, pointers are eliminated in Java. </a:t>
-            </a:r>
-          </a:p>
-          <a:p>
-            <a:pPr marL="0" indent="0">
-              <a:buNone/>
-            </a:pPr>
-            <a:endParaRPr lang="en-US" dirty="0"/>
-          </a:p>
-        </p:txBody>
-      </p:sp>
-    </p:spTree>
-    <p:extLst>
-      <p:ext uri="{BB962C8B-B14F-4D97-AF65-F5344CB8AC3E}">
-        <p14:creationId xmlns:p14="http://schemas.microsoft.com/office/powerpoint/2010/main" val="2631316214"/>
-      </p:ext>
-    </p:extLst>
-  </p:cSld>
-  <p:clrMapOvr>
-    <a:masterClrMapping/>
-  </p:clrMapOvr>
-  <mc:AlternateContent xmlns:mc="http://schemas.openxmlformats.org/markup-compatibility/2006" xmlns:p14="http://schemas.microsoft.com/office/powerpoint/2010/main">
-    <mc:Choice Requires="p14">
-      <p:transition spd="med" p14:dur="700">
-        <p:fade/>
-      </p:transition>
-    </mc:Choice>
-    <mc:Fallback xmlns="">
-      <p:transition spd="med">
-        <p:fade/>
-      </p:transition>
-    </mc:Fallback>
-  </mc:AlternateContent>
-</p:sld>
-</file>
-
-<file path=ppt/slides/slide49.xml><?xml version="1.0" encoding="utf-8"?>
-<p:sld xmlns:a="http://schemas.openxmlformats.org/drawingml/2006/main" xmlns:r="http://schemas.openxmlformats.org/officeDocument/2006/relationships" xmlns:p="http://schemas.openxmlformats.org/presentationml/2006/main">
-  <p:cSld>
-    <p:spTree>
-      <p:nvGrpSpPr>
-        <p:cNvPr id="1" name=""/>
-        <p:cNvGrpSpPr/>
-        <p:nvPr/>
-      </p:nvGrpSpPr>
-      <p:grpSpPr>
-        <a:xfrm>
-          <a:off x="0" y="0"/>
-          <a:ext cx="0" cy="0"/>
-          <a:chOff x="0" y="0"/>
-          <a:chExt cx="0" cy="0"/>
-        </a:xfrm>
-      </p:grpSpPr>
-      <p:sp>
-        <p:nvSpPr>
-          <p:cNvPr id="2" name="Title 1">
-            <a:extLst>
-              <a:ext uri="{FF2B5EF4-FFF2-40B4-BE49-F238E27FC236}">
-                <a16:creationId xmlns:a16="http://schemas.microsoft.com/office/drawing/2014/main" id="{F7B27FE7-493A-4779-97D0-2CC0D1860EB2}"/>
-              </a:ext>
-            </a:extLst>
-          </p:cNvPr>
-          <p:cNvSpPr>
-            <a:spLocks noGrp="1"/>
-          </p:cNvSpPr>
-          <p:nvPr>
-            <p:ph type="title"/>
-          </p:nvPr>
-        </p:nvSpPr>
-        <p:spPr/>
-        <p:txBody>
-          <a:bodyPr/>
-          <a:lstStyle/>
-          <a:p>
-            <a:pPr algn="ctr"/>
-            <a:r>
-              <a:rPr lang="en-US" dirty="0"/>
-              <a:t>Java Interview Q&amp;A</a:t>
-            </a:r>
-          </a:p>
-        </p:txBody>
-      </p:sp>
-      <p:sp>
-        <p:nvSpPr>
-          <p:cNvPr id="3" name="Content Placeholder 2">
-            <a:extLst>
-              <a:ext uri="{FF2B5EF4-FFF2-40B4-BE49-F238E27FC236}">
-                <a16:creationId xmlns:a16="http://schemas.microsoft.com/office/drawing/2014/main" id="{F36D5D66-905E-45B0-A425-F6DBD6435755}"/>
-              </a:ext>
-            </a:extLst>
-          </p:cNvPr>
-          <p:cNvSpPr>
-            <a:spLocks noGrp="1"/>
-          </p:cNvSpPr>
-          <p:nvPr>
-            <p:ph idx="1"/>
-          </p:nvPr>
-        </p:nvSpPr>
-        <p:spPr/>
-        <p:txBody>
-          <a:bodyPr>
-            <a:normAutofit lnSpcReduction="10000"/>
-          </a:bodyPr>
-          <a:lstStyle/>
-          <a:p>
-            <a:pPr marL="0" indent="0">
-              <a:buNone/>
-            </a:pPr>
-            <a:r>
-              <a:rPr lang="en-US" b="1" i="0" dirty="0">
-                <a:solidFill>
-                  <a:schemeClr val="accent5"/>
-                </a:solidFill>
-                <a:effectLst/>
-              </a:rPr>
-              <a:t>What is the difference between JDK, JRE, and JVM?</a:t>
-            </a:r>
-          </a:p>
-          <a:p>
-            <a:pPr marL="514350" indent="-514350" algn="l">
-              <a:buFont typeface="+mj-lt"/>
-              <a:buAutoNum type="alphaUcPeriod"/>
-            </a:pPr>
-            <a:r>
-              <a:rPr lang="en-US" b="0" i="1" dirty="0">
-                <a:solidFill>
-                  <a:schemeClr val="accent5"/>
-                </a:solidFill>
-                <a:effectLst/>
-              </a:rPr>
-              <a:t>The difference between JDK, JRE &amp; JVM is that;</a:t>
-            </a:r>
-          </a:p>
-          <a:p>
-            <a:pPr marL="571500" indent="-571500" algn="l">
-              <a:buFont typeface="+mj-lt"/>
-              <a:buAutoNum type="romanUcPeriod"/>
-            </a:pPr>
-            <a:r>
-              <a:rPr lang="en-US" b="0" i="1" dirty="0">
-                <a:solidFill>
-                  <a:schemeClr val="accent5"/>
-                </a:solidFill>
-                <a:effectLst/>
-              </a:rPr>
-              <a:t>JVM has a Just in Time (JIT) compiler tool that converts all the Java source code into the low-level compatible machine language. Therefore, it runs faster than the regular application.</a:t>
-            </a:r>
-          </a:p>
-          <a:p>
-            <a:pPr marL="571500" indent="-571500" algn="l">
-              <a:buFont typeface="+mj-lt"/>
-              <a:buAutoNum type="romanUcPeriod"/>
-            </a:pPr>
-            <a:r>
-              <a:rPr lang="en-US" b="0" i="1" dirty="0">
-                <a:solidFill>
-                  <a:schemeClr val="accent5"/>
-                </a:solidFill>
-                <a:effectLst/>
-              </a:rPr>
-              <a:t>JRE has class libraries and other JVM supporting files. But it doesn’t have any tool for java development such as compiler or debugger.</a:t>
-            </a:r>
-          </a:p>
-          <a:p>
-            <a:pPr marL="571500" indent="-571500" algn="l">
-              <a:buFont typeface="+mj-lt"/>
-              <a:buAutoNum type="romanUcPeriod"/>
-            </a:pPr>
-            <a:r>
-              <a:rPr lang="en-US" b="0" i="1" dirty="0">
-                <a:solidFill>
-                  <a:schemeClr val="accent5"/>
-                </a:solidFill>
-                <a:effectLst/>
-              </a:rPr>
-              <a:t>JDK has tools that are required to write Java Programs and uses JRE to execute them. It has a compiler, Java application launcher, and an applet viewer.</a:t>
-            </a:r>
-          </a:p>
-          <a:p>
-            <a:pPr marL="514350" indent="-514350">
-              <a:buFont typeface="+mj-lt"/>
-              <a:buAutoNum type="alphaUcPeriod"/>
-            </a:pPr>
-            <a:endParaRPr lang="en-US" dirty="0"/>
-          </a:p>
-        </p:txBody>
-      </p:sp>
-    </p:spTree>
-    <p:extLst>
-      <p:ext uri="{BB962C8B-B14F-4D97-AF65-F5344CB8AC3E}">
-        <p14:creationId xmlns:p14="http://schemas.microsoft.com/office/powerpoint/2010/main" val="4011828788"/>
+        <p14:creationId xmlns:p14="http://schemas.microsoft.com/office/powerpoint/2010/main" val="2653652383"/>
       </p:ext>
     </p:extLst>
   </p:cSld>
@@ -16089,145 +14983,6 @@
     <p:extLst>
       <p:ext uri="{BB962C8B-B14F-4D97-AF65-F5344CB8AC3E}">
         <p14:creationId xmlns:p14="http://schemas.microsoft.com/office/powerpoint/2010/main" val="1298696359"/>
-      </p:ext>
-    </p:extLst>
-  </p:cSld>
-  <p:clrMapOvr>
-    <a:masterClrMapping/>
-  </p:clrMapOvr>
-  <mc:AlternateContent xmlns:mc="http://schemas.openxmlformats.org/markup-compatibility/2006" xmlns:p14="http://schemas.microsoft.com/office/powerpoint/2010/main">
-    <mc:Choice Requires="p14">
-      <p:transition spd="med" p14:dur="700">
-        <p:fade/>
-      </p:transition>
-    </mc:Choice>
-    <mc:Fallback xmlns="">
-      <p:transition spd="med">
-        <p:fade/>
-      </p:transition>
-    </mc:Fallback>
-  </mc:AlternateContent>
-</p:sld>
-</file>
-
-<file path=ppt/slides/slide50.xml><?xml version="1.0" encoding="utf-8"?>
-<p:sld xmlns:a="http://schemas.openxmlformats.org/drawingml/2006/main" xmlns:r="http://schemas.openxmlformats.org/officeDocument/2006/relationships" xmlns:p="http://schemas.openxmlformats.org/presentationml/2006/main">
-  <p:cSld>
-    <p:spTree>
-      <p:nvGrpSpPr>
-        <p:cNvPr id="1" name=""/>
-        <p:cNvGrpSpPr/>
-        <p:nvPr/>
-      </p:nvGrpSpPr>
-      <p:grpSpPr>
-        <a:xfrm>
-          <a:off x="0" y="0"/>
-          <a:ext cx="0" cy="0"/>
-          <a:chOff x="0" y="0"/>
-          <a:chExt cx="0" cy="0"/>
-        </a:xfrm>
-      </p:grpSpPr>
-      <p:sp>
-        <p:nvSpPr>
-          <p:cNvPr id="3" name="TextBox 2">
-            <a:extLst>
-              <a:ext uri="{FF2B5EF4-FFF2-40B4-BE49-F238E27FC236}">
-                <a16:creationId xmlns:a16="http://schemas.microsoft.com/office/drawing/2014/main" id="{737DA50D-39FF-4D50-A591-E6924755AF1C}"/>
-              </a:ext>
-            </a:extLst>
-          </p:cNvPr>
-          <p:cNvSpPr txBox="1"/>
-          <p:nvPr/>
-        </p:nvSpPr>
-        <p:spPr>
-          <a:xfrm>
-            <a:off x="1295400" y="1795360"/>
-            <a:ext cx="9601200" cy="1143000"/>
-          </a:xfrm>
-          <a:prstGeom prst="rect">
-            <a:avLst/>
-          </a:prstGeom>
-        </p:spPr>
-        <p:txBody>
-          <a:bodyPr vert="horz" lIns="91440" tIns="45720" rIns="91440" bIns="45720" rtlCol="0" anchor="b">
-            <a:normAutofit/>
-          </a:bodyPr>
-          <a:lstStyle/>
-          <a:p>
-            <a:pPr algn="ctr">
-              <a:lnSpc>
-                <a:spcPct val="90000"/>
-              </a:lnSpc>
-              <a:spcBef>
-                <a:spcPct val="0"/>
-              </a:spcBef>
-              <a:spcAft>
-                <a:spcPts val="600"/>
-              </a:spcAft>
-            </a:pPr>
-            <a:r>
-              <a:rPr lang="en-US" sz="6000" b="1" kern="1200" cap="all" baseline="0" dirty="0">
-                <a:solidFill>
-                  <a:schemeClr val="accent1"/>
-                </a:solidFill>
-                <a:effectLst>
-                  <a:outerShdw blurRad="38100" dist="25400" dir="18900000" algn="bl" rotWithShape="0">
-                    <a:schemeClr val="bg1">
-                      <a:alpha val="80000"/>
-                    </a:schemeClr>
-                  </a:outerShdw>
-                </a:effectLst>
-                <a:ea typeface="+mj-ea"/>
-                <a:cs typeface="+mj-cs"/>
-              </a:rPr>
-              <a:t>Thank You!</a:t>
-            </a:r>
-          </a:p>
-        </p:txBody>
-      </p:sp>
-      <p:pic>
-        <p:nvPicPr>
-          <p:cNvPr id="8" name="Picture 7" descr="A picture containing clipart, light&#10;&#10;Description automatically generated">
-            <a:extLst>
-              <a:ext uri="{FF2B5EF4-FFF2-40B4-BE49-F238E27FC236}">
-                <a16:creationId xmlns:a16="http://schemas.microsoft.com/office/drawing/2014/main" id="{6355922F-3B2E-4EFA-856F-CAD794D3C99C}"/>
-              </a:ext>
-            </a:extLst>
-          </p:cNvPr>
-          <p:cNvPicPr>
-            <a:picLocks noChangeAspect="1"/>
-          </p:cNvPicPr>
-          <p:nvPr/>
-        </p:nvPicPr>
-        <p:blipFill>
-          <a:blip r:embed="rId2">
-            <a:extLst>
-              <a:ext uri="{28A0092B-C50C-407E-A947-70E740481C1C}">
-                <a14:useLocalDpi xmlns:a14="http://schemas.microsoft.com/office/drawing/2010/main" val="0"/>
-              </a:ext>
-              <a:ext uri="{837473B0-CC2E-450A-ABE3-18F120FF3D39}">
-                <a1611:picAttrSrcUrl xmlns:a1611="http://schemas.microsoft.com/office/drawing/2016/11/main" r:id="rId3"/>
-              </a:ext>
-            </a:extLst>
-          </a:blip>
-          <a:stretch>
-            <a:fillRect/>
-          </a:stretch>
-        </p:blipFill>
-        <p:spPr>
-          <a:xfrm>
-            <a:off x="5238857" y="3324570"/>
-            <a:ext cx="1714286" cy="1714286"/>
-          </a:xfrm>
-          <a:prstGeom prst="rect">
-            <a:avLst/>
-          </a:prstGeom>
-        </p:spPr>
-      </p:pic>
-    </p:spTree>
-    <p:extLst>
-      <p:ext uri="{BB962C8B-B14F-4D97-AF65-F5344CB8AC3E}">
-        <p14:creationId xmlns:p14="http://schemas.microsoft.com/office/powerpoint/2010/main" val="2653652383"/>
       </p:ext>
     </p:extLst>
   </p:cSld>

--- a/Java_Mentoring_Revised.pptx
+++ b/Java_Mentoring_Revised.pptx
@@ -11526,7 +11526,7 @@
                 </a:solidFill>
                 <a:effectLst/>
               </a:rPr>
-              <a:t>Encapsulation is rapping of data and methods into a single unit.</a:t>
+              <a:t>Encapsulation is wrapping of data and methods into a single unit.</a:t>
             </a:r>
           </a:p>
           <a:p>
@@ -12911,7 +12911,7 @@
                   <a:schemeClr val="accent5"/>
                 </a:solidFill>
               </a:rPr>
-              <a:t>We can implement abstraction on classes and methods. Abstract method means incomplete method. The child class is responsible to implement the incomplete methods.</a:t>
+              <a:t>We can implement abstraction on classes and methods. Abstract method means incomplete method. The child class or implementing class is responsible to implement the incomplete methods.</a:t>
             </a:r>
             <a:endParaRPr lang="en-US" dirty="0">
               <a:solidFill>
